--- a/第2章-变量与数据类型/第2章-变量与数据类型.pptx
+++ b/第2章-变量与数据类型/第2章-变量与数据类型.pptx
@@ -6,10 +6,10 @@
     <p:sldMasterId id="2147484986" r:id="rId2"/>
   </p:sldMasterIdLst>
   <p:notesMasterIdLst>
-    <p:notesMasterId r:id="rId27"/>
+    <p:notesMasterId r:id="rId28"/>
   </p:notesMasterIdLst>
   <p:handoutMasterIdLst>
-    <p:handoutMasterId r:id="rId28"/>
+    <p:handoutMasterId r:id="rId29"/>
   </p:handoutMasterIdLst>
   <p:sldIdLst>
     <p:sldId id="2708" r:id="rId3"/>
@@ -35,12 +35,13 @@
     <p:sldId id="2784" r:id="rId23"/>
     <p:sldId id="2775" r:id="rId24"/>
     <p:sldId id="2785" r:id="rId25"/>
-    <p:sldId id="2760" r:id="rId26"/>
+    <p:sldId id="2741" r:id="rId26"/>
+    <p:sldId id="2760" r:id="rId27"/>
   </p:sldIdLst>
   <p:sldSz cx="12192000" cy="6858000"/>
   <p:notesSz cx="7099300" cy="10234613"/>
   <p:custDataLst>
-    <p:tags r:id="rId29"/>
+    <p:tags r:id="rId30"/>
   </p:custDataLst>
   <p:defaultTextStyle>
     <a:defPPr>
@@ -5666,6 +5667,67 @@
             <p:ph type="sldImg"/>
           </p:nvPr>
         </p:nvSpPr>
+        <p:spPr/>
+      </p:sp>
+      <p:sp>
+        <p:nvSpPr>
+          <p:cNvPr id="3" name="备注占位符 2"/>
+          <p:cNvSpPr>
+            <a:spLocks noGrp="1"/>
+          </p:cNvSpPr>
+          <p:nvPr>
+            <p:ph type="body" idx="1"/>
+          </p:nvPr>
+        </p:nvSpPr>
+        <p:spPr/>
+        <p:txBody>
+          <a:bodyPr/>
+          <a:lstStyle/>
+          <a:p>
+            <a:endParaRPr lang="zh-CN" altLang="en-US" dirty="0"/>
+          </a:p>
+        </p:txBody>
+      </p:sp>
+    </p:spTree>
+    <p:extLst>
+      <p:ext uri="{BB962C8B-B14F-4D97-AF65-F5344CB8AC3E}">
+        <p14:creationId xmlns:p14="http://schemas.microsoft.com/office/powerpoint/2010/main" val="3363326210"/>
+      </p:ext>
+    </p:extLst>
+  </p:cSld>
+  <p:clrMapOvr>
+    <a:masterClrMapping/>
+  </p:clrMapOvr>
+</p:notes>
+</file>
+
+<file path=ppt/notesSlides/notesSlide25.xml><?xml version="1.0" encoding="utf-8"?>
+<p:notes xmlns:a="http://schemas.openxmlformats.org/drawingml/2006/main" xmlns:r="http://schemas.openxmlformats.org/officeDocument/2006/relationships" xmlns:p="http://schemas.openxmlformats.org/presentationml/2006/main">
+  <p:cSld>
+    <p:spTree>
+      <p:nvGrpSpPr>
+        <p:cNvPr id="1" name=""/>
+        <p:cNvGrpSpPr/>
+        <p:nvPr/>
+      </p:nvGrpSpPr>
+      <p:grpSpPr>
+        <a:xfrm>
+          <a:off x="0" y="0"/>
+          <a:ext cx="0" cy="0"/>
+          <a:chOff x="0" y="0"/>
+          <a:chExt cx="0" cy="0"/>
+        </a:xfrm>
+      </p:grpSpPr>
+      <p:sp>
+        <p:nvSpPr>
+          <p:cNvPr id="2" name="幻灯片图像占位符 1"/>
+          <p:cNvSpPr>
+            <a:spLocks noGrp="1" noRot="1" noChangeAspect="1"/>
+          </p:cNvSpPr>
+          <p:nvPr>
+            <p:ph type="sldImg"/>
+          </p:nvPr>
+        </p:nvSpPr>
         <p:spPr>
           <a:xfrm>
             <a:off x="142875" y="768350"/>
@@ -28014,6 +28076,294 @@
 </file>
 
 <file path=ppt/slides/slide24.xml><?xml version="1.0" encoding="utf-8"?>
+<p:sld xmlns:a="http://schemas.openxmlformats.org/drawingml/2006/main" xmlns:r="http://schemas.openxmlformats.org/officeDocument/2006/relationships" xmlns:p="http://schemas.openxmlformats.org/presentationml/2006/main">
+  <p:cSld>
+    <p:spTree>
+      <p:nvGrpSpPr>
+        <p:cNvPr id="1" name=""/>
+        <p:cNvGrpSpPr/>
+        <p:nvPr/>
+      </p:nvGrpSpPr>
+      <p:grpSpPr>
+        <a:xfrm>
+          <a:off x="0" y="0"/>
+          <a:ext cx="0" cy="0"/>
+          <a:chOff x="0" y="0"/>
+          <a:chExt cx="0" cy="0"/>
+        </a:xfrm>
+      </p:grpSpPr>
+      <p:sp>
+        <p:nvSpPr>
+          <p:cNvPr id="3" name="标题 2"/>
+          <p:cNvSpPr>
+            <a:spLocks noGrp="1"/>
+          </p:cNvSpPr>
+          <p:nvPr>
+            <p:ph type="title"/>
+          </p:nvPr>
+        </p:nvSpPr>
+        <p:spPr>
+          <a:xfrm>
+            <a:off x="1524001" y="8526"/>
+            <a:ext cx="9013371" cy="792162"/>
+          </a:xfrm>
+        </p:spPr>
+        <p:txBody>
+          <a:bodyPr/>
+          <a:lstStyle/>
+          <a:p>
+            <a:r>
+              <a:rPr lang="zh-CN" altLang="en-US" dirty="0">
+                <a:latin typeface="+mn-ea"/>
+              </a:rPr>
+              <a:t>二</a:t>
+            </a:r>
+            <a:r>
+              <a:rPr lang="en-US" altLang="zh-CN" dirty="0">
+                <a:latin typeface="+mn-ea"/>
+              </a:rPr>
+              <a:t>. </a:t>
+            </a:r>
+            <a:r>
+              <a:rPr lang="zh-CN" altLang="en-US" dirty="0">
+                <a:latin typeface="微软雅黑" pitchFamily="34" charset="-122"/>
+                <a:ea typeface="微软雅黑" pitchFamily="34" charset="-122"/>
+              </a:rPr>
+              <a:t>开源</a:t>
+            </a:r>
+            <a:r>
+              <a:rPr lang="en-US" altLang="zh-CN" dirty="0">
+                <a:latin typeface="微软雅黑" pitchFamily="34" charset="-122"/>
+                <a:ea typeface="微软雅黑" pitchFamily="34" charset="-122"/>
+              </a:rPr>
+              <a:t>GIS</a:t>
+            </a:r>
+            <a:r>
+              <a:rPr lang="zh-CN" altLang="en-US" dirty="0">
+                <a:latin typeface="微软雅黑" pitchFamily="34" charset="-122"/>
+                <a:ea typeface="微软雅黑" pitchFamily="34" charset="-122"/>
+              </a:rPr>
+              <a:t>软件发展史及现状</a:t>
+            </a:r>
+            <a:endParaRPr lang="zh-CN" altLang="en-US" dirty="0"/>
+          </a:p>
+        </p:txBody>
+      </p:sp>
+      <p:sp>
+        <p:nvSpPr>
+          <p:cNvPr id="2" name="TextBox 1">
+            <a:extLst>
+              <a:ext uri="{FF2B5EF4-FFF2-40B4-BE49-F238E27FC236}">
+                <a16:creationId xmlns:a16="http://schemas.microsoft.com/office/drawing/2014/main" id="{631AADB6-C88A-D817-4683-FC087E4E240F}"/>
+              </a:ext>
+            </a:extLst>
+          </p:cNvPr>
+          <p:cNvSpPr txBox="1"/>
+          <p:nvPr/>
+        </p:nvSpPr>
+        <p:spPr>
+          <a:xfrm>
+            <a:off x="730294" y="1022545"/>
+            <a:ext cx="10744529" cy="825419"/>
+          </a:xfrm>
+          <a:prstGeom prst="rect">
+            <a:avLst/>
+          </a:prstGeom>
+          <a:noFill/>
+        </p:spPr>
+        <p:txBody>
+          <a:bodyPr wrap="square" rtlCol="0">
+            <a:spAutoFit/>
+          </a:bodyPr>
+          <a:lstStyle/>
+          <a:p>
+            <a:pPr algn="just">
+              <a:lnSpc>
+                <a:spcPct val="150000"/>
+              </a:lnSpc>
+            </a:pPr>
+            <a:r>
+              <a:rPr lang="zh-CN" altLang="en-US" sz="3600" b="1" dirty="0">
+                <a:solidFill>
+                  <a:srgbClr val="333333"/>
+                </a:solidFill>
+                <a:latin typeface="+mn-ea"/>
+                <a:ea typeface="+mn-ea"/>
+              </a:rPr>
+              <a:t>实验练习及要求</a:t>
+            </a:r>
+            <a:endParaRPr lang="en-US" altLang="zh-CN" sz="3600" b="1" dirty="0">
+              <a:solidFill>
+                <a:srgbClr val="333333"/>
+              </a:solidFill>
+              <a:latin typeface="+mn-ea"/>
+              <a:ea typeface="+mn-ea"/>
+            </a:endParaRPr>
+          </a:p>
+        </p:txBody>
+      </p:sp>
+      <p:sp>
+        <p:nvSpPr>
+          <p:cNvPr id="5" name="TextBox 4">
+            <a:extLst>
+              <a:ext uri="{FF2B5EF4-FFF2-40B4-BE49-F238E27FC236}">
+                <a16:creationId xmlns:a16="http://schemas.microsoft.com/office/drawing/2014/main" id="{FCD10A89-5E0E-5D73-1D4F-9E11D943B29C}"/>
+              </a:ext>
+            </a:extLst>
+          </p:cNvPr>
+          <p:cNvSpPr txBox="1"/>
+          <p:nvPr/>
+        </p:nvSpPr>
+        <p:spPr>
+          <a:xfrm>
+            <a:off x="730294" y="1866676"/>
+            <a:ext cx="10744529" cy="3224794"/>
+          </a:xfrm>
+          <a:prstGeom prst="rect">
+            <a:avLst/>
+          </a:prstGeom>
+          <a:noFill/>
+        </p:spPr>
+        <p:txBody>
+          <a:bodyPr wrap="square">
+            <a:spAutoFit/>
+          </a:bodyPr>
+          <a:lstStyle/>
+          <a:p>
+            <a:pPr algn="just">
+              <a:lnSpc>
+                <a:spcPct val="200000"/>
+              </a:lnSpc>
+            </a:pPr>
+            <a:r>
+              <a:rPr lang="zh-CN" altLang="en-US" sz="3600" b="1" dirty="0">
+                <a:solidFill>
+                  <a:srgbClr val="FF0000"/>
+                </a:solidFill>
+                <a:latin typeface="+mn-ea"/>
+                <a:ea typeface="+mn-ea"/>
+              </a:rPr>
+              <a:t>变量与数据类型代码学习</a:t>
+            </a:r>
+            <a:endParaRPr lang="en-US" altLang="zh-CN" sz="3600" b="1" dirty="0">
+              <a:solidFill>
+                <a:srgbClr val="FF0000"/>
+              </a:solidFill>
+              <a:latin typeface="+mn-ea"/>
+              <a:ea typeface="+mn-ea"/>
+            </a:endParaRPr>
+          </a:p>
+          <a:p>
+            <a:pPr marL="342900" indent="-342900" algn="just">
+              <a:lnSpc>
+                <a:spcPct val="200000"/>
+              </a:lnSpc>
+              <a:buFont typeface="Arial" panose="020B0604020202020204" pitchFamily="34" charset="0"/>
+              <a:buChar char="•"/>
+            </a:pPr>
+            <a:r>
+              <a:rPr lang="zh-CN" altLang="en-US" sz="2800" dirty="0">
+                <a:solidFill>
+                  <a:srgbClr val="333333"/>
+                </a:solidFill>
+                <a:latin typeface="+mn-ea"/>
+                <a:ea typeface="+mn-ea"/>
+              </a:rPr>
+              <a:t>根据第二章节提供代码，</a:t>
+            </a:r>
+            <a:r>
+              <a:rPr lang="zh-CN" altLang="en-US" sz="2800" b="1" u="sng" dirty="0">
+                <a:solidFill>
+                  <a:srgbClr val="333333"/>
+                </a:solidFill>
+                <a:latin typeface="+mn-ea"/>
+                <a:ea typeface="+mn-ea"/>
+              </a:rPr>
+              <a:t>学习变量赋值与不同数据类型基本操作</a:t>
+            </a:r>
+            <a:r>
+              <a:rPr lang="zh-CN" altLang="en-US" sz="2800" dirty="0">
+                <a:solidFill>
+                  <a:srgbClr val="333333"/>
+                </a:solidFill>
+                <a:latin typeface="+mn-ea"/>
+                <a:ea typeface="+mn-ea"/>
+              </a:rPr>
+              <a:t>。</a:t>
+            </a:r>
+            <a:endParaRPr lang="en-US" altLang="zh-CN" sz="2800" dirty="0">
+              <a:solidFill>
+                <a:srgbClr val="333333"/>
+              </a:solidFill>
+              <a:latin typeface="+mn-ea"/>
+              <a:ea typeface="+mn-ea"/>
+            </a:endParaRPr>
+          </a:p>
+          <a:p>
+            <a:pPr marL="342900" indent="-342900" algn="just">
+              <a:lnSpc>
+                <a:spcPct val="200000"/>
+              </a:lnSpc>
+              <a:buFont typeface="Arial" panose="020B0604020202020204" pitchFamily="34" charset="0"/>
+              <a:buChar char="•"/>
+            </a:pPr>
+            <a:r>
+              <a:rPr lang="zh-CN" altLang="en-US" sz="2800" b="1" u="sng">
+                <a:solidFill>
+                  <a:srgbClr val="333333"/>
+                </a:solidFill>
+                <a:latin typeface="+mn-ea"/>
+                <a:ea typeface="+mn-ea"/>
+              </a:rPr>
+              <a:t>对比不同数据类型</a:t>
+            </a:r>
+            <a:r>
+              <a:rPr lang="zh-CN" altLang="en-US" sz="2800" b="1" u="sng" dirty="0">
+                <a:solidFill>
+                  <a:srgbClr val="333333"/>
+                </a:solidFill>
+                <a:latin typeface="+mn-ea"/>
+                <a:ea typeface="+mn-ea"/>
+              </a:rPr>
+              <a:t>差异</a:t>
+            </a:r>
+            <a:r>
+              <a:rPr lang="zh-CN" altLang="en-US" sz="2800" dirty="0">
+                <a:solidFill>
+                  <a:srgbClr val="333333"/>
+                </a:solidFill>
+                <a:latin typeface="+mn-ea"/>
+                <a:ea typeface="+mn-ea"/>
+              </a:rPr>
+              <a:t>。</a:t>
+            </a:r>
+            <a:endParaRPr lang="en-US" altLang="zh-CN" sz="2800" dirty="0">
+              <a:solidFill>
+                <a:srgbClr val="333333"/>
+              </a:solidFill>
+              <a:latin typeface="+mn-ea"/>
+              <a:ea typeface="+mn-ea"/>
+            </a:endParaRPr>
+          </a:p>
+        </p:txBody>
+      </p:sp>
+    </p:spTree>
+    <p:extLst>
+      <p:ext uri="{BB962C8B-B14F-4D97-AF65-F5344CB8AC3E}">
+        <p14:creationId xmlns:p14="http://schemas.microsoft.com/office/powerpoint/2010/main" val="4207004688"/>
+      </p:ext>
+    </p:extLst>
+  </p:cSld>
+  <p:clrMapOvr>
+    <a:masterClrMapping/>
+  </p:clrMapOvr>
+  <p:transition>
+    <p:fade/>
+  </p:transition>
+</p:sld>
+</file>
+
+<file path=ppt/slides/slide25.xml><?xml version="1.0" encoding="utf-8"?>
 <p:sld xmlns:a="http://schemas.openxmlformats.org/drawingml/2006/main" xmlns:r="http://schemas.openxmlformats.org/officeDocument/2006/relationships" xmlns:p="http://schemas.openxmlformats.org/presentationml/2006/main">
   <p:cSld>
     <p:spTree>

--- a/第2章-变量与数据类型/第2章-变量与数据类型.pptx
+++ b/第2章-变量与数据类型/第2章-变量与数据类型.pptx
@@ -6,10 +6,10 @@
     <p:sldMasterId id="2147484986" r:id="rId2"/>
   </p:sldMasterIdLst>
   <p:notesMasterIdLst>
-    <p:notesMasterId r:id="rId28"/>
+    <p:notesMasterId r:id="rId30"/>
   </p:notesMasterIdLst>
   <p:handoutMasterIdLst>
-    <p:handoutMasterId r:id="rId29"/>
+    <p:handoutMasterId r:id="rId31"/>
   </p:handoutMasterIdLst>
   <p:sldIdLst>
     <p:sldId id="2708" r:id="rId3"/>
@@ -22,26 +22,28 @@
     <p:sldId id="2726" r:id="rId10"/>
     <p:sldId id="2770" r:id="rId11"/>
     <p:sldId id="2764" r:id="rId12"/>
-    <p:sldId id="2771" r:id="rId13"/>
+    <p:sldId id="2789" r:id="rId13"/>
     <p:sldId id="2772" r:id="rId14"/>
     <p:sldId id="2782" r:id="rId15"/>
     <p:sldId id="2709" r:id="rId16"/>
     <p:sldId id="2773" r:id="rId17"/>
-    <p:sldId id="2765" r:id="rId18"/>
-    <p:sldId id="2780" r:id="rId19"/>
-    <p:sldId id="2781" r:id="rId20"/>
-    <p:sldId id="2774" r:id="rId21"/>
-    <p:sldId id="2783" r:id="rId22"/>
-    <p:sldId id="2784" r:id="rId23"/>
-    <p:sldId id="2775" r:id="rId24"/>
-    <p:sldId id="2785" r:id="rId25"/>
-    <p:sldId id="2741" r:id="rId26"/>
-    <p:sldId id="2760" r:id="rId27"/>
+    <p:sldId id="2787" r:id="rId18"/>
+    <p:sldId id="2788" r:id="rId19"/>
+    <p:sldId id="2786" r:id="rId20"/>
+    <p:sldId id="2780" r:id="rId21"/>
+    <p:sldId id="2781" r:id="rId22"/>
+    <p:sldId id="2774" r:id="rId23"/>
+    <p:sldId id="2783" r:id="rId24"/>
+    <p:sldId id="2784" r:id="rId25"/>
+    <p:sldId id="2775" r:id="rId26"/>
+    <p:sldId id="2785" r:id="rId27"/>
+    <p:sldId id="2741" r:id="rId28"/>
+    <p:sldId id="2760" r:id="rId29"/>
   </p:sldIdLst>
   <p:sldSz cx="12192000" cy="6858000"/>
   <p:notesSz cx="7099300" cy="10234613"/>
   <p:custDataLst>
-    <p:tags r:id="rId30"/>
+    <p:tags r:id="rId32"/>
   </p:custDataLst>
   <p:defaultTextStyle>
     <a:defPPr>
@@ -3912,7 +3914,7 @@
               </a14:hiddenFill>
             </a:ext>
             <a:ext uri="{FAA26D3D-D897-4be2-8F04-BA451C77F1D7}">
-              <ma14:placeholderFlag xmlns:ma14="http://schemas.microsoft.com/office/mac/drawingml/2011/main" xmlns="" val="1"/>
+              <ma14:placeholderFlag xmlns="" xmlns:ma14="http://schemas.microsoft.com/office/mac/drawingml/2011/main" val="1"/>
             </a:ext>
           </a:extLst>
         </p:spPr>
@@ -4300,7 +4302,7 @@
               </a14:hiddenLine>
             </a:ext>
             <a:ext uri="{FAA26D3D-D897-4be2-8F04-BA451C77F1D7}">
-              <ma14:placeholderFlag xmlns="" xmlns:ma14="http://schemas.microsoft.com/office/mac/drawingml/2011/main" val="1"/>
+              <ma14:placeholderFlag xmlns:ma14="http://schemas.microsoft.com/office/mac/drawingml/2011/main" xmlns="" val="1"/>
             </a:ext>
           </a:extLst>
         </p:spPr>
@@ -4424,7 +4426,7 @@
         <p:cNvPr id="1" name="">
           <a:extLst>
             <a:ext uri="{FF2B5EF4-FFF2-40B4-BE49-F238E27FC236}">
-              <a16:creationId xmlns:a16="http://schemas.microsoft.com/office/drawing/2014/main" id="{89DFE810-24EB-F8D1-C6DD-4131A547D198}"/>
+              <a16:creationId xmlns:a16="http://schemas.microsoft.com/office/drawing/2014/main" id="{F3498BAE-0488-5FC4-D2BB-BE3C89190359}"/>
             </a:ext>
           </a:extLst>
         </p:cNvPr>
@@ -4444,7 +4446,7 @@
           <p:cNvPr id="2" name="幻灯片图像占位符 1">
             <a:extLst>
               <a:ext uri="{FF2B5EF4-FFF2-40B4-BE49-F238E27FC236}">
-                <a16:creationId xmlns:a16="http://schemas.microsoft.com/office/drawing/2014/main" id="{BFCF5E73-C01B-0554-D500-3CEDB9BFD19F}"/>
+                <a16:creationId xmlns:a16="http://schemas.microsoft.com/office/drawing/2014/main" id="{70DF7313-39BF-9AA9-4681-1BB257D722BC}"/>
               </a:ext>
             </a:extLst>
           </p:cNvPr>
@@ -4467,7 +4469,7 @@
           <p:cNvPr id="3" name="备注占位符 2">
             <a:extLst>
               <a:ext uri="{FF2B5EF4-FFF2-40B4-BE49-F238E27FC236}">
-                <a16:creationId xmlns:a16="http://schemas.microsoft.com/office/drawing/2014/main" id="{436495E3-73B0-4A9D-8E02-D45D87F134AA}"/>
+                <a16:creationId xmlns:a16="http://schemas.microsoft.com/office/drawing/2014/main" id="{EE057346-BEB5-AF3A-0955-5BEA37A740EA}"/>
               </a:ext>
             </a:extLst>
           </p:cNvPr>
@@ -4490,7 +4492,7 @@
     </p:spTree>
     <p:extLst>
       <p:ext uri="{BB962C8B-B14F-4D97-AF65-F5344CB8AC3E}">
-        <p14:creationId xmlns:p14="http://schemas.microsoft.com/office/powerpoint/2010/main" val="3612264898"/>
+        <p14:creationId xmlns:p14="http://schemas.microsoft.com/office/powerpoint/2010/main" val="2644883407"/>
       </p:ext>
     </p:extLst>
   </p:cSld>
@@ -4841,6 +4843,160 @@
         <p:cNvPr id="1" name="">
           <a:extLst>
             <a:ext uri="{FF2B5EF4-FFF2-40B4-BE49-F238E27FC236}">
+              <a16:creationId xmlns:a16="http://schemas.microsoft.com/office/drawing/2014/main" id="{5222C0E5-A5E8-391F-4B91-3AE5404193F9}"/>
+            </a:ext>
+          </a:extLst>
+        </p:cNvPr>
+        <p:cNvGrpSpPr/>
+        <p:nvPr/>
+      </p:nvGrpSpPr>
+      <p:grpSpPr>
+        <a:xfrm>
+          <a:off x="0" y="0"/>
+          <a:ext cx="0" cy="0"/>
+          <a:chOff x="0" y="0"/>
+          <a:chExt cx="0" cy="0"/>
+        </a:xfrm>
+      </p:grpSpPr>
+      <p:sp>
+        <p:nvSpPr>
+          <p:cNvPr id="2" name="幻灯片图像占位符 1">
+            <a:extLst>
+              <a:ext uri="{FF2B5EF4-FFF2-40B4-BE49-F238E27FC236}">
+                <a16:creationId xmlns:a16="http://schemas.microsoft.com/office/drawing/2014/main" id="{2D375B12-F6E3-4ABB-DB25-51FAF83C154D}"/>
+              </a:ext>
+            </a:extLst>
+          </p:cNvPr>
+          <p:cNvSpPr>
+            <a:spLocks noGrp="1" noRot="1" noChangeAspect="1"/>
+          </p:cNvSpPr>
+          <p:nvPr>
+            <p:ph type="sldImg"/>
+          </p:nvPr>
+        </p:nvSpPr>
+        <p:spPr>
+          <a:xfrm>
+            <a:off x="142875" y="768350"/>
+            <a:ext cx="6818313" cy="3836988"/>
+          </a:xfrm>
+        </p:spPr>
+        <p:txBody>
+          <a:bodyPr/>
+          <a:lstStyle/>
+          <a:p>
+            <a:endParaRPr lang="zh-CN" altLang="en-US"/>
+          </a:p>
+        </p:txBody>
+      </p:sp>
+      <p:sp>
+        <p:nvSpPr>
+          <p:cNvPr id="3" name="备注占位符 2">
+            <a:extLst>
+              <a:ext uri="{FF2B5EF4-FFF2-40B4-BE49-F238E27FC236}">
+                <a16:creationId xmlns:a16="http://schemas.microsoft.com/office/drawing/2014/main" id="{6568CBD5-18AE-4F60-0204-6A8E6D3AC6F9}"/>
+              </a:ext>
+            </a:extLst>
+          </p:cNvPr>
+          <p:cNvSpPr>
+            <a:spLocks noGrp="1"/>
+          </p:cNvSpPr>
+          <p:nvPr>
+            <p:ph type="body" idx="1"/>
+          </p:nvPr>
+        </p:nvSpPr>
+        <p:spPr/>
+        <p:txBody>
+          <a:bodyPr/>
+          <a:lstStyle/>
+          <a:p>
+            <a:pPr algn="l">
+              <a:lnSpc>
+                <a:spcPct val="150000"/>
+              </a:lnSpc>
+            </a:pPr>
+            <a:r>
+              <a:rPr lang="en-US" altLang="zh-CN" sz="1200" b="0" i="0" dirty="0" err="1">
+                <a:solidFill>
+                  <a:schemeClr val="bg2"/>
+                </a:solidFill>
+                <a:effectLst/>
+                <a:latin typeface="+mj-ea"/>
+                <a:ea typeface="+mj-ea"/>
+              </a:rPr>
+              <a:t>Matlab</a:t>
+            </a:r>
+            <a:r>
+              <a:rPr lang="zh-CN" altLang="en-US" sz="1200" b="0" i="0" dirty="0">
+                <a:solidFill>
+                  <a:schemeClr val="bg2"/>
+                </a:solidFill>
+                <a:effectLst/>
+                <a:latin typeface="+mj-ea"/>
+                <a:ea typeface="+mj-ea"/>
+              </a:rPr>
+              <a:t>逻辑型，即布尔型</a:t>
+            </a:r>
+            <a:endParaRPr lang="en-US" altLang="zh-CN" sz="1200" b="0" i="0" dirty="0">
+              <a:solidFill>
+                <a:schemeClr val="bg2"/>
+              </a:solidFill>
+              <a:effectLst/>
+              <a:latin typeface="+mj-ea"/>
+              <a:ea typeface="+mj-ea"/>
+            </a:endParaRPr>
+          </a:p>
+          <a:p>
+            <a:pPr algn="l">
+              <a:lnSpc>
+                <a:spcPct val="150000"/>
+              </a:lnSpc>
+            </a:pPr>
+            <a:r>
+              <a:rPr lang="en-US" altLang="zh-CN" sz="1200" b="0" i="0" dirty="0">
+                <a:solidFill>
+                  <a:schemeClr val="bg2"/>
+                </a:solidFill>
+                <a:effectLst/>
+                <a:latin typeface="+mj-ea"/>
+                <a:ea typeface="+mj-ea"/>
+              </a:rPr>
+              <a:t>C</a:t>
+            </a:r>
+            <a:r>
+              <a:rPr lang="zh-CN" altLang="en-US" sz="1200" b="0" i="0" dirty="0">
+                <a:solidFill>
+                  <a:schemeClr val="bg2"/>
+                </a:solidFill>
+                <a:effectLst/>
+                <a:latin typeface="+mj-ea"/>
+                <a:ea typeface="+mj-ea"/>
+              </a:rPr>
+              <a:t>中字符型包含在整数型中。</a:t>
+            </a:r>
+          </a:p>
+        </p:txBody>
+      </p:sp>
+    </p:spTree>
+    <p:extLst>
+      <p:ext uri="{BB962C8B-B14F-4D97-AF65-F5344CB8AC3E}">
+        <p14:creationId xmlns:p14="http://schemas.microsoft.com/office/powerpoint/2010/main" val="1924315972"/>
+      </p:ext>
+    </p:extLst>
+  </p:cSld>
+  <p:clrMapOvr>
+    <a:masterClrMapping/>
+  </p:clrMapOvr>
+</p:notes>
+</file>
+
+<file path=ppt/notesSlides/notesSlide17.xml><?xml version="1.0" encoding="utf-8"?>
+<p:notes xmlns:a="http://schemas.openxmlformats.org/drawingml/2006/main" xmlns:r="http://schemas.openxmlformats.org/officeDocument/2006/relationships" xmlns:p="http://schemas.openxmlformats.org/presentationml/2006/main">
+  <p:cSld>
+    <p:spTree>
+      <p:nvGrpSpPr>
+        <p:cNvPr id="1" name="">
+          <a:extLst>
+            <a:ext uri="{FF2B5EF4-FFF2-40B4-BE49-F238E27FC236}">
               <a16:creationId xmlns:a16="http://schemas.microsoft.com/office/drawing/2014/main" id="{1060AF62-7DBD-55B7-4748-A9EA2D9A125B}"/>
             </a:ext>
           </a:extLst>
@@ -4878,6 +5034,13 @@
             <a:ext cx="6818313" cy="3836988"/>
           </a:xfrm>
         </p:spPr>
+        <p:txBody>
+          <a:bodyPr/>
+          <a:lstStyle/>
+          <a:p>
+            <a:endParaRPr lang="zh-CN" altLang="en-US"/>
+          </a:p>
+        </p:txBody>
       </p:sp>
       <p:sp>
         <p:nvSpPr>
@@ -4932,7 +5095,113 @@
 </p:notes>
 </file>
 
-<file path=ppt/notesSlides/notesSlide17.xml><?xml version="1.0" encoding="utf-8"?>
+<file path=ppt/notesSlides/notesSlide18.xml><?xml version="1.0" encoding="utf-8"?>
+<p:notes xmlns:a="http://schemas.openxmlformats.org/drawingml/2006/main" xmlns:r="http://schemas.openxmlformats.org/officeDocument/2006/relationships" xmlns:p="http://schemas.openxmlformats.org/presentationml/2006/main">
+  <p:cSld>
+    <p:spTree>
+      <p:nvGrpSpPr>
+        <p:cNvPr id="1" name="">
+          <a:extLst>
+            <a:ext uri="{FF2B5EF4-FFF2-40B4-BE49-F238E27FC236}">
+              <a16:creationId xmlns:a16="http://schemas.microsoft.com/office/drawing/2014/main" id="{CFD55CFF-268F-BEF0-3CDC-6D05BCE3CFBC}"/>
+            </a:ext>
+          </a:extLst>
+        </p:cNvPr>
+        <p:cNvGrpSpPr/>
+        <p:nvPr/>
+      </p:nvGrpSpPr>
+      <p:grpSpPr>
+        <a:xfrm>
+          <a:off x="0" y="0"/>
+          <a:ext cx="0" cy="0"/>
+          <a:chOff x="0" y="0"/>
+          <a:chExt cx="0" cy="0"/>
+        </a:xfrm>
+      </p:grpSpPr>
+      <p:sp>
+        <p:nvSpPr>
+          <p:cNvPr id="2" name="幻灯片图像占位符 1">
+            <a:extLst>
+              <a:ext uri="{FF2B5EF4-FFF2-40B4-BE49-F238E27FC236}">
+                <a16:creationId xmlns:a16="http://schemas.microsoft.com/office/drawing/2014/main" id="{808E18DD-47CD-6A26-B7EE-1DFD960257B3}"/>
+              </a:ext>
+            </a:extLst>
+          </p:cNvPr>
+          <p:cNvSpPr>
+            <a:spLocks noGrp="1" noRot="1" noChangeAspect="1"/>
+          </p:cNvSpPr>
+          <p:nvPr>
+            <p:ph type="sldImg"/>
+          </p:nvPr>
+        </p:nvSpPr>
+        <p:spPr>
+          <a:xfrm>
+            <a:off x="142875" y="768350"/>
+            <a:ext cx="6818313" cy="3836988"/>
+          </a:xfrm>
+        </p:spPr>
+        <p:txBody>
+          <a:bodyPr/>
+          <a:lstStyle/>
+          <a:p>
+            <a:endParaRPr lang="zh-CN" altLang="en-US"/>
+          </a:p>
+        </p:txBody>
+      </p:sp>
+      <p:sp>
+        <p:nvSpPr>
+          <p:cNvPr id="3" name="备注占位符 2">
+            <a:extLst>
+              <a:ext uri="{FF2B5EF4-FFF2-40B4-BE49-F238E27FC236}">
+                <a16:creationId xmlns:a16="http://schemas.microsoft.com/office/drawing/2014/main" id="{5FC4BEBF-8DD7-C96B-A317-2DBBDE67CF37}"/>
+              </a:ext>
+            </a:extLst>
+          </p:cNvPr>
+          <p:cNvSpPr>
+            <a:spLocks noGrp="1"/>
+          </p:cNvSpPr>
+          <p:nvPr>
+            <p:ph type="body" idx="1"/>
+          </p:nvPr>
+        </p:nvSpPr>
+        <p:spPr/>
+        <p:txBody>
+          <a:bodyPr/>
+          <a:lstStyle/>
+          <a:p>
+            <a:r>
+              <a:rPr lang="en-US" altLang="zh-CN" dirty="0"/>
+              <a:t>1. </a:t>
+            </a:r>
+            <a:r>
+              <a:rPr lang="zh-CN" altLang="en-US" dirty="0"/>
+              <a:t>代码演示，</a:t>
+            </a:r>
+            <a:r>
+              <a:rPr lang="en-US" altLang="zh-CN" dirty="0"/>
+              <a:t>type()</a:t>
+            </a:r>
+            <a:r>
+              <a:rPr lang="zh-CN" altLang="en-US" dirty="0"/>
+              <a:t>获取类型</a:t>
+            </a:r>
+          </a:p>
+        </p:txBody>
+      </p:sp>
+    </p:spTree>
+    <p:extLst>
+      <p:ext uri="{BB962C8B-B14F-4D97-AF65-F5344CB8AC3E}">
+        <p14:creationId xmlns:p14="http://schemas.microsoft.com/office/powerpoint/2010/main" val="2222431057"/>
+      </p:ext>
+    </p:extLst>
+  </p:cSld>
+  <p:clrMapOvr>
+    <a:masterClrMapping/>
+  </p:clrMapOvr>
+</p:notes>
+</file>
+
+<file path=ppt/notesSlides/notesSlide19.xml><?xml version="1.0" encoding="utf-8"?>
 <p:notes xmlns:a="http://schemas.openxmlformats.org/drawingml/2006/main" xmlns:r="http://schemas.openxmlformats.org/officeDocument/2006/relationships" xmlns:p="http://schemas.openxmlformats.org/presentationml/2006/main">
   <p:cSld>
     <p:spTree>
@@ -5031,7 +5300,105 @@
 </p:notes>
 </file>
 
-<file path=ppt/notesSlides/notesSlide18.xml><?xml version="1.0" encoding="utf-8"?>
+<file path=ppt/notesSlides/notesSlide2.xml><?xml version="1.0" encoding="utf-8"?>
+<p:notes xmlns:a="http://schemas.openxmlformats.org/drawingml/2006/main" xmlns:r="http://schemas.openxmlformats.org/officeDocument/2006/relationships" xmlns:p="http://schemas.openxmlformats.org/presentationml/2006/main">
+  <p:cSld>
+    <p:spTree>
+      <p:nvGrpSpPr>
+        <p:cNvPr id="1" name=""/>
+        <p:cNvGrpSpPr/>
+        <p:nvPr/>
+      </p:nvGrpSpPr>
+      <p:grpSpPr>
+        <a:xfrm>
+          <a:off x="0" y="0"/>
+          <a:ext cx="0" cy="0"/>
+          <a:chOff x="0" y="0"/>
+          <a:chExt cx="0" cy="0"/>
+        </a:xfrm>
+      </p:grpSpPr>
+      <p:sp>
+        <p:nvSpPr>
+          <p:cNvPr id="2" name="幻灯片图像占位符 1"/>
+          <p:cNvSpPr>
+            <a:spLocks noGrp="1" noRot="1" noChangeAspect="1"/>
+          </p:cNvSpPr>
+          <p:nvPr>
+            <p:ph type="sldImg"/>
+          </p:nvPr>
+        </p:nvSpPr>
+        <p:spPr>
+          <a:xfrm>
+            <a:off x="142875" y="768350"/>
+            <a:ext cx="6818313" cy="3836988"/>
+          </a:xfrm>
+        </p:spPr>
+      </p:sp>
+      <p:sp>
+        <p:nvSpPr>
+          <p:cNvPr id="3" name="备注占位符 2"/>
+          <p:cNvSpPr>
+            <a:spLocks noGrp="1"/>
+          </p:cNvSpPr>
+          <p:nvPr>
+            <p:ph type="body" idx="1"/>
+          </p:nvPr>
+        </p:nvSpPr>
+        <p:spPr/>
+        <p:txBody>
+          <a:bodyPr/>
+          <a:lstStyle/>
+          <a:p>
+            <a:endParaRPr lang="zh-CN" altLang="en-US"/>
+          </a:p>
+        </p:txBody>
+      </p:sp>
+      <p:sp>
+        <p:nvSpPr>
+          <p:cNvPr id="4" name="灯片编号占位符 3"/>
+          <p:cNvSpPr>
+            <a:spLocks noGrp="1"/>
+          </p:cNvSpPr>
+          <p:nvPr>
+            <p:ph type="sldNum" sz="quarter" idx="10"/>
+          </p:nvPr>
+        </p:nvSpPr>
+        <p:spPr/>
+        <p:txBody>
+          <a:bodyPr/>
+          <a:lstStyle/>
+          <a:p>
+            <a:fld id="{B77ECF62-1638-4DD4-9C28-B7A1E023F854}" type="slidenum">
+              <a:rPr lang="zh-CN" altLang="en-US" smtClean="0">
+                <a:solidFill>
+                  <a:prstClr val="black"/>
+                </a:solidFill>
+              </a:rPr>
+              <a:pPr/>
+              <a:t>2</a:t>
+            </a:fld>
+            <a:endParaRPr lang="zh-CN" altLang="en-US">
+              <a:solidFill>
+                <a:prstClr val="black"/>
+              </a:solidFill>
+            </a:endParaRPr>
+          </a:p>
+        </p:txBody>
+      </p:sp>
+    </p:spTree>
+    <p:extLst>
+      <p:ext uri="{BB962C8B-B14F-4D97-AF65-F5344CB8AC3E}">
+        <p14:creationId xmlns:p14="http://schemas.microsoft.com/office/powerpoint/2010/main" val="2582552139"/>
+      </p:ext>
+    </p:extLst>
+  </p:cSld>
+  <p:clrMapOvr>
+    <a:masterClrMapping/>
+  </p:clrMapOvr>
+</p:notes>
+</file>
+
+<file path=ppt/notesSlides/notesSlide20.xml><?xml version="1.0" encoding="utf-8"?>
 <p:notes xmlns:a="http://schemas.openxmlformats.org/drawingml/2006/main" xmlns:r="http://schemas.openxmlformats.org/officeDocument/2006/relationships" xmlns:p="http://schemas.openxmlformats.org/presentationml/2006/main">
   <p:cSld>
     <p:spTree>
@@ -5115,7 +5482,7 @@
 </p:notes>
 </file>
 
-<file path=ppt/notesSlides/notesSlide19.xml><?xml version="1.0" encoding="utf-8"?>
+<file path=ppt/notesSlides/notesSlide21.xml><?xml version="1.0" encoding="utf-8"?>
 <p:notes xmlns:a="http://schemas.openxmlformats.org/drawingml/2006/main" xmlns:r="http://schemas.openxmlformats.org/officeDocument/2006/relationships" xmlns:p="http://schemas.openxmlformats.org/presentationml/2006/main">
   <p:cSld>
     <p:spTree>
@@ -5199,105 +5566,7 @@
 </p:notes>
 </file>
 
-<file path=ppt/notesSlides/notesSlide2.xml><?xml version="1.0" encoding="utf-8"?>
-<p:notes xmlns:a="http://schemas.openxmlformats.org/drawingml/2006/main" xmlns:r="http://schemas.openxmlformats.org/officeDocument/2006/relationships" xmlns:p="http://schemas.openxmlformats.org/presentationml/2006/main">
-  <p:cSld>
-    <p:spTree>
-      <p:nvGrpSpPr>
-        <p:cNvPr id="1" name=""/>
-        <p:cNvGrpSpPr/>
-        <p:nvPr/>
-      </p:nvGrpSpPr>
-      <p:grpSpPr>
-        <a:xfrm>
-          <a:off x="0" y="0"/>
-          <a:ext cx="0" cy="0"/>
-          <a:chOff x="0" y="0"/>
-          <a:chExt cx="0" cy="0"/>
-        </a:xfrm>
-      </p:grpSpPr>
-      <p:sp>
-        <p:nvSpPr>
-          <p:cNvPr id="2" name="幻灯片图像占位符 1"/>
-          <p:cNvSpPr>
-            <a:spLocks noGrp="1" noRot="1" noChangeAspect="1"/>
-          </p:cNvSpPr>
-          <p:nvPr>
-            <p:ph type="sldImg"/>
-          </p:nvPr>
-        </p:nvSpPr>
-        <p:spPr>
-          <a:xfrm>
-            <a:off x="142875" y="768350"/>
-            <a:ext cx="6818313" cy="3836988"/>
-          </a:xfrm>
-        </p:spPr>
-      </p:sp>
-      <p:sp>
-        <p:nvSpPr>
-          <p:cNvPr id="3" name="备注占位符 2"/>
-          <p:cNvSpPr>
-            <a:spLocks noGrp="1"/>
-          </p:cNvSpPr>
-          <p:nvPr>
-            <p:ph type="body" idx="1"/>
-          </p:nvPr>
-        </p:nvSpPr>
-        <p:spPr/>
-        <p:txBody>
-          <a:bodyPr/>
-          <a:lstStyle/>
-          <a:p>
-            <a:endParaRPr lang="zh-CN" altLang="en-US"/>
-          </a:p>
-        </p:txBody>
-      </p:sp>
-      <p:sp>
-        <p:nvSpPr>
-          <p:cNvPr id="4" name="灯片编号占位符 3"/>
-          <p:cNvSpPr>
-            <a:spLocks noGrp="1"/>
-          </p:cNvSpPr>
-          <p:nvPr>
-            <p:ph type="sldNum" sz="quarter" idx="10"/>
-          </p:nvPr>
-        </p:nvSpPr>
-        <p:spPr/>
-        <p:txBody>
-          <a:bodyPr/>
-          <a:lstStyle/>
-          <a:p>
-            <a:fld id="{B77ECF62-1638-4DD4-9C28-B7A1E023F854}" type="slidenum">
-              <a:rPr lang="zh-CN" altLang="en-US" smtClean="0">
-                <a:solidFill>
-                  <a:prstClr val="black"/>
-                </a:solidFill>
-              </a:rPr>
-              <a:pPr/>
-              <a:t>2</a:t>
-            </a:fld>
-            <a:endParaRPr lang="zh-CN" altLang="en-US">
-              <a:solidFill>
-                <a:prstClr val="black"/>
-              </a:solidFill>
-            </a:endParaRPr>
-          </a:p>
-        </p:txBody>
-      </p:sp>
-    </p:spTree>
-    <p:extLst>
-      <p:ext uri="{BB962C8B-B14F-4D97-AF65-F5344CB8AC3E}">
-        <p14:creationId xmlns:p14="http://schemas.microsoft.com/office/powerpoint/2010/main" val="2582552139"/>
-      </p:ext>
-    </p:extLst>
-  </p:cSld>
-  <p:clrMapOvr>
-    <a:masterClrMapping/>
-  </p:clrMapOvr>
-</p:notes>
-</file>
-
-<file path=ppt/notesSlides/notesSlide20.xml><?xml version="1.0" encoding="utf-8"?>
+<file path=ppt/notesSlides/notesSlide22.xml><?xml version="1.0" encoding="utf-8"?>
 <p:notes xmlns:a="http://schemas.openxmlformats.org/drawingml/2006/main" xmlns:r="http://schemas.openxmlformats.org/officeDocument/2006/relationships" xmlns:p="http://schemas.openxmlformats.org/presentationml/2006/main">
   <p:cSld>
     <p:spTree>
@@ -5388,7 +5657,7 @@
 </p:notes>
 </file>
 
-<file path=ppt/notesSlides/notesSlide21.xml><?xml version="1.0" encoding="utf-8"?>
+<file path=ppt/notesSlides/notesSlide23.xml><?xml version="1.0" encoding="utf-8"?>
 <p:notes xmlns:a="http://schemas.openxmlformats.org/drawingml/2006/main" xmlns:r="http://schemas.openxmlformats.org/officeDocument/2006/relationships" xmlns:p="http://schemas.openxmlformats.org/presentationml/2006/main">
   <p:cSld>
     <p:spTree>
@@ -5472,7 +5741,7 @@
 </p:notes>
 </file>
 
-<file path=ppt/notesSlides/notesSlide22.xml><?xml version="1.0" encoding="utf-8"?>
+<file path=ppt/notesSlides/notesSlide24.xml><?xml version="1.0" encoding="utf-8"?>
 <p:notes xmlns:a="http://schemas.openxmlformats.org/drawingml/2006/main" xmlns:r="http://schemas.openxmlformats.org/officeDocument/2006/relationships" xmlns:p="http://schemas.openxmlformats.org/presentationml/2006/main">
   <p:cSld>
     <p:spTree>
@@ -5556,7 +5825,7 @@
 </p:notes>
 </file>
 
-<file path=ppt/notesSlides/notesSlide23.xml><?xml version="1.0" encoding="utf-8"?>
+<file path=ppt/notesSlides/notesSlide25.xml><?xml version="1.0" encoding="utf-8"?>
 <p:notes xmlns:a="http://schemas.openxmlformats.org/drawingml/2006/main" xmlns:r="http://schemas.openxmlformats.org/officeDocument/2006/relationships" xmlns:p="http://schemas.openxmlformats.org/presentationml/2006/main">
   <p:cSld>
     <p:spTree>
@@ -5640,7 +5909,7 @@
 </p:notes>
 </file>
 
-<file path=ppt/notesSlides/notesSlide24.xml><?xml version="1.0" encoding="utf-8"?>
+<file path=ppt/notesSlides/notesSlide26.xml><?xml version="1.0" encoding="utf-8"?>
 <p:notes xmlns:a="http://schemas.openxmlformats.org/drawingml/2006/main" xmlns:r="http://schemas.openxmlformats.org/officeDocument/2006/relationships" xmlns:p="http://schemas.openxmlformats.org/presentationml/2006/main">
   <p:cSld>
     <p:spTree>
@@ -5701,7 +5970,7 @@
 </p:notes>
 </file>
 
-<file path=ppt/notesSlides/notesSlide25.xml><?xml version="1.0" encoding="utf-8"?>
+<file path=ppt/notesSlides/notesSlide27.xml><?xml version="1.0" encoding="utf-8"?>
 <p:notes xmlns:a="http://schemas.openxmlformats.org/drawingml/2006/main" xmlns:r="http://schemas.openxmlformats.org/officeDocument/2006/relationships" xmlns:p="http://schemas.openxmlformats.org/presentationml/2006/main">
   <p:cSld>
     <p:spTree>
@@ -8218,7 +8487,7 @@
               </a14:hiddenLine>
             </a:ext>
             <a:ext uri="{FAA26D3D-D897-4be2-8F04-BA451C77F1D7}">
-              <ma14:placeholderFlag xmlns="" xmlns:ma14="http://schemas.microsoft.com/office/mac/drawingml/2011/main" val="1"/>
+              <ma14:placeholderFlag xmlns:ma14="http://schemas.microsoft.com/office/mac/drawingml/2011/main" xmlns="" val="1"/>
             </a:ext>
           </a:extLst>
         </p:spPr>
@@ -11914,7 +12183,7 @@
               </a14:hiddenLine>
             </a:ext>
             <a:ext uri="{FAA26D3D-D897-4be2-8F04-BA451C77F1D7}">
-              <ma14:placeholderFlag xmlns="" xmlns:ma14="http://schemas.microsoft.com/office/mac/drawingml/2011/main" val="1"/>
+              <ma14:placeholderFlag xmlns:ma14="http://schemas.microsoft.com/office/mac/drawingml/2011/main" xmlns="" val="1"/>
             </a:ext>
           </a:extLst>
         </p:spPr>
@@ -14004,12 +14273,247 @@
           </a:p>
         </p:txBody>
       </p:sp>
+      <p:pic>
+        <p:nvPicPr>
+          <p:cNvPr id="7" name="Picture 6" descr="A group of symbols on a black background&#10;&#10;AI-generated content may be incorrect.">
+            <a:extLst>
+              <a:ext uri="{FF2B5EF4-FFF2-40B4-BE49-F238E27FC236}">
+                <a16:creationId xmlns:a16="http://schemas.microsoft.com/office/drawing/2014/main" id="{7FD567E0-DDD9-BB2A-29C4-EA9A5DEBA366}"/>
+              </a:ext>
+            </a:extLst>
+          </p:cNvPr>
+          <p:cNvPicPr>
+            <a:picLocks noChangeAspect="1"/>
+          </p:cNvPicPr>
+          <p:nvPr/>
+        </p:nvPicPr>
+        <p:blipFill>
+          <a:blip r:embed="rId3"/>
+          <a:stretch>
+            <a:fillRect/>
+          </a:stretch>
+        </p:blipFill>
+        <p:spPr>
+          <a:xfrm>
+            <a:off x="8088540" y="4102457"/>
+            <a:ext cx="4016828" cy="1606731"/>
+          </a:xfrm>
+          <a:prstGeom prst="rect">
+            <a:avLst/>
+          </a:prstGeom>
+        </p:spPr>
+      </p:pic>
+      <p:sp>
+        <p:nvSpPr>
+          <p:cNvPr id="13" name="TextBox 12">
+            <a:extLst>
+              <a:ext uri="{FF2B5EF4-FFF2-40B4-BE49-F238E27FC236}">
+                <a16:creationId xmlns:a16="http://schemas.microsoft.com/office/drawing/2014/main" id="{FAF043E7-806D-383D-FE81-C07896C99E2B}"/>
+              </a:ext>
+            </a:extLst>
+          </p:cNvPr>
+          <p:cNvSpPr txBox="1"/>
+          <p:nvPr/>
+        </p:nvSpPr>
+        <p:spPr>
+          <a:xfrm>
+            <a:off x="290007" y="4634688"/>
+            <a:ext cx="1705708" cy="523220"/>
+          </a:xfrm>
+          <a:prstGeom prst="rect">
+            <a:avLst/>
+          </a:prstGeom>
+          <a:noFill/>
+        </p:spPr>
+        <p:txBody>
+          <a:bodyPr wrap="square">
+            <a:spAutoFit/>
+          </a:bodyPr>
+          <a:lstStyle/>
+          <a:p>
+            <a:r>
+              <a:rPr lang="zh-CN" altLang="en-US" sz="2800" b="1" dirty="0">
+                <a:solidFill>
+                  <a:schemeClr val="accent3"/>
+                </a:solidFill>
+                <a:highlight>
+                  <a:srgbClr val="FFFFFF"/>
+                </a:highlight>
+                <a:latin typeface="+mn-ea"/>
+                <a:ea typeface="+mn-ea"/>
+              </a:rPr>
+              <a:t>算术运算</a:t>
+            </a:r>
+            <a:endParaRPr lang="en-CN" sz="2800" b="1" dirty="0">
+              <a:solidFill>
+                <a:schemeClr val="accent3"/>
+              </a:solidFill>
+            </a:endParaRPr>
+          </a:p>
+        </p:txBody>
+      </p:sp>
+      <p:sp>
+        <p:nvSpPr>
+          <p:cNvPr id="8" name="文本框 7">
+            <a:extLst>
+              <a:ext uri="{FF2B5EF4-FFF2-40B4-BE49-F238E27FC236}">
+                <a16:creationId xmlns:a16="http://schemas.microsoft.com/office/drawing/2014/main" id="{ECDE0536-8EB6-A10C-4EE4-56706277832B}"/>
+              </a:ext>
+            </a:extLst>
+          </p:cNvPr>
+          <p:cNvSpPr txBox="1"/>
+          <p:nvPr/>
+        </p:nvSpPr>
+        <p:spPr>
+          <a:xfrm>
+            <a:off x="412124" y="896552"/>
+            <a:ext cx="11481515" cy="2078326"/>
+          </a:xfrm>
+          <a:prstGeom prst="rect">
+            <a:avLst/>
+          </a:prstGeom>
+          <a:noFill/>
+        </p:spPr>
+        <p:txBody>
+          <a:bodyPr wrap="square" rtlCol="0">
+            <a:spAutoFit/>
+          </a:bodyPr>
+          <a:lstStyle/>
+          <a:p>
+            <a:pPr algn="l"/>
+            <a:r>
+              <a:rPr lang="en-US" altLang="zh-CN" sz="3600" b="1" dirty="0">
+                <a:solidFill>
+                  <a:schemeClr val="bg2"/>
+                </a:solidFill>
+                <a:latin typeface="+mn-ea"/>
+                <a:ea typeface="+mn-ea"/>
+              </a:rPr>
+              <a:t>3. </a:t>
+            </a:r>
+            <a:r>
+              <a:rPr lang="zh-CN" altLang="en-US" sz="3600" b="1" dirty="0">
+                <a:solidFill>
+                  <a:schemeClr val="bg2"/>
+                </a:solidFill>
+                <a:latin typeface="+mn-ea"/>
+                <a:ea typeface="+mn-ea"/>
+              </a:rPr>
+              <a:t>变量基本运算</a:t>
+            </a:r>
+            <a:endParaRPr lang="en-US" altLang="zh-CN" sz="3600" b="1" dirty="0">
+              <a:solidFill>
+                <a:schemeClr val="bg2"/>
+              </a:solidFill>
+              <a:latin typeface="+mn-ea"/>
+              <a:ea typeface="+mn-ea"/>
+            </a:endParaRPr>
+          </a:p>
+          <a:p>
+            <a:pPr algn="l">
+              <a:lnSpc>
+                <a:spcPct val="150000"/>
+              </a:lnSpc>
+            </a:pPr>
+            <a:r>
+              <a:rPr lang="zh-CN" altLang="en-US" sz="2800" dirty="0">
+                <a:solidFill>
+                  <a:schemeClr val="bg2"/>
+                </a:solidFill>
+                <a:latin typeface="+mn-ea"/>
+                <a:ea typeface="+mn-ea"/>
+              </a:rPr>
+              <a:t>运算是编程语言的基本功能，通过运算程序可以执行各种操作，变量运算主要包括：</a:t>
+            </a:r>
+            <a:r>
+              <a:rPr lang="zh-CN" altLang="en-US" sz="2800" b="1" u="sng" dirty="0">
+                <a:solidFill>
+                  <a:schemeClr val="bg2"/>
+                </a:solidFill>
+                <a:latin typeface="+mn-ea"/>
+                <a:ea typeface="+mn-ea"/>
+              </a:rPr>
+              <a:t>算术运算</a:t>
+            </a:r>
+            <a:r>
+              <a:rPr lang="zh-CN" altLang="en-US" sz="2800" dirty="0">
+                <a:solidFill>
+                  <a:schemeClr val="bg2"/>
+                </a:solidFill>
+                <a:latin typeface="+mn-ea"/>
+                <a:ea typeface="+mn-ea"/>
+              </a:rPr>
+              <a:t>、</a:t>
+            </a:r>
+            <a:r>
+              <a:rPr lang="zh-CN" altLang="en-US" sz="2800" b="1" u="sng" dirty="0">
+                <a:solidFill>
+                  <a:schemeClr val="bg2"/>
+                </a:solidFill>
+                <a:latin typeface="+mn-ea"/>
+                <a:ea typeface="+mn-ea"/>
+              </a:rPr>
+              <a:t>比较运算</a:t>
+            </a:r>
+            <a:r>
+              <a:rPr lang="zh-CN" altLang="en-US" sz="2800" dirty="0">
+                <a:solidFill>
+                  <a:schemeClr val="bg2"/>
+                </a:solidFill>
+                <a:latin typeface="+mn-ea"/>
+                <a:ea typeface="+mn-ea"/>
+              </a:rPr>
+              <a:t>、</a:t>
+            </a:r>
+            <a:r>
+              <a:rPr lang="zh-CN" altLang="en-US" sz="2800" b="1" u="sng" dirty="0">
+                <a:solidFill>
+                  <a:schemeClr val="bg2"/>
+                </a:solidFill>
+                <a:latin typeface="+mn-ea"/>
+                <a:ea typeface="+mn-ea"/>
+              </a:rPr>
+              <a:t>逻辑运算</a:t>
+            </a:r>
+            <a:r>
+              <a:rPr lang="zh-CN" altLang="en-US" sz="2800" dirty="0">
+                <a:solidFill>
+                  <a:schemeClr val="bg2"/>
+                </a:solidFill>
+                <a:latin typeface="+mn-ea"/>
+                <a:ea typeface="+mn-ea"/>
+              </a:rPr>
+              <a:t>、</a:t>
+            </a:r>
+            <a:r>
+              <a:rPr lang="zh-CN" altLang="en-US" sz="2800" b="1" u="sng" dirty="0">
+                <a:solidFill>
+                  <a:schemeClr val="bg2"/>
+                </a:solidFill>
+                <a:latin typeface="+mn-ea"/>
+                <a:ea typeface="+mn-ea"/>
+              </a:rPr>
+              <a:t>位运算</a:t>
+            </a:r>
+            <a:r>
+              <a:rPr lang="zh-CN" altLang="en-US" sz="2800" dirty="0">
+                <a:solidFill>
+                  <a:schemeClr val="bg2"/>
+                </a:solidFill>
+                <a:latin typeface="+mn-ea"/>
+                <a:ea typeface="+mn-ea"/>
+              </a:rPr>
+              <a:t>等。</a:t>
+            </a:r>
+          </a:p>
+        </p:txBody>
+      </p:sp>
       <p:graphicFrame>
         <p:nvGraphicFramePr>
-          <p:cNvPr id="2" name="Table 1">
+          <p:cNvPr id="9" name="Table 1">
             <a:extLst>
               <a:ext uri="{FF2B5EF4-FFF2-40B4-BE49-F238E27FC236}">
-                <a16:creationId xmlns:a16="http://schemas.microsoft.com/office/drawing/2014/main" id="{8163035D-3A24-C951-F80E-74CB01FCFC0E}"/>
+                <a16:creationId xmlns:a16="http://schemas.microsoft.com/office/drawing/2014/main" id="{2702D41F-2DB7-C7A4-570B-4A5842D743AD}"/>
               </a:ext>
             </a:extLst>
           </p:cNvPr>
@@ -14019,42 +14523,42 @@
           <p:nvPr>
             <p:extLst>
               <p:ext uri="{D42A27DB-BD31-4B8C-83A1-F6EECF244321}">
-                <p14:modId xmlns:p14="http://schemas.microsoft.com/office/powerpoint/2010/main" val="2510793251"/>
+                <p14:modId xmlns:p14="http://schemas.microsoft.com/office/powerpoint/2010/main" val="990708794"/>
               </p:ext>
             </p:extLst>
           </p:nvPr>
         </p:nvGraphicFramePr>
         <p:xfrm>
-          <a:off x="2097313" y="3108843"/>
-          <a:ext cx="5631544" cy="3657600"/>
+          <a:off x="1929040" y="3077023"/>
+          <a:ext cx="6045200" cy="3657600"/>
         </p:xfrm>
         <a:graphic>
           <a:graphicData uri="http://schemas.openxmlformats.org/drawingml/2006/table">
             <a:tbl>
               <a:tblPr/>
               <a:tblGrid>
-                <a:gridCol w="1407886">
+                <a:gridCol w="1511300">
                   <a:extLst>
                     <a:ext uri="{9D8B030D-6E8A-4147-A177-3AD203B41FA5}">
                       <a16:colId xmlns:a16="http://schemas.microsoft.com/office/drawing/2014/main" val="1284844550"/>
                     </a:ext>
                   </a:extLst>
                 </a:gridCol>
-                <a:gridCol w="1407886">
+                <a:gridCol w="1511300">
                   <a:extLst>
                     <a:ext uri="{9D8B030D-6E8A-4147-A177-3AD203B41FA5}">
                       <a16:colId xmlns:a16="http://schemas.microsoft.com/office/drawing/2014/main" val="1603605262"/>
                     </a:ext>
                   </a:extLst>
                 </a:gridCol>
-                <a:gridCol w="1407886">
+                <a:gridCol w="1511300">
                   <a:extLst>
                     <a:ext uri="{9D8B030D-6E8A-4147-A177-3AD203B41FA5}">
                       <a16:colId xmlns:a16="http://schemas.microsoft.com/office/drawing/2014/main" val="3731756157"/>
                     </a:ext>
                   </a:extLst>
                 </a:gridCol>
-                <a:gridCol w="1407886">
+                <a:gridCol w="1511300">
                   <a:extLst>
                     <a:ext uri="{9D8B030D-6E8A-4147-A177-3AD203B41FA5}">
                       <a16:colId xmlns:a16="http://schemas.microsoft.com/office/drawing/2014/main" val="3702267183"/>
@@ -14694,7 +15198,7 @@
                     <a:p>
                       <a:pPr algn="ctr"/>
                       <a:r>
-                        <a:rPr lang="en-CN" sz="2400">
+                        <a:rPr lang="en-CN" sz="2400" dirty="0">
                           <a:solidFill>
                             <a:schemeClr val="bg2"/>
                           </a:solidFill>
@@ -15257,7 +15761,7 @@
                     <a:p>
                       <a:pPr algn="ctr"/>
                       <a:r>
-                        <a:rPr lang="en-CN" sz="2400">
+                        <a:rPr lang="en-CN" sz="2400" dirty="0">
                           <a:solidFill>
                             <a:schemeClr val="bg2"/>
                           </a:solidFill>
@@ -15888,7 +16392,7 @@
                     <a:p>
                       <a:pPr algn="ctr"/>
                       <a:r>
-                        <a:rPr lang="zh-CN" altLang="en-US" sz="2400">
+                        <a:rPr lang="zh-CN" altLang="en-US" sz="2400" dirty="0">
                           <a:solidFill>
                             <a:schemeClr val="bg2"/>
                           </a:solidFill>
@@ -16074,415 +16578,6 @@
           </a:graphicData>
         </a:graphic>
       </p:graphicFrame>
-      <p:pic>
-        <p:nvPicPr>
-          <p:cNvPr id="7" name="Picture 6" descr="A group of symbols on a black background&#10;&#10;AI-generated content may be incorrect.">
-            <a:extLst>
-              <a:ext uri="{FF2B5EF4-FFF2-40B4-BE49-F238E27FC236}">
-                <a16:creationId xmlns:a16="http://schemas.microsoft.com/office/drawing/2014/main" id="{7FD567E0-DDD9-BB2A-29C4-EA9A5DEBA366}"/>
-              </a:ext>
-            </a:extLst>
-          </p:cNvPr>
-          <p:cNvPicPr>
-            <a:picLocks noChangeAspect="1"/>
-          </p:cNvPicPr>
-          <p:nvPr/>
-        </p:nvPicPr>
-        <p:blipFill>
-          <a:blip r:embed="rId3"/>
-          <a:stretch>
-            <a:fillRect/>
-          </a:stretch>
-        </p:blipFill>
-        <p:spPr>
-          <a:xfrm>
-            <a:off x="8128062" y="4167077"/>
-            <a:ext cx="3842595" cy="1537038"/>
-          </a:xfrm>
-          <a:prstGeom prst="rect">
-            <a:avLst/>
-          </a:prstGeom>
-        </p:spPr>
-      </p:pic>
-      <p:sp>
-        <p:nvSpPr>
-          <p:cNvPr id="13" name="TextBox 12">
-            <a:extLst>
-              <a:ext uri="{FF2B5EF4-FFF2-40B4-BE49-F238E27FC236}">
-                <a16:creationId xmlns:a16="http://schemas.microsoft.com/office/drawing/2014/main" id="{FAF043E7-806D-383D-FE81-C07896C99E2B}"/>
-              </a:ext>
-            </a:extLst>
-          </p:cNvPr>
-          <p:cNvSpPr txBox="1"/>
-          <p:nvPr/>
-        </p:nvSpPr>
-        <p:spPr>
-          <a:xfrm>
-            <a:off x="290007" y="4587063"/>
-            <a:ext cx="1705708" cy="523220"/>
-          </a:xfrm>
-          <a:prstGeom prst="rect">
-            <a:avLst/>
-          </a:prstGeom>
-          <a:noFill/>
-        </p:spPr>
-        <p:txBody>
-          <a:bodyPr wrap="square">
-            <a:spAutoFit/>
-          </a:bodyPr>
-          <a:lstStyle/>
-          <a:p>
-            <a:r>
-              <a:rPr lang="zh-CN" altLang="en-US" sz="2800" b="1" dirty="0">
-                <a:solidFill>
-                  <a:schemeClr val="accent3"/>
-                </a:solidFill>
-                <a:highlight>
-                  <a:srgbClr val="FFFFFF"/>
-                </a:highlight>
-                <a:latin typeface="+mn-ea"/>
-                <a:ea typeface="+mn-ea"/>
-              </a:rPr>
-              <a:t>算术运算</a:t>
-            </a:r>
-            <a:endParaRPr lang="en-CN" sz="2800" b="1" dirty="0">
-              <a:solidFill>
-                <a:schemeClr val="accent3"/>
-              </a:solidFill>
-            </a:endParaRPr>
-          </a:p>
-        </p:txBody>
-      </p:sp>
-      <p:sp>
-        <p:nvSpPr>
-          <p:cNvPr id="4" name="TextBox 5">
-            <a:extLst>
-              <a:ext uri="{FF2B5EF4-FFF2-40B4-BE49-F238E27FC236}">
-                <a16:creationId xmlns:a16="http://schemas.microsoft.com/office/drawing/2014/main" id="{314FBAF0-70BA-6395-A923-9CE89DF4F9F9}"/>
-              </a:ext>
-            </a:extLst>
-          </p:cNvPr>
-          <p:cNvSpPr txBox="1"/>
-          <p:nvPr/>
-        </p:nvSpPr>
-        <p:spPr>
-          <a:xfrm>
-            <a:off x="206829" y="742632"/>
-            <a:ext cx="11763828" cy="2355325"/>
-          </a:xfrm>
-          <a:prstGeom prst="rect">
-            <a:avLst/>
-          </a:prstGeom>
-          <a:noFill/>
-        </p:spPr>
-        <p:txBody>
-          <a:bodyPr wrap="square">
-            <a:spAutoFit/>
-          </a:bodyPr>
-          <a:lstStyle>
-            <a:defPPr>
-              <a:defRPr lang="zh-CN"/>
-            </a:defPPr>
-            <a:lvl1pPr algn="ctr" rtl="0" fontAlgn="base">
-              <a:spcBef>
-                <a:spcPct val="50000"/>
-              </a:spcBef>
-              <a:spcAft>
-                <a:spcPct val="0"/>
-              </a:spcAft>
-              <a:defRPr sz="2400" kern="1200">
-                <a:solidFill>
-                  <a:schemeClr val="tx1"/>
-                </a:solidFill>
-                <a:latin typeface="Times New Roman" charset="0"/>
-                <a:ea typeface="宋体" charset="0"/>
-                <a:cs typeface="宋体" charset="0"/>
-              </a:defRPr>
-            </a:lvl1pPr>
-            <a:lvl2pPr marL="457200" algn="ctr" rtl="0" fontAlgn="base">
-              <a:spcBef>
-                <a:spcPct val="50000"/>
-              </a:spcBef>
-              <a:spcAft>
-                <a:spcPct val="0"/>
-              </a:spcAft>
-              <a:defRPr sz="2400" kern="1200">
-                <a:solidFill>
-                  <a:schemeClr val="tx1"/>
-                </a:solidFill>
-                <a:latin typeface="Times New Roman" charset="0"/>
-                <a:ea typeface="宋体" charset="0"/>
-                <a:cs typeface="宋体" charset="0"/>
-              </a:defRPr>
-            </a:lvl2pPr>
-            <a:lvl3pPr marL="914400" algn="ctr" rtl="0" fontAlgn="base">
-              <a:spcBef>
-                <a:spcPct val="50000"/>
-              </a:spcBef>
-              <a:spcAft>
-                <a:spcPct val="0"/>
-              </a:spcAft>
-              <a:defRPr sz="2400" kern="1200">
-                <a:solidFill>
-                  <a:schemeClr val="tx1"/>
-                </a:solidFill>
-                <a:latin typeface="Times New Roman" charset="0"/>
-                <a:ea typeface="宋体" charset="0"/>
-                <a:cs typeface="宋体" charset="0"/>
-              </a:defRPr>
-            </a:lvl3pPr>
-            <a:lvl4pPr marL="1371600" algn="ctr" rtl="0" fontAlgn="base">
-              <a:spcBef>
-                <a:spcPct val="50000"/>
-              </a:spcBef>
-              <a:spcAft>
-                <a:spcPct val="0"/>
-              </a:spcAft>
-              <a:defRPr sz="2400" kern="1200">
-                <a:solidFill>
-                  <a:schemeClr val="tx1"/>
-                </a:solidFill>
-                <a:latin typeface="Times New Roman" charset="0"/>
-                <a:ea typeface="宋体" charset="0"/>
-                <a:cs typeface="宋体" charset="0"/>
-              </a:defRPr>
-            </a:lvl4pPr>
-            <a:lvl5pPr marL="1828800" algn="ctr" rtl="0" fontAlgn="base">
-              <a:spcBef>
-                <a:spcPct val="50000"/>
-              </a:spcBef>
-              <a:spcAft>
-                <a:spcPct val="0"/>
-              </a:spcAft>
-              <a:defRPr sz="2400" kern="1200">
-                <a:solidFill>
-                  <a:schemeClr val="tx1"/>
-                </a:solidFill>
-                <a:latin typeface="Times New Roman" charset="0"/>
-                <a:ea typeface="宋体" charset="0"/>
-                <a:cs typeface="宋体" charset="0"/>
-              </a:defRPr>
-            </a:lvl5pPr>
-            <a:lvl6pPr marL="2286000" algn="l" defTabSz="457200" rtl="0" eaLnBrk="1" latinLnBrk="0" hangingPunct="1">
-              <a:defRPr sz="2400" kern="1200">
-                <a:solidFill>
-                  <a:schemeClr val="tx1"/>
-                </a:solidFill>
-                <a:latin typeface="Times New Roman" charset="0"/>
-                <a:ea typeface="宋体" charset="0"/>
-                <a:cs typeface="宋体" charset="0"/>
-              </a:defRPr>
-            </a:lvl6pPr>
-            <a:lvl7pPr marL="2743200" algn="l" defTabSz="457200" rtl="0" eaLnBrk="1" latinLnBrk="0" hangingPunct="1">
-              <a:defRPr sz="2400" kern="1200">
-                <a:solidFill>
-                  <a:schemeClr val="tx1"/>
-                </a:solidFill>
-                <a:latin typeface="Times New Roman" charset="0"/>
-                <a:ea typeface="宋体" charset="0"/>
-                <a:cs typeface="宋体" charset="0"/>
-              </a:defRPr>
-            </a:lvl7pPr>
-            <a:lvl8pPr marL="3200400" algn="l" defTabSz="457200" rtl="0" eaLnBrk="1" latinLnBrk="0" hangingPunct="1">
-              <a:defRPr sz="2400" kern="1200">
-                <a:solidFill>
-                  <a:schemeClr val="tx1"/>
-                </a:solidFill>
-                <a:latin typeface="Times New Roman" charset="0"/>
-                <a:ea typeface="宋体" charset="0"/>
-                <a:cs typeface="宋体" charset="0"/>
-              </a:defRPr>
-            </a:lvl8pPr>
-            <a:lvl9pPr marL="3657600" algn="l" defTabSz="457200" rtl="0" eaLnBrk="1" latinLnBrk="0" hangingPunct="1">
-              <a:defRPr sz="2400" kern="1200">
-                <a:solidFill>
-                  <a:schemeClr val="tx1"/>
-                </a:solidFill>
-                <a:latin typeface="Times New Roman" charset="0"/>
-                <a:ea typeface="宋体" charset="0"/>
-                <a:cs typeface="宋体" charset="0"/>
-              </a:defRPr>
-            </a:lvl9pPr>
-          </a:lstStyle>
-          <a:p>
-            <a:pPr algn="l">
-              <a:lnSpc>
-                <a:spcPct val="150000"/>
-              </a:lnSpc>
-            </a:pPr>
-            <a:r>
-              <a:rPr lang="en-US" altLang="zh-CN" sz="3600" b="1" dirty="0">
-                <a:solidFill>
-                  <a:schemeClr val="bg2"/>
-                </a:solidFill>
-                <a:highlight>
-                  <a:srgbClr val="FFFFFF"/>
-                </a:highlight>
-                <a:latin typeface="+mn-ea"/>
-                <a:ea typeface="+mn-ea"/>
-              </a:rPr>
-              <a:t>3. </a:t>
-            </a:r>
-            <a:r>
-              <a:rPr lang="zh-CN" altLang="en-US" sz="3600" b="1" dirty="0">
-                <a:solidFill>
-                  <a:schemeClr val="bg2"/>
-                </a:solidFill>
-                <a:highlight>
-                  <a:srgbClr val="FFFFFF"/>
-                </a:highlight>
-                <a:latin typeface="+mn-ea"/>
-                <a:ea typeface="+mn-ea"/>
-              </a:rPr>
-              <a:t>变量基本运算</a:t>
-            </a:r>
-            <a:endParaRPr lang="en-US" altLang="zh-CN" sz="3600" b="1" dirty="0">
-              <a:solidFill>
-                <a:schemeClr val="bg2"/>
-              </a:solidFill>
-              <a:highlight>
-                <a:srgbClr val="FFFFFF"/>
-              </a:highlight>
-              <a:latin typeface="+mn-ea"/>
-              <a:ea typeface="+mn-ea"/>
-            </a:endParaRPr>
-          </a:p>
-          <a:p>
-            <a:pPr algn="l">
-              <a:lnSpc>
-                <a:spcPct val="150000"/>
-              </a:lnSpc>
-            </a:pPr>
-            <a:r>
-              <a:rPr lang="zh-CN" altLang="en-US" sz="2800" dirty="0">
-                <a:solidFill>
-                  <a:schemeClr val="bg2"/>
-                </a:solidFill>
-                <a:highlight>
-                  <a:srgbClr val="FFFFFF"/>
-                </a:highlight>
-                <a:latin typeface="+mn-ea"/>
-                <a:ea typeface="+mn-ea"/>
-              </a:rPr>
-              <a:t>运算是编程语言的基本功能，通过运算程序可以执行各种操作，变量运算主要包括：</a:t>
-            </a:r>
-            <a:r>
-              <a:rPr lang="zh-CN" altLang="en-US" sz="2800" b="1" u="sng" dirty="0">
-                <a:solidFill>
-                  <a:schemeClr val="bg2"/>
-                </a:solidFill>
-                <a:highlight>
-                  <a:srgbClr val="FFFFFF"/>
-                </a:highlight>
-                <a:latin typeface="+mn-ea"/>
-                <a:ea typeface="+mn-ea"/>
-              </a:rPr>
-              <a:t>算术运算</a:t>
-            </a:r>
-            <a:r>
-              <a:rPr lang="zh-CN" altLang="en-US" sz="2800" b="1" dirty="0">
-                <a:solidFill>
-                  <a:schemeClr val="bg2"/>
-                </a:solidFill>
-                <a:highlight>
-                  <a:srgbClr val="FFFFFF"/>
-                </a:highlight>
-                <a:latin typeface="+mn-ea"/>
-                <a:ea typeface="+mn-ea"/>
-              </a:rPr>
-              <a:t>、</a:t>
-            </a:r>
-            <a:r>
-              <a:rPr lang="zh-CN" altLang="en-US" sz="2800" b="1" u="sng" dirty="0">
-                <a:solidFill>
-                  <a:schemeClr val="bg2"/>
-                </a:solidFill>
-                <a:highlight>
-                  <a:srgbClr val="FFFFFF"/>
-                </a:highlight>
-                <a:latin typeface="+mn-ea"/>
-                <a:ea typeface="+mn-ea"/>
-              </a:rPr>
-              <a:t>比较运算</a:t>
-            </a:r>
-            <a:r>
-              <a:rPr lang="zh-CN" altLang="en-US" sz="2800" b="1" dirty="0">
-                <a:solidFill>
-                  <a:schemeClr val="bg2"/>
-                </a:solidFill>
-                <a:highlight>
-                  <a:srgbClr val="FFFFFF"/>
-                </a:highlight>
-                <a:latin typeface="+mn-ea"/>
-                <a:ea typeface="+mn-ea"/>
-              </a:rPr>
-              <a:t>、</a:t>
-            </a:r>
-            <a:r>
-              <a:rPr lang="zh-CN" altLang="en-US" sz="2800" b="1" u="sng" dirty="0">
-                <a:solidFill>
-                  <a:schemeClr val="bg2"/>
-                </a:solidFill>
-                <a:highlight>
-                  <a:srgbClr val="FFFFFF"/>
-                </a:highlight>
-                <a:latin typeface="+mn-ea"/>
-                <a:ea typeface="+mn-ea"/>
-              </a:rPr>
-              <a:t>逻辑运算</a:t>
-            </a:r>
-            <a:r>
-              <a:rPr lang="zh-CN" altLang="en-US" sz="2800" b="1" dirty="0">
-                <a:solidFill>
-                  <a:schemeClr val="bg2"/>
-                </a:solidFill>
-                <a:highlight>
-                  <a:srgbClr val="FFFFFF"/>
-                </a:highlight>
-                <a:latin typeface="+mn-ea"/>
-                <a:ea typeface="+mn-ea"/>
-              </a:rPr>
-              <a:t>、</a:t>
-            </a:r>
-            <a:r>
-              <a:rPr lang="zh-CN" altLang="en-US" sz="2800" b="1" u="sng" dirty="0">
-                <a:solidFill>
-                  <a:schemeClr val="bg2"/>
-                </a:solidFill>
-                <a:highlight>
-                  <a:srgbClr val="FFFFFF"/>
-                </a:highlight>
-                <a:latin typeface="+mn-ea"/>
-                <a:ea typeface="+mn-ea"/>
-              </a:rPr>
-              <a:t>位运算</a:t>
-            </a:r>
-            <a:r>
-              <a:rPr lang="zh-CN" altLang="en-US" sz="2800" dirty="0">
-                <a:solidFill>
-                  <a:schemeClr val="bg2"/>
-                </a:solidFill>
-                <a:highlight>
-                  <a:srgbClr val="FFFFFF"/>
-                </a:highlight>
-                <a:latin typeface="+mn-ea"/>
-                <a:ea typeface="+mn-ea"/>
-              </a:rPr>
-              <a:t>等。</a:t>
-            </a:r>
-            <a:endParaRPr lang="en-US" altLang="zh-CN" sz="2800" dirty="0">
-              <a:solidFill>
-                <a:schemeClr val="bg2"/>
-              </a:solidFill>
-              <a:highlight>
-                <a:srgbClr val="FFFFFF"/>
-              </a:highlight>
-              <a:latin typeface="+mn-ea"/>
-              <a:ea typeface="+mn-ea"/>
-            </a:endParaRPr>
-          </a:p>
-        </p:txBody>
-      </p:sp>
     </p:spTree>
     <p:extLst>
       <p:ext uri="{BB962C8B-B14F-4D97-AF65-F5344CB8AC3E}">
@@ -16507,7 +16602,7 @@
         <p:cNvPr id="1" name="">
           <a:extLst>
             <a:ext uri="{FF2B5EF4-FFF2-40B4-BE49-F238E27FC236}">
-              <a16:creationId xmlns:a16="http://schemas.microsoft.com/office/drawing/2014/main" id="{C5A5884F-A859-2052-ECFA-7BFF6C87E2C6}"/>
+              <a16:creationId xmlns:a16="http://schemas.microsoft.com/office/drawing/2014/main" id="{F1DED0F6-3099-B6BC-DCD1-60F0776EA6DB}"/>
             </a:ext>
           </a:extLst>
         </p:cNvPr>
@@ -16527,7 +16622,7 @@
           <p:cNvPr id="3" name="标题 2">
             <a:extLst>
               <a:ext uri="{FF2B5EF4-FFF2-40B4-BE49-F238E27FC236}">
-                <a16:creationId xmlns:a16="http://schemas.microsoft.com/office/drawing/2014/main" id="{AF5A5D75-8F87-6E73-4916-7D9CC3C9740A}"/>
+                <a16:creationId xmlns:a16="http://schemas.microsoft.com/office/drawing/2014/main" id="{3BDAF7BC-987F-5B89-1A7B-3768858F912D}"/>
               </a:ext>
             </a:extLst>
           </p:cNvPr>
@@ -16569,7 +16664,7 @@
           <p:cNvPr id="13" name="TextBox 12">
             <a:extLst>
               <a:ext uri="{FF2B5EF4-FFF2-40B4-BE49-F238E27FC236}">
-                <a16:creationId xmlns:a16="http://schemas.microsoft.com/office/drawing/2014/main" id="{11F172DF-28DC-0D74-BC10-EE83BEAF4B32}"/>
+                <a16:creationId xmlns:a16="http://schemas.microsoft.com/office/drawing/2014/main" id="{B369FDFF-6380-1BDB-6F1D-1D23348AA310}"/>
               </a:ext>
             </a:extLst>
           </p:cNvPr>
@@ -16578,7 +16673,7 @@
         </p:nvSpPr>
         <p:spPr>
           <a:xfrm>
-            <a:off x="43263" y="4538418"/>
+            <a:off x="290007" y="4587063"/>
             <a:ext cx="1705708" cy="523220"/>
           </a:xfrm>
           <a:prstGeom prst="rect">
@@ -16613,12 +16708,168 @@
           </a:p>
         </p:txBody>
       </p:sp>
+      <p:sp>
+        <p:nvSpPr>
+          <p:cNvPr id="8" name="文本框 7">
+            <a:extLst>
+              <a:ext uri="{FF2B5EF4-FFF2-40B4-BE49-F238E27FC236}">
+                <a16:creationId xmlns:a16="http://schemas.microsoft.com/office/drawing/2014/main" id="{B984BC78-07E8-62F3-AAB5-5E2B8AB81208}"/>
+              </a:ext>
+            </a:extLst>
+          </p:cNvPr>
+          <p:cNvSpPr txBox="1"/>
+          <p:nvPr/>
+        </p:nvSpPr>
+        <p:spPr>
+          <a:xfrm>
+            <a:off x="412124" y="915602"/>
+            <a:ext cx="11481515" cy="2078326"/>
+          </a:xfrm>
+          <a:prstGeom prst="rect">
+            <a:avLst/>
+          </a:prstGeom>
+          <a:noFill/>
+        </p:spPr>
+        <p:txBody>
+          <a:bodyPr wrap="square" rtlCol="0">
+            <a:spAutoFit/>
+          </a:bodyPr>
+          <a:lstStyle/>
+          <a:p>
+            <a:pPr algn="l"/>
+            <a:r>
+              <a:rPr lang="en-US" altLang="zh-CN" sz="3600" b="1" dirty="0">
+                <a:solidFill>
+                  <a:schemeClr val="bg2"/>
+                </a:solidFill>
+                <a:latin typeface="+mn-ea"/>
+                <a:ea typeface="+mn-ea"/>
+              </a:rPr>
+              <a:t>3. </a:t>
+            </a:r>
+            <a:r>
+              <a:rPr lang="zh-CN" altLang="en-US" sz="3600" b="1" dirty="0">
+                <a:solidFill>
+                  <a:schemeClr val="bg2"/>
+                </a:solidFill>
+                <a:latin typeface="+mn-ea"/>
+                <a:ea typeface="+mn-ea"/>
+              </a:rPr>
+              <a:t>变量基本运算</a:t>
+            </a:r>
+            <a:endParaRPr lang="en-US" altLang="zh-CN" sz="3600" b="1" dirty="0">
+              <a:solidFill>
+                <a:schemeClr val="bg2"/>
+              </a:solidFill>
+              <a:latin typeface="+mn-ea"/>
+              <a:ea typeface="+mn-ea"/>
+            </a:endParaRPr>
+          </a:p>
+          <a:p>
+            <a:pPr algn="l">
+              <a:lnSpc>
+                <a:spcPct val="150000"/>
+              </a:lnSpc>
+            </a:pPr>
+            <a:r>
+              <a:rPr lang="zh-CN" altLang="en-US" sz="2800" dirty="0">
+                <a:solidFill>
+                  <a:schemeClr val="bg2"/>
+                </a:solidFill>
+                <a:latin typeface="+mn-ea"/>
+                <a:ea typeface="+mn-ea"/>
+              </a:rPr>
+              <a:t>运算是编程语言的基本功能，通过运算程序可以执行各种操作，变量运算主要包括：</a:t>
+            </a:r>
+            <a:r>
+              <a:rPr lang="zh-CN" altLang="en-US" sz="2800" b="1" u="sng" dirty="0">
+                <a:solidFill>
+                  <a:schemeClr val="bg2"/>
+                </a:solidFill>
+                <a:latin typeface="+mn-ea"/>
+                <a:ea typeface="+mn-ea"/>
+              </a:rPr>
+              <a:t>算术运算</a:t>
+            </a:r>
+            <a:r>
+              <a:rPr lang="zh-CN" altLang="en-US" sz="2800" dirty="0">
+                <a:solidFill>
+                  <a:schemeClr val="bg2"/>
+                </a:solidFill>
+                <a:latin typeface="+mn-ea"/>
+                <a:ea typeface="+mn-ea"/>
+              </a:rPr>
+              <a:t>、</a:t>
+            </a:r>
+            <a:r>
+              <a:rPr lang="zh-CN" altLang="en-US" sz="2800" b="1" u="sng" dirty="0">
+                <a:solidFill>
+                  <a:schemeClr val="bg2"/>
+                </a:solidFill>
+                <a:latin typeface="+mn-ea"/>
+                <a:ea typeface="+mn-ea"/>
+              </a:rPr>
+              <a:t>比较运算</a:t>
+            </a:r>
+            <a:r>
+              <a:rPr lang="zh-CN" altLang="en-US" sz="2800" dirty="0">
+                <a:solidFill>
+                  <a:schemeClr val="bg2"/>
+                </a:solidFill>
+                <a:latin typeface="+mn-ea"/>
+                <a:ea typeface="+mn-ea"/>
+              </a:rPr>
+              <a:t>、</a:t>
+            </a:r>
+            <a:r>
+              <a:rPr lang="zh-CN" altLang="en-US" sz="2800" b="1" u="sng" dirty="0">
+                <a:solidFill>
+                  <a:schemeClr val="bg2"/>
+                </a:solidFill>
+                <a:latin typeface="+mn-ea"/>
+                <a:ea typeface="+mn-ea"/>
+              </a:rPr>
+              <a:t>逻辑运算</a:t>
+            </a:r>
+            <a:r>
+              <a:rPr lang="zh-CN" altLang="en-US" sz="2800" dirty="0">
+                <a:solidFill>
+                  <a:schemeClr val="bg2"/>
+                </a:solidFill>
+                <a:latin typeface="+mn-ea"/>
+                <a:ea typeface="+mn-ea"/>
+              </a:rPr>
+              <a:t>、</a:t>
+            </a:r>
+            <a:r>
+              <a:rPr lang="zh-CN" altLang="en-US" sz="2800" b="1" u="sng" dirty="0">
+                <a:solidFill>
+                  <a:schemeClr val="bg2"/>
+                </a:solidFill>
+                <a:latin typeface="+mn-ea"/>
+                <a:ea typeface="+mn-ea"/>
+              </a:rPr>
+              <a:t>位运算</a:t>
+            </a:r>
+            <a:r>
+              <a:rPr lang="zh-CN" altLang="en-US" sz="2800" dirty="0">
+                <a:solidFill>
+                  <a:schemeClr val="bg2"/>
+                </a:solidFill>
+                <a:latin typeface="+mn-ea"/>
+                <a:ea typeface="+mn-ea"/>
+              </a:rPr>
+              <a:t>等。</a:t>
+            </a:r>
+          </a:p>
+        </p:txBody>
+      </p:sp>
       <p:graphicFrame>
         <p:nvGraphicFramePr>
-          <p:cNvPr id="4" name="Table 3">
+          <p:cNvPr id="5" name="Table 3">
             <a:extLst>
               <a:ext uri="{FF2B5EF4-FFF2-40B4-BE49-F238E27FC236}">
-                <a16:creationId xmlns:a16="http://schemas.microsoft.com/office/drawing/2014/main" id="{3E1E227E-592B-5984-7C00-AD9E35F86C00}"/>
+                <a16:creationId xmlns:a16="http://schemas.microsoft.com/office/drawing/2014/main" id="{F6E9ECB6-91FE-B3CA-7963-3AD862242666}"/>
               </a:ext>
             </a:extLst>
           </p:cNvPr>
@@ -16628,13 +16879,13 @@
           <p:nvPr>
             <p:extLst>
               <p:ext uri="{D42A27DB-BD31-4B8C-83A1-F6EECF244321}">
-                <p14:modId xmlns:p14="http://schemas.microsoft.com/office/powerpoint/2010/main" val="1610581827"/>
+                <p14:modId xmlns:p14="http://schemas.microsoft.com/office/powerpoint/2010/main" val="883881937"/>
               </p:ext>
             </p:extLst>
           </p:nvPr>
         </p:nvGraphicFramePr>
         <p:xfrm>
-          <a:off x="1748971" y="3163270"/>
+          <a:off x="1929040" y="3040483"/>
           <a:ext cx="6045200" cy="3616380"/>
         </p:xfrm>
         <a:graphic>
@@ -18378,10 +18629,10 @@
       </p:graphicFrame>
       <p:pic>
         <p:nvPicPr>
-          <p:cNvPr id="8" name="Picture 7" descr="A group of symbols on a black background&#10;&#10;AI-generated content may be incorrect.">
+          <p:cNvPr id="6" name="Picture 7" descr="A group of symbols on a black background&#10;&#10;AI-generated content may be incorrect.">
             <a:extLst>
               <a:ext uri="{FF2B5EF4-FFF2-40B4-BE49-F238E27FC236}">
-                <a16:creationId xmlns:a16="http://schemas.microsoft.com/office/drawing/2014/main" id="{4EA08E5E-E390-3EDF-44E6-403B3D286689}"/>
+                <a16:creationId xmlns:a16="http://schemas.microsoft.com/office/drawing/2014/main" id="{95FCB800-49F6-2B06-BBE4-3F5E119E6C16}"/>
               </a:ext>
             </a:extLst>
           </p:cNvPr>
@@ -18406,340 +18657,10 @@
           </a:prstGeom>
         </p:spPr>
       </p:pic>
-      <p:sp>
-        <p:nvSpPr>
-          <p:cNvPr id="2" name="TextBox 5">
-            <a:extLst>
-              <a:ext uri="{FF2B5EF4-FFF2-40B4-BE49-F238E27FC236}">
-                <a16:creationId xmlns:a16="http://schemas.microsoft.com/office/drawing/2014/main" id="{A9C41C27-892E-0F2B-6274-7B0A1C342DA6}"/>
-              </a:ext>
-            </a:extLst>
-          </p:cNvPr>
-          <p:cNvSpPr txBox="1"/>
-          <p:nvPr/>
-        </p:nvSpPr>
-        <p:spPr>
-          <a:xfrm>
-            <a:off x="206829" y="742632"/>
-            <a:ext cx="11763828" cy="2355325"/>
-          </a:xfrm>
-          <a:prstGeom prst="rect">
-            <a:avLst/>
-          </a:prstGeom>
-          <a:noFill/>
-        </p:spPr>
-        <p:txBody>
-          <a:bodyPr wrap="square">
-            <a:spAutoFit/>
-          </a:bodyPr>
-          <a:lstStyle>
-            <a:defPPr>
-              <a:defRPr lang="zh-CN"/>
-            </a:defPPr>
-            <a:lvl1pPr algn="ctr" rtl="0" fontAlgn="base">
-              <a:spcBef>
-                <a:spcPct val="50000"/>
-              </a:spcBef>
-              <a:spcAft>
-                <a:spcPct val="0"/>
-              </a:spcAft>
-              <a:defRPr sz="2400" kern="1200">
-                <a:solidFill>
-                  <a:schemeClr val="tx1"/>
-                </a:solidFill>
-                <a:latin typeface="Times New Roman" charset="0"/>
-                <a:ea typeface="宋体" charset="0"/>
-                <a:cs typeface="宋体" charset="0"/>
-              </a:defRPr>
-            </a:lvl1pPr>
-            <a:lvl2pPr marL="457200" algn="ctr" rtl="0" fontAlgn="base">
-              <a:spcBef>
-                <a:spcPct val="50000"/>
-              </a:spcBef>
-              <a:spcAft>
-                <a:spcPct val="0"/>
-              </a:spcAft>
-              <a:defRPr sz="2400" kern="1200">
-                <a:solidFill>
-                  <a:schemeClr val="tx1"/>
-                </a:solidFill>
-                <a:latin typeface="Times New Roman" charset="0"/>
-                <a:ea typeface="宋体" charset="0"/>
-                <a:cs typeface="宋体" charset="0"/>
-              </a:defRPr>
-            </a:lvl2pPr>
-            <a:lvl3pPr marL="914400" algn="ctr" rtl="0" fontAlgn="base">
-              <a:spcBef>
-                <a:spcPct val="50000"/>
-              </a:spcBef>
-              <a:spcAft>
-                <a:spcPct val="0"/>
-              </a:spcAft>
-              <a:defRPr sz="2400" kern="1200">
-                <a:solidFill>
-                  <a:schemeClr val="tx1"/>
-                </a:solidFill>
-                <a:latin typeface="Times New Roman" charset="0"/>
-                <a:ea typeface="宋体" charset="0"/>
-                <a:cs typeface="宋体" charset="0"/>
-              </a:defRPr>
-            </a:lvl3pPr>
-            <a:lvl4pPr marL="1371600" algn="ctr" rtl="0" fontAlgn="base">
-              <a:spcBef>
-                <a:spcPct val="50000"/>
-              </a:spcBef>
-              <a:spcAft>
-                <a:spcPct val="0"/>
-              </a:spcAft>
-              <a:defRPr sz="2400" kern="1200">
-                <a:solidFill>
-                  <a:schemeClr val="tx1"/>
-                </a:solidFill>
-                <a:latin typeface="Times New Roman" charset="0"/>
-                <a:ea typeface="宋体" charset="0"/>
-                <a:cs typeface="宋体" charset="0"/>
-              </a:defRPr>
-            </a:lvl4pPr>
-            <a:lvl5pPr marL="1828800" algn="ctr" rtl="0" fontAlgn="base">
-              <a:spcBef>
-                <a:spcPct val="50000"/>
-              </a:spcBef>
-              <a:spcAft>
-                <a:spcPct val="0"/>
-              </a:spcAft>
-              <a:defRPr sz="2400" kern="1200">
-                <a:solidFill>
-                  <a:schemeClr val="tx1"/>
-                </a:solidFill>
-                <a:latin typeface="Times New Roman" charset="0"/>
-                <a:ea typeface="宋体" charset="0"/>
-                <a:cs typeface="宋体" charset="0"/>
-              </a:defRPr>
-            </a:lvl5pPr>
-            <a:lvl6pPr marL="2286000" algn="l" defTabSz="457200" rtl="0" eaLnBrk="1" latinLnBrk="0" hangingPunct="1">
-              <a:defRPr sz="2400" kern="1200">
-                <a:solidFill>
-                  <a:schemeClr val="tx1"/>
-                </a:solidFill>
-                <a:latin typeface="Times New Roman" charset="0"/>
-                <a:ea typeface="宋体" charset="0"/>
-                <a:cs typeface="宋体" charset="0"/>
-              </a:defRPr>
-            </a:lvl6pPr>
-            <a:lvl7pPr marL="2743200" algn="l" defTabSz="457200" rtl="0" eaLnBrk="1" latinLnBrk="0" hangingPunct="1">
-              <a:defRPr sz="2400" kern="1200">
-                <a:solidFill>
-                  <a:schemeClr val="tx1"/>
-                </a:solidFill>
-                <a:latin typeface="Times New Roman" charset="0"/>
-                <a:ea typeface="宋体" charset="0"/>
-                <a:cs typeface="宋体" charset="0"/>
-              </a:defRPr>
-            </a:lvl7pPr>
-            <a:lvl8pPr marL="3200400" algn="l" defTabSz="457200" rtl="0" eaLnBrk="1" latinLnBrk="0" hangingPunct="1">
-              <a:defRPr sz="2400" kern="1200">
-                <a:solidFill>
-                  <a:schemeClr val="tx1"/>
-                </a:solidFill>
-                <a:latin typeface="Times New Roman" charset="0"/>
-                <a:ea typeface="宋体" charset="0"/>
-                <a:cs typeface="宋体" charset="0"/>
-              </a:defRPr>
-            </a:lvl8pPr>
-            <a:lvl9pPr marL="3657600" algn="l" defTabSz="457200" rtl="0" eaLnBrk="1" latinLnBrk="0" hangingPunct="1">
-              <a:defRPr sz="2400" kern="1200">
-                <a:solidFill>
-                  <a:schemeClr val="tx1"/>
-                </a:solidFill>
-                <a:latin typeface="Times New Roman" charset="0"/>
-                <a:ea typeface="宋体" charset="0"/>
-                <a:cs typeface="宋体" charset="0"/>
-              </a:defRPr>
-            </a:lvl9pPr>
-          </a:lstStyle>
-          <a:p>
-            <a:pPr algn="l">
-              <a:lnSpc>
-                <a:spcPct val="150000"/>
-              </a:lnSpc>
-            </a:pPr>
-            <a:r>
-              <a:rPr lang="en-US" altLang="zh-CN" sz="3600" b="1" dirty="0">
-                <a:solidFill>
-                  <a:schemeClr val="bg2"/>
-                </a:solidFill>
-                <a:highlight>
-                  <a:srgbClr val="FFFFFF"/>
-                </a:highlight>
-                <a:latin typeface="+mn-ea"/>
-                <a:ea typeface="+mn-ea"/>
-              </a:rPr>
-              <a:t>3. </a:t>
-            </a:r>
-            <a:r>
-              <a:rPr lang="zh-CN" altLang="en-US" sz="3600" b="1" dirty="0">
-                <a:solidFill>
-                  <a:schemeClr val="bg2"/>
-                </a:solidFill>
-                <a:highlight>
-                  <a:srgbClr val="FFFFFF"/>
-                </a:highlight>
-                <a:latin typeface="+mn-ea"/>
-                <a:ea typeface="+mn-ea"/>
-              </a:rPr>
-              <a:t>变量基本运算</a:t>
-            </a:r>
-            <a:endParaRPr lang="en-US" altLang="zh-CN" sz="3600" b="1" dirty="0">
-              <a:solidFill>
-                <a:schemeClr val="bg2"/>
-              </a:solidFill>
-              <a:highlight>
-                <a:srgbClr val="FFFFFF"/>
-              </a:highlight>
-              <a:latin typeface="+mn-ea"/>
-              <a:ea typeface="+mn-ea"/>
-            </a:endParaRPr>
-          </a:p>
-          <a:p>
-            <a:pPr algn="l">
-              <a:lnSpc>
-                <a:spcPct val="150000"/>
-              </a:lnSpc>
-            </a:pPr>
-            <a:r>
-              <a:rPr lang="zh-CN" altLang="en-US" sz="2800" dirty="0">
-                <a:solidFill>
-                  <a:schemeClr val="bg2"/>
-                </a:solidFill>
-                <a:highlight>
-                  <a:srgbClr val="FFFFFF"/>
-                </a:highlight>
-                <a:latin typeface="+mn-ea"/>
-                <a:ea typeface="+mn-ea"/>
-              </a:rPr>
-              <a:t>运算是编程语言的基本功能，通过运算程序可以执行各种操作，变量运算主要包括：</a:t>
-            </a:r>
-            <a:r>
-              <a:rPr lang="zh-CN" altLang="en-US" sz="2800" b="1" u="sng" dirty="0">
-                <a:solidFill>
-                  <a:schemeClr val="bg2"/>
-                </a:solidFill>
-                <a:highlight>
-                  <a:srgbClr val="FFFFFF"/>
-                </a:highlight>
-                <a:latin typeface="+mn-ea"/>
-                <a:ea typeface="+mn-ea"/>
-              </a:rPr>
-              <a:t>算术运算</a:t>
-            </a:r>
-            <a:r>
-              <a:rPr lang="zh-CN" altLang="en-US" sz="2800" b="1" dirty="0">
-                <a:solidFill>
-                  <a:schemeClr val="bg2"/>
-                </a:solidFill>
-                <a:highlight>
-                  <a:srgbClr val="FFFFFF"/>
-                </a:highlight>
-                <a:latin typeface="+mn-ea"/>
-                <a:ea typeface="+mn-ea"/>
-              </a:rPr>
-              <a:t>、</a:t>
-            </a:r>
-            <a:r>
-              <a:rPr lang="zh-CN" altLang="en-US" sz="2800" b="1" u="sng" dirty="0">
-                <a:solidFill>
-                  <a:schemeClr val="bg2"/>
-                </a:solidFill>
-                <a:highlight>
-                  <a:srgbClr val="FFFFFF"/>
-                </a:highlight>
-                <a:latin typeface="+mn-ea"/>
-                <a:ea typeface="+mn-ea"/>
-              </a:rPr>
-              <a:t>比较运算</a:t>
-            </a:r>
-            <a:r>
-              <a:rPr lang="zh-CN" altLang="en-US" sz="2800" b="1" dirty="0">
-                <a:solidFill>
-                  <a:schemeClr val="bg2"/>
-                </a:solidFill>
-                <a:highlight>
-                  <a:srgbClr val="FFFFFF"/>
-                </a:highlight>
-                <a:latin typeface="+mn-ea"/>
-                <a:ea typeface="+mn-ea"/>
-              </a:rPr>
-              <a:t>、</a:t>
-            </a:r>
-            <a:r>
-              <a:rPr lang="zh-CN" altLang="en-US" sz="2800" b="1" u="sng" dirty="0">
-                <a:solidFill>
-                  <a:schemeClr val="bg2"/>
-                </a:solidFill>
-                <a:highlight>
-                  <a:srgbClr val="FFFFFF"/>
-                </a:highlight>
-                <a:latin typeface="+mn-ea"/>
-                <a:ea typeface="+mn-ea"/>
-              </a:rPr>
-              <a:t>逻辑运算</a:t>
-            </a:r>
-            <a:r>
-              <a:rPr lang="zh-CN" altLang="en-US" sz="2800" b="1" dirty="0">
-                <a:solidFill>
-                  <a:schemeClr val="bg2"/>
-                </a:solidFill>
-                <a:highlight>
-                  <a:srgbClr val="FFFFFF"/>
-                </a:highlight>
-                <a:latin typeface="+mn-ea"/>
-                <a:ea typeface="+mn-ea"/>
-              </a:rPr>
-              <a:t>、</a:t>
-            </a:r>
-            <a:r>
-              <a:rPr lang="zh-CN" altLang="en-US" sz="2800" b="1" u="sng" dirty="0">
-                <a:solidFill>
-                  <a:schemeClr val="bg2"/>
-                </a:solidFill>
-                <a:highlight>
-                  <a:srgbClr val="FFFFFF"/>
-                </a:highlight>
-                <a:latin typeface="+mn-ea"/>
-                <a:ea typeface="+mn-ea"/>
-              </a:rPr>
-              <a:t>位运算</a:t>
-            </a:r>
-            <a:r>
-              <a:rPr lang="zh-CN" altLang="en-US" sz="2800" dirty="0">
-                <a:solidFill>
-                  <a:schemeClr val="bg2"/>
-                </a:solidFill>
-                <a:highlight>
-                  <a:srgbClr val="FFFFFF"/>
-                </a:highlight>
-                <a:latin typeface="+mn-ea"/>
-                <a:ea typeface="+mn-ea"/>
-              </a:rPr>
-              <a:t>等。</a:t>
-            </a:r>
-            <a:endParaRPr lang="en-US" altLang="zh-CN" sz="2800" dirty="0">
-              <a:solidFill>
-                <a:schemeClr val="bg2"/>
-              </a:solidFill>
-              <a:highlight>
-                <a:srgbClr val="FFFFFF"/>
-              </a:highlight>
-              <a:latin typeface="+mn-ea"/>
-              <a:ea typeface="+mn-ea"/>
-            </a:endParaRPr>
-          </a:p>
-        </p:txBody>
-      </p:sp>
     </p:spTree>
     <p:extLst>
       <p:ext uri="{BB962C8B-B14F-4D97-AF65-F5344CB8AC3E}">
-        <p14:creationId xmlns:p14="http://schemas.microsoft.com/office/powerpoint/2010/main" val="4115132314"/>
+        <p14:creationId xmlns:p14="http://schemas.microsoft.com/office/powerpoint/2010/main" val="3281637525"/>
       </p:ext>
     </p:extLst>
   </p:cSld>
@@ -18881,42 +18802,42 @@
           <p:nvPr>
             <p:extLst>
               <p:ext uri="{D42A27DB-BD31-4B8C-83A1-F6EECF244321}">
-                <p14:modId xmlns:p14="http://schemas.microsoft.com/office/powerpoint/2010/main" val="166063189"/>
+                <p14:modId xmlns:p14="http://schemas.microsoft.com/office/powerpoint/2010/main" val="3021005183"/>
               </p:ext>
             </p:extLst>
           </p:nvPr>
         </p:nvGraphicFramePr>
         <p:xfrm>
-          <a:off x="1712686" y="3324330"/>
-          <a:ext cx="5239655" cy="3289163"/>
+          <a:off x="1712686" y="3108842"/>
+          <a:ext cx="5516789" cy="3504652"/>
         </p:xfrm>
         <a:graphic>
           <a:graphicData uri="http://schemas.openxmlformats.org/drawingml/2006/table">
             <a:tbl>
               <a:tblPr/>
               <a:tblGrid>
-                <a:gridCol w="1122785">
+                <a:gridCol w="1182171">
                   <a:extLst>
                     <a:ext uri="{9D8B030D-6E8A-4147-A177-3AD203B41FA5}">
                       <a16:colId xmlns:a16="http://schemas.microsoft.com/office/drawing/2014/main" val="3950374018"/>
                     </a:ext>
                   </a:extLst>
                 </a:gridCol>
-                <a:gridCol w="1219366">
+                <a:gridCol w="1283860">
                   <a:extLst>
                     <a:ext uri="{9D8B030D-6E8A-4147-A177-3AD203B41FA5}">
                       <a16:colId xmlns:a16="http://schemas.microsoft.com/office/drawing/2014/main" val="2950506611"/>
                     </a:ext>
                   </a:extLst>
                 </a:gridCol>
-                <a:gridCol w="1587590">
+                <a:gridCol w="1671560">
                   <a:extLst>
                     <a:ext uri="{9D8B030D-6E8A-4147-A177-3AD203B41FA5}">
                       <a16:colId xmlns:a16="http://schemas.microsoft.com/office/drawing/2014/main" val="4224026267"/>
                     </a:ext>
                   </a:extLst>
                 </a:gridCol>
-                <a:gridCol w="1309914">
+                <a:gridCol w="1379198">
                   <a:extLst>
                     <a:ext uri="{9D8B030D-6E8A-4147-A177-3AD203B41FA5}">
                       <a16:colId xmlns:a16="http://schemas.microsoft.com/office/drawing/2014/main" val="1236266824"/>
@@ -18924,7 +18845,7 @@
                   </a:extLst>
                 </a:gridCol>
               </a:tblGrid>
-              <a:tr h="799511">
+              <a:tr h="851891">
                 <a:tc>
                   <a:txBody>
                     <a:bodyPr/>
@@ -19167,7 +19088,7 @@
                   </a:ext>
                 </a:extLst>
               </a:tr>
-              <a:tr h="867181">
+              <a:tr h="923994">
                 <a:tc>
                   <a:txBody>
                     <a:bodyPr/>
@@ -19293,7 +19214,7 @@
                     <a:p>
                       <a:pPr algn="ctr"/>
                       <a:r>
-                        <a:rPr lang="en-US" sz="2400">
+                        <a:rPr lang="en-US" sz="2400" dirty="0">
                           <a:solidFill>
                             <a:schemeClr val="bg2"/>
                           </a:solidFill>
@@ -19410,7 +19331,7 @@
                   </a:ext>
                 </a:extLst>
               </a:tr>
-              <a:tr h="799511">
+              <a:tr h="876876">
                 <a:tc>
                   <a:txBody>
                     <a:bodyPr/>
@@ -19653,7 +19574,7 @@
                   </a:ext>
                 </a:extLst>
               </a:tr>
-              <a:tr h="799511">
+              <a:tr h="851891">
                 <a:tc>
                   <a:txBody>
                     <a:bodyPr/>
@@ -19932,10 +19853,10 @@
       </p:pic>
       <p:sp>
         <p:nvSpPr>
-          <p:cNvPr id="6" name="TextBox 5">
+          <p:cNvPr id="4" name="文本框 3">
             <a:extLst>
               <a:ext uri="{FF2B5EF4-FFF2-40B4-BE49-F238E27FC236}">
-                <a16:creationId xmlns:a16="http://schemas.microsoft.com/office/drawing/2014/main" id="{2E35D8A4-424D-6AEC-A4F7-4221ABAE39A0}"/>
+                <a16:creationId xmlns:a16="http://schemas.microsoft.com/office/drawing/2014/main" id="{88F2F97B-9AEA-D3D6-726B-026AFFC77E41}"/>
               </a:ext>
             </a:extLst>
           </p:cNvPr>
@@ -19944,8 +19865,8 @@
         </p:nvSpPr>
         <p:spPr>
           <a:xfrm>
-            <a:off x="206829" y="742632"/>
-            <a:ext cx="11763828" cy="2355325"/>
+            <a:off x="412124" y="915602"/>
+            <a:ext cx="11481515" cy="2078326"/>
           </a:xfrm>
           <a:prstGeom prst="rect">
             <a:avLst/>
@@ -19953,134 +19874,40 @@
           <a:noFill/>
         </p:spPr>
         <p:txBody>
-          <a:bodyPr wrap="square">
+          <a:bodyPr wrap="square" rtlCol="0">
             <a:spAutoFit/>
           </a:bodyPr>
-          <a:lstStyle>
-            <a:defPPr>
-              <a:defRPr lang="zh-CN"/>
-            </a:defPPr>
-            <a:lvl1pPr algn="ctr" rtl="0" fontAlgn="base">
-              <a:spcBef>
-                <a:spcPct val="50000"/>
-              </a:spcBef>
-              <a:spcAft>
-                <a:spcPct val="0"/>
-              </a:spcAft>
-              <a:defRPr sz="2400" kern="1200">
-                <a:solidFill>
-                  <a:schemeClr val="tx1"/>
-                </a:solidFill>
-                <a:latin typeface="Times New Roman" charset="0"/>
-                <a:ea typeface="宋体" charset="0"/>
-                <a:cs typeface="宋体" charset="0"/>
-              </a:defRPr>
-            </a:lvl1pPr>
-            <a:lvl2pPr marL="457200" algn="ctr" rtl="0" fontAlgn="base">
-              <a:spcBef>
-                <a:spcPct val="50000"/>
-              </a:spcBef>
-              <a:spcAft>
-                <a:spcPct val="0"/>
-              </a:spcAft>
-              <a:defRPr sz="2400" kern="1200">
-                <a:solidFill>
-                  <a:schemeClr val="tx1"/>
-                </a:solidFill>
-                <a:latin typeface="Times New Roman" charset="0"/>
-                <a:ea typeface="宋体" charset="0"/>
-                <a:cs typeface="宋体" charset="0"/>
-              </a:defRPr>
-            </a:lvl2pPr>
-            <a:lvl3pPr marL="914400" algn="ctr" rtl="0" fontAlgn="base">
-              <a:spcBef>
-                <a:spcPct val="50000"/>
-              </a:spcBef>
-              <a:spcAft>
-                <a:spcPct val="0"/>
-              </a:spcAft>
-              <a:defRPr sz="2400" kern="1200">
-                <a:solidFill>
-                  <a:schemeClr val="tx1"/>
-                </a:solidFill>
-                <a:latin typeface="Times New Roman" charset="0"/>
-                <a:ea typeface="宋体" charset="0"/>
-                <a:cs typeface="宋体" charset="0"/>
-              </a:defRPr>
-            </a:lvl3pPr>
-            <a:lvl4pPr marL="1371600" algn="ctr" rtl="0" fontAlgn="base">
-              <a:spcBef>
-                <a:spcPct val="50000"/>
-              </a:spcBef>
-              <a:spcAft>
-                <a:spcPct val="0"/>
-              </a:spcAft>
-              <a:defRPr sz="2400" kern="1200">
-                <a:solidFill>
-                  <a:schemeClr val="tx1"/>
-                </a:solidFill>
-                <a:latin typeface="Times New Roman" charset="0"/>
-                <a:ea typeface="宋体" charset="0"/>
-                <a:cs typeface="宋体" charset="0"/>
-              </a:defRPr>
-            </a:lvl4pPr>
-            <a:lvl5pPr marL="1828800" algn="ctr" rtl="0" fontAlgn="base">
-              <a:spcBef>
-                <a:spcPct val="50000"/>
-              </a:spcBef>
-              <a:spcAft>
-                <a:spcPct val="0"/>
-              </a:spcAft>
-              <a:defRPr sz="2400" kern="1200">
-                <a:solidFill>
-                  <a:schemeClr val="tx1"/>
-                </a:solidFill>
-                <a:latin typeface="Times New Roman" charset="0"/>
-                <a:ea typeface="宋体" charset="0"/>
-                <a:cs typeface="宋体" charset="0"/>
-              </a:defRPr>
-            </a:lvl5pPr>
-            <a:lvl6pPr marL="2286000" algn="l" defTabSz="457200" rtl="0" eaLnBrk="1" latinLnBrk="0" hangingPunct="1">
-              <a:defRPr sz="2400" kern="1200">
-                <a:solidFill>
-                  <a:schemeClr val="tx1"/>
-                </a:solidFill>
-                <a:latin typeface="Times New Roman" charset="0"/>
-                <a:ea typeface="宋体" charset="0"/>
-                <a:cs typeface="宋体" charset="0"/>
-              </a:defRPr>
-            </a:lvl6pPr>
-            <a:lvl7pPr marL="2743200" algn="l" defTabSz="457200" rtl="0" eaLnBrk="1" latinLnBrk="0" hangingPunct="1">
-              <a:defRPr sz="2400" kern="1200">
-                <a:solidFill>
-                  <a:schemeClr val="tx1"/>
-                </a:solidFill>
-                <a:latin typeface="Times New Roman" charset="0"/>
-                <a:ea typeface="宋体" charset="0"/>
-                <a:cs typeface="宋体" charset="0"/>
-              </a:defRPr>
-            </a:lvl7pPr>
-            <a:lvl8pPr marL="3200400" algn="l" defTabSz="457200" rtl="0" eaLnBrk="1" latinLnBrk="0" hangingPunct="1">
-              <a:defRPr sz="2400" kern="1200">
-                <a:solidFill>
-                  <a:schemeClr val="tx1"/>
-                </a:solidFill>
-                <a:latin typeface="Times New Roman" charset="0"/>
-                <a:ea typeface="宋体" charset="0"/>
-                <a:cs typeface="宋体" charset="0"/>
-              </a:defRPr>
-            </a:lvl8pPr>
-            <a:lvl9pPr marL="3657600" algn="l" defTabSz="457200" rtl="0" eaLnBrk="1" latinLnBrk="0" hangingPunct="1">
-              <a:defRPr sz="2400" kern="1200">
-                <a:solidFill>
-                  <a:schemeClr val="tx1"/>
-                </a:solidFill>
-                <a:latin typeface="Times New Roman" charset="0"/>
-                <a:ea typeface="宋体" charset="0"/>
-                <a:cs typeface="宋体" charset="0"/>
-              </a:defRPr>
-            </a:lvl9pPr>
-          </a:lstStyle>
+          <a:lstStyle/>
+          <a:p>
+            <a:pPr algn="l"/>
+            <a:r>
+              <a:rPr lang="en-US" altLang="zh-CN" sz="3600" b="1" dirty="0">
+                <a:solidFill>
+                  <a:schemeClr val="bg2"/>
+                </a:solidFill>
+                <a:latin typeface="+mn-ea"/>
+                <a:ea typeface="+mn-ea"/>
+              </a:rPr>
+              <a:t>3. </a:t>
+            </a:r>
+            <a:r>
+              <a:rPr lang="zh-CN" altLang="en-US" sz="3600" b="1" dirty="0">
+                <a:solidFill>
+                  <a:schemeClr val="bg2"/>
+                </a:solidFill>
+                <a:latin typeface="+mn-ea"/>
+                <a:ea typeface="+mn-ea"/>
+              </a:rPr>
+              <a:t>变量基本运算</a:t>
+            </a:r>
+            <a:endParaRPr lang="en-US" altLang="zh-CN" sz="3600" b="1" dirty="0">
+              <a:solidFill>
+                <a:schemeClr val="bg2"/>
+              </a:solidFill>
+              <a:latin typeface="+mn-ea"/>
+              <a:ea typeface="+mn-ea"/>
+            </a:endParaRPr>
+          </a:p>
           <a:p>
             <a:pPr algn="l">
               <a:lnSpc>
@@ -20088,82 +19915,50 @@
               </a:lnSpc>
             </a:pPr>
             <a:r>
-              <a:rPr lang="en-US" altLang="zh-CN" sz="3600" b="1" dirty="0">
+              <a:rPr lang="zh-CN" altLang="en-US" sz="2800" dirty="0">
                 <a:solidFill>
                   <a:schemeClr val="bg2"/>
                 </a:solidFill>
-                <a:highlight>
-                  <a:srgbClr val="FFFFFF"/>
-                </a:highlight>
-                <a:latin typeface="+mn-ea"/>
-                <a:ea typeface="+mn-ea"/>
-              </a:rPr>
-              <a:t>3. </a:t>
-            </a:r>
-            <a:r>
-              <a:rPr lang="zh-CN" altLang="en-US" sz="3600" b="1" dirty="0">
+                <a:latin typeface="+mn-ea"/>
+                <a:ea typeface="+mn-ea"/>
+              </a:rPr>
+              <a:t>运算是编程语言的基本功能，通过运算程序可以执行各种操作，变量运算主要包括：</a:t>
+            </a:r>
+            <a:r>
+              <a:rPr lang="zh-CN" altLang="en-US" sz="2800" b="1" u="sng" dirty="0">
                 <a:solidFill>
                   <a:schemeClr val="bg2"/>
                 </a:solidFill>
-                <a:highlight>
-                  <a:srgbClr val="FFFFFF"/>
-                </a:highlight>
-                <a:latin typeface="+mn-ea"/>
-                <a:ea typeface="+mn-ea"/>
-              </a:rPr>
-              <a:t>变量基本运算</a:t>
-            </a:r>
-            <a:endParaRPr lang="en-US" altLang="zh-CN" sz="3600" b="1" dirty="0">
-              <a:solidFill>
-                <a:schemeClr val="bg2"/>
-              </a:solidFill>
-              <a:highlight>
-                <a:srgbClr val="FFFFFF"/>
-              </a:highlight>
-              <a:latin typeface="+mn-ea"/>
-              <a:ea typeface="+mn-ea"/>
-            </a:endParaRPr>
-          </a:p>
-          <a:p>
-            <a:pPr algn="l">
-              <a:lnSpc>
-                <a:spcPct val="150000"/>
-              </a:lnSpc>
-            </a:pPr>
+                <a:latin typeface="+mn-ea"/>
+                <a:ea typeface="+mn-ea"/>
+              </a:rPr>
+              <a:t>算术运算</a:t>
+            </a:r>
             <a:r>
               <a:rPr lang="zh-CN" altLang="en-US" sz="2800" dirty="0">
                 <a:solidFill>
                   <a:schemeClr val="bg2"/>
                 </a:solidFill>
-                <a:highlight>
-                  <a:srgbClr val="FFFFFF"/>
-                </a:highlight>
-                <a:latin typeface="+mn-ea"/>
-                <a:ea typeface="+mn-ea"/>
-              </a:rPr>
-              <a:t>运算是编程语言的基本功能，通过运算程序可以执行各种操作，变量运算主要包括：</a:t>
+                <a:latin typeface="+mn-ea"/>
+                <a:ea typeface="+mn-ea"/>
+              </a:rPr>
+              <a:t>、</a:t>
             </a:r>
             <a:r>
               <a:rPr lang="zh-CN" altLang="en-US" sz="2800" b="1" u="sng" dirty="0">
                 <a:solidFill>
                   <a:schemeClr val="bg2"/>
                 </a:solidFill>
-                <a:highlight>
-                  <a:srgbClr val="FFFFFF"/>
-                </a:highlight>
-                <a:latin typeface="+mn-ea"/>
-                <a:ea typeface="+mn-ea"/>
-              </a:rPr>
-              <a:t>算术运算</a:t>
-            </a:r>
-            <a:r>
-              <a:rPr lang="zh-CN" altLang="en-US" sz="2800" b="1" dirty="0">
+                <a:latin typeface="+mn-ea"/>
+                <a:ea typeface="+mn-ea"/>
+              </a:rPr>
+              <a:t>比较运算</a:t>
+            </a:r>
+            <a:r>
+              <a:rPr lang="zh-CN" altLang="en-US" sz="2800" dirty="0">
                 <a:solidFill>
                   <a:schemeClr val="bg2"/>
                 </a:solidFill>
-                <a:highlight>
-                  <a:srgbClr val="FFFFFF"/>
-                </a:highlight>
                 <a:latin typeface="+mn-ea"/>
                 <a:ea typeface="+mn-ea"/>
               </a:rPr>
@@ -20174,22 +19969,16 @@
                 <a:solidFill>
                   <a:schemeClr val="bg2"/>
                 </a:solidFill>
-                <a:highlight>
-                  <a:srgbClr val="FFFFFF"/>
-                </a:highlight>
-                <a:latin typeface="+mn-ea"/>
-                <a:ea typeface="+mn-ea"/>
-              </a:rPr>
-              <a:t>比较运算</a:t>
-            </a:r>
-            <a:r>
-              <a:rPr lang="zh-CN" altLang="en-US" sz="2800" b="1" dirty="0">
+                <a:latin typeface="+mn-ea"/>
+                <a:ea typeface="+mn-ea"/>
+              </a:rPr>
+              <a:t>逻辑运算</a:t>
+            </a:r>
+            <a:r>
+              <a:rPr lang="zh-CN" altLang="en-US" sz="2800" dirty="0">
                 <a:solidFill>
                   <a:schemeClr val="bg2"/>
                 </a:solidFill>
-                <a:highlight>
-                  <a:srgbClr val="FFFFFF"/>
-                </a:highlight>
                 <a:latin typeface="+mn-ea"/>
                 <a:ea typeface="+mn-ea"/>
               </a:rPr>
@@ -20200,63 +19989,21 @@
                 <a:solidFill>
                   <a:schemeClr val="bg2"/>
                 </a:solidFill>
-                <a:highlight>
-                  <a:srgbClr val="FFFFFF"/>
-                </a:highlight>
-                <a:latin typeface="+mn-ea"/>
-                <a:ea typeface="+mn-ea"/>
-              </a:rPr>
-              <a:t>逻辑运算</a:t>
-            </a:r>
-            <a:r>
-              <a:rPr lang="zh-CN" altLang="en-US" sz="2800" b="1" dirty="0">
+                <a:latin typeface="+mn-ea"/>
+                <a:ea typeface="+mn-ea"/>
+              </a:rPr>
+              <a:t>位运算</a:t>
+            </a:r>
+            <a:r>
+              <a:rPr lang="zh-CN" altLang="en-US" sz="2800" dirty="0">
                 <a:solidFill>
                   <a:schemeClr val="bg2"/>
                 </a:solidFill>
-                <a:highlight>
-                  <a:srgbClr val="FFFFFF"/>
-                </a:highlight>
-                <a:latin typeface="+mn-ea"/>
-                <a:ea typeface="+mn-ea"/>
-              </a:rPr>
-              <a:t>、</a:t>
-            </a:r>
-            <a:r>
-              <a:rPr lang="zh-CN" altLang="en-US" sz="2800" b="1" u="sng" dirty="0">
-                <a:solidFill>
-                  <a:schemeClr val="bg2"/>
-                </a:solidFill>
-                <a:highlight>
-                  <a:srgbClr val="FFFFFF"/>
-                </a:highlight>
-                <a:latin typeface="+mn-ea"/>
-                <a:ea typeface="+mn-ea"/>
-              </a:rPr>
-              <a:t>位运算</a:t>
-            </a:r>
-            <a:r>
-              <a:rPr lang="zh-CN" altLang="en-US" sz="2800" dirty="0">
-                <a:solidFill>
-                  <a:schemeClr val="bg2"/>
-                </a:solidFill>
-                <a:highlight>
-                  <a:srgbClr val="FFFFFF"/>
-                </a:highlight>
                 <a:latin typeface="+mn-ea"/>
                 <a:ea typeface="+mn-ea"/>
               </a:rPr>
               <a:t>等。</a:t>
             </a:r>
-            <a:endParaRPr lang="en-US" altLang="zh-CN" sz="2800" dirty="0">
-              <a:solidFill>
-                <a:schemeClr val="bg2"/>
-              </a:solidFill>
-              <a:highlight>
-                <a:srgbClr val="FFFFFF"/>
-              </a:highlight>
-              <a:latin typeface="+mn-ea"/>
-              <a:ea typeface="+mn-ea"/>
-            </a:endParaRPr>
           </a:p>
         </p:txBody>
       </p:sp>
@@ -20355,8 +20102,8 @@
         </p:nvSpPr>
         <p:spPr>
           <a:xfrm>
-            <a:off x="897592" y="3228400"/>
-            <a:ext cx="10249380" cy="1308884"/>
+            <a:off x="361950" y="3285550"/>
+            <a:ext cx="11325225" cy="1308884"/>
           </a:xfrm>
           <a:prstGeom prst="rect">
             <a:avLst/>
@@ -20500,8 +20247,8 @@
         </p:blipFill>
         <p:spPr>
           <a:xfrm>
-            <a:off x="571021" y="4832235"/>
-            <a:ext cx="11329790" cy="1568566"/>
+            <a:off x="158232" y="4832234"/>
+            <a:ext cx="11742579" cy="1625715"/>
           </a:xfrm>
           <a:prstGeom prst="rect">
             <a:avLst/>
@@ -20510,10 +20257,10 @@
       </p:pic>
       <p:sp>
         <p:nvSpPr>
-          <p:cNvPr id="4" name="TextBox 5">
+          <p:cNvPr id="2" name="文本框 1">
             <a:extLst>
               <a:ext uri="{FF2B5EF4-FFF2-40B4-BE49-F238E27FC236}">
-                <a16:creationId xmlns:a16="http://schemas.microsoft.com/office/drawing/2014/main" id="{5A4E9AD6-B61A-05FC-27E4-9530EFA4BF21}"/>
+                <a16:creationId xmlns:a16="http://schemas.microsoft.com/office/drawing/2014/main" id="{BCEDC17E-5366-A420-5868-590D63645C62}"/>
               </a:ext>
             </a:extLst>
           </p:cNvPr>
@@ -20522,8 +20269,8 @@
         </p:nvSpPr>
         <p:spPr>
           <a:xfrm>
-            <a:off x="206829" y="742632"/>
-            <a:ext cx="11763828" cy="2355325"/>
+            <a:off x="412124" y="915602"/>
+            <a:ext cx="11481515" cy="2078326"/>
           </a:xfrm>
           <a:prstGeom prst="rect">
             <a:avLst/>
@@ -20531,134 +20278,40 @@
           <a:noFill/>
         </p:spPr>
         <p:txBody>
-          <a:bodyPr wrap="square">
+          <a:bodyPr wrap="square" rtlCol="0">
             <a:spAutoFit/>
           </a:bodyPr>
-          <a:lstStyle>
-            <a:defPPr>
-              <a:defRPr lang="zh-CN"/>
-            </a:defPPr>
-            <a:lvl1pPr algn="ctr" rtl="0" fontAlgn="base">
-              <a:spcBef>
-                <a:spcPct val="50000"/>
-              </a:spcBef>
-              <a:spcAft>
-                <a:spcPct val="0"/>
-              </a:spcAft>
-              <a:defRPr sz="2400" kern="1200">
-                <a:solidFill>
-                  <a:schemeClr val="tx1"/>
-                </a:solidFill>
-                <a:latin typeface="Times New Roman" charset="0"/>
-                <a:ea typeface="宋体" charset="0"/>
-                <a:cs typeface="宋体" charset="0"/>
-              </a:defRPr>
-            </a:lvl1pPr>
-            <a:lvl2pPr marL="457200" algn="ctr" rtl="0" fontAlgn="base">
-              <a:spcBef>
-                <a:spcPct val="50000"/>
-              </a:spcBef>
-              <a:spcAft>
-                <a:spcPct val="0"/>
-              </a:spcAft>
-              <a:defRPr sz="2400" kern="1200">
-                <a:solidFill>
-                  <a:schemeClr val="tx1"/>
-                </a:solidFill>
-                <a:latin typeface="Times New Roman" charset="0"/>
-                <a:ea typeface="宋体" charset="0"/>
-                <a:cs typeface="宋体" charset="0"/>
-              </a:defRPr>
-            </a:lvl2pPr>
-            <a:lvl3pPr marL="914400" algn="ctr" rtl="0" fontAlgn="base">
-              <a:spcBef>
-                <a:spcPct val="50000"/>
-              </a:spcBef>
-              <a:spcAft>
-                <a:spcPct val="0"/>
-              </a:spcAft>
-              <a:defRPr sz="2400" kern="1200">
-                <a:solidFill>
-                  <a:schemeClr val="tx1"/>
-                </a:solidFill>
-                <a:latin typeface="Times New Roman" charset="0"/>
-                <a:ea typeface="宋体" charset="0"/>
-                <a:cs typeface="宋体" charset="0"/>
-              </a:defRPr>
-            </a:lvl3pPr>
-            <a:lvl4pPr marL="1371600" algn="ctr" rtl="0" fontAlgn="base">
-              <a:spcBef>
-                <a:spcPct val="50000"/>
-              </a:spcBef>
-              <a:spcAft>
-                <a:spcPct val="0"/>
-              </a:spcAft>
-              <a:defRPr sz="2400" kern="1200">
-                <a:solidFill>
-                  <a:schemeClr val="tx1"/>
-                </a:solidFill>
-                <a:latin typeface="Times New Roman" charset="0"/>
-                <a:ea typeface="宋体" charset="0"/>
-                <a:cs typeface="宋体" charset="0"/>
-              </a:defRPr>
-            </a:lvl4pPr>
-            <a:lvl5pPr marL="1828800" algn="ctr" rtl="0" fontAlgn="base">
-              <a:spcBef>
-                <a:spcPct val="50000"/>
-              </a:spcBef>
-              <a:spcAft>
-                <a:spcPct val="0"/>
-              </a:spcAft>
-              <a:defRPr sz="2400" kern="1200">
-                <a:solidFill>
-                  <a:schemeClr val="tx1"/>
-                </a:solidFill>
-                <a:latin typeface="Times New Roman" charset="0"/>
-                <a:ea typeface="宋体" charset="0"/>
-                <a:cs typeface="宋体" charset="0"/>
-              </a:defRPr>
-            </a:lvl5pPr>
-            <a:lvl6pPr marL="2286000" algn="l" defTabSz="457200" rtl="0" eaLnBrk="1" latinLnBrk="0" hangingPunct="1">
-              <a:defRPr sz="2400" kern="1200">
-                <a:solidFill>
-                  <a:schemeClr val="tx1"/>
-                </a:solidFill>
-                <a:latin typeface="Times New Roman" charset="0"/>
-                <a:ea typeface="宋体" charset="0"/>
-                <a:cs typeface="宋体" charset="0"/>
-              </a:defRPr>
-            </a:lvl6pPr>
-            <a:lvl7pPr marL="2743200" algn="l" defTabSz="457200" rtl="0" eaLnBrk="1" latinLnBrk="0" hangingPunct="1">
-              <a:defRPr sz="2400" kern="1200">
-                <a:solidFill>
-                  <a:schemeClr val="tx1"/>
-                </a:solidFill>
-                <a:latin typeface="Times New Roman" charset="0"/>
-                <a:ea typeface="宋体" charset="0"/>
-                <a:cs typeface="宋体" charset="0"/>
-              </a:defRPr>
-            </a:lvl7pPr>
-            <a:lvl8pPr marL="3200400" algn="l" defTabSz="457200" rtl="0" eaLnBrk="1" latinLnBrk="0" hangingPunct="1">
-              <a:defRPr sz="2400" kern="1200">
-                <a:solidFill>
-                  <a:schemeClr val="tx1"/>
-                </a:solidFill>
-                <a:latin typeface="Times New Roman" charset="0"/>
-                <a:ea typeface="宋体" charset="0"/>
-                <a:cs typeface="宋体" charset="0"/>
-              </a:defRPr>
-            </a:lvl8pPr>
-            <a:lvl9pPr marL="3657600" algn="l" defTabSz="457200" rtl="0" eaLnBrk="1" latinLnBrk="0" hangingPunct="1">
-              <a:defRPr sz="2400" kern="1200">
-                <a:solidFill>
-                  <a:schemeClr val="tx1"/>
-                </a:solidFill>
-                <a:latin typeface="Times New Roman" charset="0"/>
-                <a:ea typeface="宋体" charset="0"/>
-                <a:cs typeface="宋体" charset="0"/>
-              </a:defRPr>
-            </a:lvl9pPr>
-          </a:lstStyle>
+          <a:lstStyle/>
+          <a:p>
+            <a:pPr algn="l"/>
+            <a:r>
+              <a:rPr lang="en-US" altLang="zh-CN" sz="3600" b="1" dirty="0">
+                <a:solidFill>
+                  <a:schemeClr val="bg2"/>
+                </a:solidFill>
+                <a:latin typeface="+mn-ea"/>
+                <a:ea typeface="+mn-ea"/>
+              </a:rPr>
+              <a:t>3. </a:t>
+            </a:r>
+            <a:r>
+              <a:rPr lang="zh-CN" altLang="en-US" sz="3600" b="1" dirty="0">
+                <a:solidFill>
+                  <a:schemeClr val="bg2"/>
+                </a:solidFill>
+                <a:latin typeface="+mn-ea"/>
+                <a:ea typeface="+mn-ea"/>
+              </a:rPr>
+              <a:t>变量基本运算</a:t>
+            </a:r>
+            <a:endParaRPr lang="en-US" altLang="zh-CN" sz="3600" b="1" dirty="0">
+              <a:solidFill>
+                <a:schemeClr val="bg2"/>
+              </a:solidFill>
+              <a:latin typeface="+mn-ea"/>
+              <a:ea typeface="+mn-ea"/>
+            </a:endParaRPr>
+          </a:p>
           <a:p>
             <a:pPr algn="l">
               <a:lnSpc>
@@ -20666,82 +20319,50 @@
               </a:lnSpc>
             </a:pPr>
             <a:r>
-              <a:rPr lang="en-US" altLang="zh-CN" sz="3600" b="1" dirty="0">
+              <a:rPr lang="zh-CN" altLang="en-US" sz="2800" dirty="0">
                 <a:solidFill>
                   <a:schemeClr val="bg2"/>
                 </a:solidFill>
-                <a:highlight>
-                  <a:srgbClr val="FFFFFF"/>
-                </a:highlight>
-                <a:latin typeface="+mn-ea"/>
-                <a:ea typeface="+mn-ea"/>
-              </a:rPr>
-              <a:t>3. </a:t>
-            </a:r>
-            <a:r>
-              <a:rPr lang="zh-CN" altLang="en-US" sz="3600" b="1" dirty="0">
+                <a:latin typeface="+mn-ea"/>
+                <a:ea typeface="+mn-ea"/>
+              </a:rPr>
+              <a:t>运算是编程语言的基本功能，通过运算程序可以执行各种操作，变量运算主要包括：</a:t>
+            </a:r>
+            <a:r>
+              <a:rPr lang="zh-CN" altLang="en-US" sz="2800" b="1" u="sng" dirty="0">
                 <a:solidFill>
                   <a:schemeClr val="bg2"/>
                 </a:solidFill>
-                <a:highlight>
-                  <a:srgbClr val="FFFFFF"/>
-                </a:highlight>
-                <a:latin typeface="+mn-ea"/>
-                <a:ea typeface="+mn-ea"/>
-              </a:rPr>
-              <a:t>变量基本运算</a:t>
-            </a:r>
-            <a:endParaRPr lang="en-US" altLang="zh-CN" sz="3600" b="1" dirty="0">
-              <a:solidFill>
-                <a:schemeClr val="bg2"/>
-              </a:solidFill>
-              <a:highlight>
-                <a:srgbClr val="FFFFFF"/>
-              </a:highlight>
-              <a:latin typeface="+mn-ea"/>
-              <a:ea typeface="+mn-ea"/>
-            </a:endParaRPr>
-          </a:p>
-          <a:p>
-            <a:pPr algn="l">
-              <a:lnSpc>
-                <a:spcPct val="150000"/>
-              </a:lnSpc>
-            </a:pPr>
+                <a:latin typeface="+mn-ea"/>
+                <a:ea typeface="+mn-ea"/>
+              </a:rPr>
+              <a:t>算术运算</a:t>
+            </a:r>
             <a:r>
               <a:rPr lang="zh-CN" altLang="en-US" sz="2800" dirty="0">
                 <a:solidFill>
                   <a:schemeClr val="bg2"/>
                 </a:solidFill>
-                <a:highlight>
-                  <a:srgbClr val="FFFFFF"/>
-                </a:highlight>
-                <a:latin typeface="+mn-ea"/>
-                <a:ea typeface="+mn-ea"/>
-              </a:rPr>
-              <a:t>运算是编程语言的基本功能，通过运算程序可以执行各种操作，变量运算主要包括：</a:t>
+                <a:latin typeface="+mn-ea"/>
+                <a:ea typeface="+mn-ea"/>
+              </a:rPr>
+              <a:t>、</a:t>
             </a:r>
             <a:r>
               <a:rPr lang="zh-CN" altLang="en-US" sz="2800" b="1" u="sng" dirty="0">
                 <a:solidFill>
                   <a:schemeClr val="bg2"/>
                 </a:solidFill>
-                <a:highlight>
-                  <a:srgbClr val="FFFFFF"/>
-                </a:highlight>
-                <a:latin typeface="+mn-ea"/>
-                <a:ea typeface="+mn-ea"/>
-              </a:rPr>
-              <a:t>算术运算</a:t>
-            </a:r>
-            <a:r>
-              <a:rPr lang="zh-CN" altLang="en-US" sz="2800" b="1" dirty="0">
+                <a:latin typeface="+mn-ea"/>
+                <a:ea typeface="+mn-ea"/>
+              </a:rPr>
+              <a:t>比较运算</a:t>
+            </a:r>
+            <a:r>
+              <a:rPr lang="zh-CN" altLang="en-US" sz="2800" dirty="0">
                 <a:solidFill>
                   <a:schemeClr val="bg2"/>
                 </a:solidFill>
-                <a:highlight>
-                  <a:srgbClr val="FFFFFF"/>
-                </a:highlight>
                 <a:latin typeface="+mn-ea"/>
                 <a:ea typeface="+mn-ea"/>
               </a:rPr>
@@ -20752,22 +20373,16 @@
                 <a:solidFill>
                   <a:schemeClr val="bg2"/>
                 </a:solidFill>
-                <a:highlight>
-                  <a:srgbClr val="FFFFFF"/>
-                </a:highlight>
-                <a:latin typeface="+mn-ea"/>
-                <a:ea typeface="+mn-ea"/>
-              </a:rPr>
-              <a:t>比较运算</a:t>
-            </a:r>
-            <a:r>
-              <a:rPr lang="zh-CN" altLang="en-US" sz="2800" b="1" dirty="0">
+                <a:latin typeface="+mn-ea"/>
+                <a:ea typeface="+mn-ea"/>
+              </a:rPr>
+              <a:t>逻辑运算</a:t>
+            </a:r>
+            <a:r>
+              <a:rPr lang="zh-CN" altLang="en-US" sz="2800" dirty="0">
                 <a:solidFill>
                   <a:schemeClr val="bg2"/>
                 </a:solidFill>
-                <a:highlight>
-                  <a:srgbClr val="FFFFFF"/>
-                </a:highlight>
                 <a:latin typeface="+mn-ea"/>
                 <a:ea typeface="+mn-ea"/>
               </a:rPr>
@@ -20778,63 +20393,21 @@
                 <a:solidFill>
                   <a:schemeClr val="bg2"/>
                 </a:solidFill>
-                <a:highlight>
-                  <a:srgbClr val="FFFFFF"/>
-                </a:highlight>
-                <a:latin typeface="+mn-ea"/>
-                <a:ea typeface="+mn-ea"/>
-              </a:rPr>
-              <a:t>逻辑运算</a:t>
-            </a:r>
-            <a:r>
-              <a:rPr lang="zh-CN" altLang="en-US" sz="2800" b="1" dirty="0">
+                <a:latin typeface="+mn-ea"/>
+                <a:ea typeface="+mn-ea"/>
+              </a:rPr>
+              <a:t>位运算</a:t>
+            </a:r>
+            <a:r>
+              <a:rPr lang="zh-CN" altLang="en-US" sz="2800" dirty="0">
                 <a:solidFill>
                   <a:schemeClr val="bg2"/>
                 </a:solidFill>
-                <a:highlight>
-                  <a:srgbClr val="FFFFFF"/>
-                </a:highlight>
-                <a:latin typeface="+mn-ea"/>
-                <a:ea typeface="+mn-ea"/>
-              </a:rPr>
-              <a:t>、</a:t>
-            </a:r>
-            <a:r>
-              <a:rPr lang="zh-CN" altLang="en-US" sz="2800" b="1" u="sng" dirty="0">
-                <a:solidFill>
-                  <a:schemeClr val="bg2"/>
-                </a:solidFill>
-                <a:highlight>
-                  <a:srgbClr val="FFFFFF"/>
-                </a:highlight>
-                <a:latin typeface="+mn-ea"/>
-                <a:ea typeface="+mn-ea"/>
-              </a:rPr>
-              <a:t>位运算</a:t>
-            </a:r>
-            <a:r>
-              <a:rPr lang="zh-CN" altLang="en-US" sz="2800" dirty="0">
-                <a:solidFill>
-                  <a:schemeClr val="bg2"/>
-                </a:solidFill>
-                <a:highlight>
-                  <a:srgbClr val="FFFFFF"/>
-                </a:highlight>
                 <a:latin typeface="+mn-ea"/>
                 <a:ea typeface="+mn-ea"/>
               </a:rPr>
               <a:t>等。</a:t>
             </a:r>
-            <a:endParaRPr lang="en-US" altLang="zh-CN" sz="2800" dirty="0">
-              <a:solidFill>
-                <a:schemeClr val="bg2"/>
-              </a:solidFill>
-              <a:highlight>
-                <a:srgbClr val="FFFFFF"/>
-              </a:highlight>
-              <a:latin typeface="+mn-ea"/>
-              <a:ea typeface="+mn-ea"/>
-            </a:endParaRPr>
           </a:p>
         </p:txBody>
       </p:sp>
@@ -21166,7 +20739,7 @@
         <p:spPr>
           <a:xfrm>
             <a:off x="384630" y="1707210"/>
-            <a:ext cx="9582332" cy="4898970"/>
+            <a:ext cx="10673895" cy="4898970"/>
           </a:xfrm>
           <a:prstGeom prst="rect">
             <a:avLst/>
@@ -21347,6 +20920,578 @@
 </file>
 
 <file path=ppt/slides/slide16.xml><?xml version="1.0" encoding="utf-8"?>
+<p:sld xmlns:a="http://schemas.openxmlformats.org/drawingml/2006/main" xmlns:r="http://schemas.openxmlformats.org/officeDocument/2006/relationships" xmlns:p="http://schemas.openxmlformats.org/presentationml/2006/main">
+  <p:cSld>
+    <p:spTree>
+      <p:nvGrpSpPr>
+        <p:cNvPr id="1" name="">
+          <a:extLst>
+            <a:ext uri="{FF2B5EF4-FFF2-40B4-BE49-F238E27FC236}">
+              <a16:creationId xmlns:a16="http://schemas.microsoft.com/office/drawing/2014/main" id="{E216058C-5E50-1C93-33B3-5E86BEA3BE5D}"/>
+            </a:ext>
+          </a:extLst>
+        </p:cNvPr>
+        <p:cNvGrpSpPr/>
+        <p:nvPr/>
+      </p:nvGrpSpPr>
+      <p:grpSpPr>
+        <a:xfrm>
+          <a:off x="0" y="0"/>
+          <a:ext cx="0" cy="0"/>
+          <a:chOff x="0" y="0"/>
+          <a:chExt cx="0" cy="0"/>
+        </a:xfrm>
+      </p:grpSpPr>
+      <p:sp>
+        <p:nvSpPr>
+          <p:cNvPr id="3" name="标题 2">
+            <a:extLst>
+              <a:ext uri="{FF2B5EF4-FFF2-40B4-BE49-F238E27FC236}">
+                <a16:creationId xmlns:a16="http://schemas.microsoft.com/office/drawing/2014/main" id="{5C550404-AD55-6D52-565B-0981E6D334C4}"/>
+              </a:ext>
+            </a:extLst>
+          </p:cNvPr>
+          <p:cNvSpPr>
+            <a:spLocks noGrp="1"/>
+          </p:cNvSpPr>
+          <p:nvPr>
+            <p:ph type="title"/>
+          </p:nvPr>
+        </p:nvSpPr>
+        <p:spPr>
+          <a:xfrm>
+            <a:off x="1" y="8526"/>
+            <a:ext cx="4429124" cy="792162"/>
+          </a:xfrm>
+        </p:spPr>
+        <p:txBody>
+          <a:bodyPr/>
+          <a:lstStyle/>
+          <a:p>
+            <a:r>
+              <a:rPr lang="zh-CN" altLang="en-US" dirty="0">
+                <a:latin typeface="+mn-ea"/>
+              </a:rPr>
+              <a:t>二、</a:t>
+            </a:r>
+            <a:r>
+              <a:rPr lang="zh-CN" altLang="en-US" dirty="0">
+                <a:latin typeface="微软雅黑" pitchFamily="34" charset="-122"/>
+                <a:ea typeface="微软雅黑" pitchFamily="34" charset="-122"/>
+              </a:rPr>
+              <a:t>数据类型</a:t>
+            </a:r>
+            <a:endParaRPr lang="zh-CN" altLang="en-US" dirty="0"/>
+          </a:p>
+        </p:txBody>
+      </p:sp>
+      <p:sp>
+        <p:nvSpPr>
+          <p:cNvPr id="2" name="TextBox 1">
+            <a:extLst>
+              <a:ext uri="{FF2B5EF4-FFF2-40B4-BE49-F238E27FC236}">
+                <a16:creationId xmlns:a16="http://schemas.microsoft.com/office/drawing/2014/main" id="{48432108-222B-D578-BCE7-82A95495F0E0}"/>
+              </a:ext>
+            </a:extLst>
+          </p:cNvPr>
+          <p:cNvSpPr txBox="1"/>
+          <p:nvPr/>
+        </p:nvSpPr>
+        <p:spPr>
+          <a:xfrm>
+            <a:off x="384630" y="846748"/>
+            <a:ext cx="7591685" cy="825419"/>
+          </a:xfrm>
+          <a:prstGeom prst="rect">
+            <a:avLst/>
+          </a:prstGeom>
+          <a:noFill/>
+        </p:spPr>
+        <p:txBody>
+          <a:bodyPr wrap="square" rtlCol="0">
+            <a:spAutoFit/>
+          </a:bodyPr>
+          <a:lstStyle/>
+          <a:p>
+            <a:pPr algn="just">
+              <a:lnSpc>
+                <a:spcPct val="150000"/>
+              </a:lnSpc>
+            </a:pPr>
+            <a:r>
+              <a:rPr lang="zh-CN" altLang="en-US" sz="3600" b="1" dirty="0">
+                <a:solidFill>
+                  <a:srgbClr val="333333"/>
+                </a:solidFill>
+                <a:latin typeface="+mn-ea"/>
+                <a:ea typeface="+mn-ea"/>
+              </a:rPr>
+              <a:t>编程语言数据类型</a:t>
+            </a:r>
+            <a:endParaRPr lang="en-US" altLang="zh-CN" sz="3600" b="1" dirty="0">
+              <a:solidFill>
+                <a:srgbClr val="333333"/>
+              </a:solidFill>
+              <a:latin typeface="+mn-ea"/>
+              <a:ea typeface="+mn-ea"/>
+            </a:endParaRPr>
+          </a:p>
+        </p:txBody>
+      </p:sp>
+      <p:sp>
+        <p:nvSpPr>
+          <p:cNvPr id="4" name="文本框 3">
+            <a:extLst>
+              <a:ext uri="{FF2B5EF4-FFF2-40B4-BE49-F238E27FC236}">
+                <a16:creationId xmlns:a16="http://schemas.microsoft.com/office/drawing/2014/main" id="{EDF1BA97-708A-C337-7F56-CB73B3D6E663}"/>
+              </a:ext>
+            </a:extLst>
+          </p:cNvPr>
+          <p:cNvSpPr txBox="1"/>
+          <p:nvPr/>
+        </p:nvSpPr>
+        <p:spPr>
+          <a:xfrm>
+            <a:off x="523875" y="2001512"/>
+            <a:ext cx="10325100" cy="3698641"/>
+          </a:xfrm>
+          <a:prstGeom prst="rect">
+            <a:avLst/>
+          </a:prstGeom>
+          <a:noFill/>
+        </p:spPr>
+        <p:txBody>
+          <a:bodyPr wrap="square" rtlCol="0">
+            <a:spAutoFit/>
+          </a:bodyPr>
+          <a:lstStyle/>
+          <a:p>
+            <a:pPr algn="l">
+              <a:lnSpc>
+                <a:spcPct val="150000"/>
+              </a:lnSpc>
+            </a:pPr>
+            <a:r>
+              <a:rPr lang="en-US" altLang="zh-CN" sz="3200" b="1" dirty="0" err="1">
+                <a:solidFill>
+                  <a:schemeClr val="bg2"/>
+                </a:solidFill>
+                <a:latin typeface="+mn-ea"/>
+                <a:ea typeface="+mn-ea"/>
+              </a:rPr>
+              <a:t>Matlab</a:t>
+            </a:r>
+            <a:r>
+              <a:rPr lang="zh-CN" altLang="en-US" sz="3200" b="1" dirty="0">
+                <a:solidFill>
+                  <a:schemeClr val="bg2"/>
+                </a:solidFill>
+                <a:latin typeface="+mn-ea"/>
+                <a:ea typeface="+mn-ea"/>
+              </a:rPr>
+              <a:t>：</a:t>
+            </a:r>
+            <a:r>
+              <a:rPr lang="zh-CN" altLang="en-US" sz="3200" b="1" dirty="0">
+                <a:solidFill>
+                  <a:schemeClr val="accent2"/>
+                </a:solidFill>
+                <a:latin typeface="+mn-ea"/>
+                <a:ea typeface="+mn-ea"/>
+              </a:rPr>
+              <a:t>整数</a:t>
+            </a:r>
+            <a:r>
+              <a:rPr lang="zh-CN" altLang="en-US" sz="3200" dirty="0">
+                <a:solidFill>
+                  <a:schemeClr val="bg2"/>
+                </a:solidFill>
+                <a:latin typeface="+mn-ea"/>
+                <a:ea typeface="+mn-ea"/>
+              </a:rPr>
+              <a:t>，</a:t>
+            </a:r>
+            <a:r>
+              <a:rPr lang="zh-CN" altLang="en-US" sz="3200" b="1" dirty="0">
+                <a:solidFill>
+                  <a:schemeClr val="accent2"/>
+                </a:solidFill>
+                <a:latin typeface="+mn-ea"/>
+                <a:ea typeface="+mn-ea"/>
+              </a:rPr>
+              <a:t>浮点数</a:t>
+            </a:r>
+            <a:r>
+              <a:rPr lang="zh-CN" altLang="en-US" sz="3200" dirty="0">
+                <a:solidFill>
+                  <a:schemeClr val="bg2"/>
+                </a:solidFill>
+                <a:latin typeface="+mn-ea"/>
+                <a:ea typeface="+mn-ea"/>
+              </a:rPr>
+              <a:t>，</a:t>
+            </a:r>
+            <a:r>
+              <a:rPr lang="zh-CN" altLang="en-US" sz="3200" b="1" dirty="0">
+                <a:solidFill>
+                  <a:schemeClr val="accent2"/>
+                </a:solidFill>
+                <a:latin typeface="+mn-ea"/>
+                <a:ea typeface="+mn-ea"/>
+              </a:rPr>
+              <a:t>字符型</a:t>
+            </a:r>
+            <a:r>
+              <a:rPr lang="zh-CN" altLang="en-US" sz="3200" dirty="0">
+                <a:solidFill>
+                  <a:schemeClr val="bg2"/>
+                </a:solidFill>
+                <a:latin typeface="+mn-ea"/>
+                <a:ea typeface="+mn-ea"/>
+              </a:rPr>
+              <a:t>，</a:t>
+            </a:r>
+            <a:r>
+              <a:rPr lang="zh-CN" altLang="en-US" sz="3200" u="sng" dirty="0">
+                <a:solidFill>
+                  <a:schemeClr val="bg2"/>
+                </a:solidFill>
+                <a:latin typeface="+mn-ea"/>
+                <a:ea typeface="+mn-ea"/>
+              </a:rPr>
+              <a:t>逻辑型</a:t>
+            </a:r>
+            <a:r>
+              <a:rPr lang="zh-CN" altLang="en-US" sz="3200" dirty="0">
+                <a:solidFill>
+                  <a:schemeClr val="bg2"/>
+                </a:solidFill>
+                <a:latin typeface="+mn-ea"/>
+                <a:ea typeface="+mn-ea"/>
+              </a:rPr>
+              <a:t>，表格</a:t>
+            </a:r>
+            <a:r>
+              <a:rPr lang="en-US" altLang="zh-CN" sz="3200" dirty="0">
+                <a:solidFill>
+                  <a:schemeClr val="bg2"/>
+                </a:solidFill>
+                <a:latin typeface="+mn-ea"/>
+                <a:ea typeface="+mn-ea"/>
+              </a:rPr>
+              <a:t>…</a:t>
+            </a:r>
+          </a:p>
+          <a:p>
+            <a:pPr algn="l">
+              <a:lnSpc>
+                <a:spcPct val="150000"/>
+              </a:lnSpc>
+            </a:pPr>
+            <a:r>
+              <a:rPr lang="en-US" altLang="zh-CN" sz="3200" b="1" dirty="0">
+                <a:solidFill>
+                  <a:schemeClr val="bg2"/>
+                </a:solidFill>
+                <a:latin typeface="+mn-ea"/>
+                <a:ea typeface="+mn-ea"/>
+              </a:rPr>
+              <a:t>C#</a:t>
+            </a:r>
+            <a:r>
+              <a:rPr lang="zh-CN" altLang="en-US" sz="3200" b="1" dirty="0">
+                <a:solidFill>
+                  <a:schemeClr val="bg2"/>
+                </a:solidFill>
+                <a:latin typeface="+mn-ea"/>
+                <a:ea typeface="+mn-ea"/>
+              </a:rPr>
+              <a:t>：</a:t>
+            </a:r>
+            <a:r>
+              <a:rPr lang="zh-CN" altLang="en-US" sz="3200" b="1" dirty="0">
+                <a:solidFill>
+                  <a:schemeClr val="accent2"/>
+                </a:solidFill>
+                <a:latin typeface="+mn-ea"/>
+                <a:ea typeface="+mn-ea"/>
+              </a:rPr>
+              <a:t>整数型</a:t>
+            </a:r>
+            <a:r>
+              <a:rPr lang="zh-CN" altLang="en-US" sz="3200" dirty="0">
+                <a:solidFill>
+                  <a:schemeClr val="bg2"/>
+                </a:solidFill>
+                <a:latin typeface="+mn-ea"/>
+                <a:ea typeface="+mn-ea"/>
+              </a:rPr>
+              <a:t>，</a:t>
+            </a:r>
+            <a:r>
+              <a:rPr lang="zh-CN" altLang="en-US" sz="3200" b="1" dirty="0">
+                <a:solidFill>
+                  <a:schemeClr val="accent2"/>
+                </a:solidFill>
+                <a:latin typeface="+mn-ea"/>
+                <a:ea typeface="+mn-ea"/>
+              </a:rPr>
+              <a:t>浮点数型</a:t>
+            </a:r>
+            <a:r>
+              <a:rPr lang="zh-CN" altLang="en-US" sz="3200" dirty="0">
+                <a:solidFill>
+                  <a:schemeClr val="bg2"/>
+                </a:solidFill>
+                <a:latin typeface="+mn-ea"/>
+                <a:ea typeface="+mn-ea"/>
+              </a:rPr>
+              <a:t>，</a:t>
+            </a:r>
+            <a:r>
+              <a:rPr lang="zh-CN" altLang="en-US" sz="3200" b="1" dirty="0">
+                <a:solidFill>
+                  <a:schemeClr val="accent2"/>
+                </a:solidFill>
+                <a:latin typeface="+mn-ea"/>
+                <a:ea typeface="+mn-ea"/>
+              </a:rPr>
+              <a:t>布尔型</a:t>
+            </a:r>
+            <a:r>
+              <a:rPr lang="zh-CN" altLang="en-US" sz="3200" dirty="0">
+                <a:solidFill>
+                  <a:schemeClr val="bg2"/>
+                </a:solidFill>
+                <a:latin typeface="+mn-ea"/>
+                <a:ea typeface="+mn-ea"/>
+              </a:rPr>
+              <a:t>，</a:t>
+            </a:r>
+            <a:r>
+              <a:rPr lang="zh-CN" altLang="en-US" sz="3200" b="1" dirty="0">
+                <a:solidFill>
+                  <a:schemeClr val="accent2"/>
+                </a:solidFill>
+                <a:latin typeface="+mn-ea"/>
+                <a:ea typeface="+mn-ea"/>
+              </a:rPr>
+              <a:t>字符型</a:t>
+            </a:r>
+            <a:r>
+              <a:rPr lang="zh-CN" altLang="en-US" sz="3200" dirty="0">
+                <a:solidFill>
+                  <a:schemeClr val="bg2"/>
+                </a:solidFill>
+                <a:latin typeface="+mn-ea"/>
+                <a:ea typeface="+mn-ea"/>
+              </a:rPr>
+              <a:t>，结构体</a:t>
+            </a:r>
+            <a:r>
+              <a:rPr lang="en-US" altLang="zh-CN" sz="3200" dirty="0">
+                <a:solidFill>
+                  <a:schemeClr val="bg2"/>
+                </a:solidFill>
+                <a:latin typeface="+mn-ea"/>
+                <a:ea typeface="+mn-ea"/>
+              </a:rPr>
+              <a:t>…</a:t>
+            </a:r>
+          </a:p>
+          <a:p>
+            <a:pPr algn="l">
+              <a:lnSpc>
+                <a:spcPct val="150000"/>
+              </a:lnSpc>
+            </a:pPr>
+            <a:r>
+              <a:rPr lang="en-US" altLang="zh-CN" sz="3200" b="1" dirty="0">
+                <a:solidFill>
+                  <a:schemeClr val="bg2"/>
+                </a:solidFill>
+                <a:latin typeface="+mn-ea"/>
+                <a:ea typeface="+mn-ea"/>
+              </a:rPr>
+              <a:t>C</a:t>
+            </a:r>
+            <a:r>
+              <a:rPr lang="zh-CN" altLang="en-US" sz="3200" b="1" dirty="0">
+                <a:solidFill>
+                  <a:schemeClr val="bg2"/>
+                </a:solidFill>
+                <a:latin typeface="+mn-ea"/>
+                <a:ea typeface="+mn-ea"/>
+              </a:rPr>
+              <a:t>：</a:t>
+            </a:r>
+            <a:r>
+              <a:rPr lang="zh-CN" altLang="en-US" sz="3200" b="1" u="sng" dirty="0">
+                <a:solidFill>
+                  <a:schemeClr val="accent2"/>
+                </a:solidFill>
+                <a:latin typeface="+mn-ea"/>
+                <a:ea typeface="+mn-ea"/>
+              </a:rPr>
+              <a:t>整数型</a:t>
+            </a:r>
+            <a:r>
+              <a:rPr lang="zh-CN" altLang="en-US" sz="3200" dirty="0">
+                <a:solidFill>
+                  <a:schemeClr val="bg2"/>
+                </a:solidFill>
+                <a:latin typeface="+mn-ea"/>
+                <a:ea typeface="+mn-ea"/>
+              </a:rPr>
+              <a:t>，</a:t>
+            </a:r>
+            <a:r>
+              <a:rPr lang="zh-CN" altLang="en-US" sz="3200" b="1" dirty="0">
+                <a:solidFill>
+                  <a:schemeClr val="accent2"/>
+                </a:solidFill>
+                <a:latin typeface="+mn-ea"/>
+                <a:ea typeface="+mn-ea"/>
+              </a:rPr>
+              <a:t>浮点数</a:t>
+            </a:r>
+            <a:r>
+              <a:rPr lang="zh-CN" altLang="en-US" sz="3200" dirty="0">
+                <a:solidFill>
+                  <a:schemeClr val="bg2"/>
+                </a:solidFill>
+                <a:latin typeface="+mn-ea"/>
+                <a:ea typeface="+mn-ea"/>
+              </a:rPr>
+              <a:t>，</a:t>
+            </a:r>
+            <a:r>
+              <a:rPr lang="zh-CN" altLang="en-US" sz="3200" b="1" dirty="0">
+                <a:solidFill>
+                  <a:schemeClr val="accent2"/>
+                </a:solidFill>
+                <a:latin typeface="+mn-ea"/>
+                <a:ea typeface="+mn-ea"/>
+              </a:rPr>
+              <a:t>布尔</a:t>
+            </a:r>
+            <a:r>
+              <a:rPr lang="zh-CN" altLang="en-US" sz="3200" dirty="0">
+                <a:solidFill>
+                  <a:schemeClr val="bg2"/>
+                </a:solidFill>
+                <a:latin typeface="+mn-ea"/>
+                <a:ea typeface="+mn-ea"/>
+              </a:rPr>
+              <a:t>，数组，联合体</a:t>
+            </a:r>
+            <a:r>
+              <a:rPr lang="en-US" altLang="zh-CN" sz="3200" dirty="0">
+                <a:solidFill>
+                  <a:schemeClr val="bg2"/>
+                </a:solidFill>
+                <a:latin typeface="+mn-ea"/>
+                <a:ea typeface="+mn-ea"/>
+              </a:rPr>
+              <a:t>… </a:t>
+            </a:r>
+          </a:p>
+          <a:p>
+            <a:pPr algn="l">
+              <a:lnSpc>
+                <a:spcPct val="150000"/>
+              </a:lnSpc>
+            </a:pPr>
+            <a:r>
+              <a:rPr lang="en-US" altLang="zh-CN" sz="3200" b="1" dirty="0">
+                <a:solidFill>
+                  <a:schemeClr val="bg2"/>
+                </a:solidFill>
+                <a:latin typeface="+mn-ea"/>
+                <a:ea typeface="+mn-ea"/>
+              </a:rPr>
+              <a:t>C++</a:t>
+            </a:r>
+            <a:r>
+              <a:rPr lang="zh-CN" altLang="en-US" sz="3200" b="1" dirty="0">
+                <a:solidFill>
+                  <a:schemeClr val="bg2"/>
+                </a:solidFill>
+                <a:latin typeface="+mn-ea"/>
+                <a:ea typeface="+mn-ea"/>
+              </a:rPr>
+              <a:t>：</a:t>
+            </a:r>
+            <a:r>
+              <a:rPr lang="zh-CN" altLang="en-US" sz="3200" b="1" dirty="0">
+                <a:solidFill>
+                  <a:schemeClr val="accent2"/>
+                </a:solidFill>
+                <a:latin typeface="+mn-ea"/>
+                <a:ea typeface="+mn-ea"/>
+              </a:rPr>
+              <a:t>继承</a:t>
+            </a:r>
+            <a:r>
+              <a:rPr lang="en-US" altLang="zh-CN" sz="3200" b="1" dirty="0">
+                <a:solidFill>
+                  <a:schemeClr val="accent2"/>
+                </a:solidFill>
+                <a:latin typeface="+mn-ea"/>
+                <a:ea typeface="+mn-ea"/>
+              </a:rPr>
+              <a:t>C</a:t>
+            </a:r>
+            <a:r>
+              <a:rPr lang="zh-CN" altLang="en-US" sz="3200" b="1" dirty="0">
+                <a:solidFill>
+                  <a:schemeClr val="accent2"/>
+                </a:solidFill>
+                <a:latin typeface="+mn-ea"/>
+                <a:ea typeface="+mn-ea"/>
+              </a:rPr>
+              <a:t>类型</a:t>
+            </a:r>
+            <a:r>
+              <a:rPr lang="zh-CN" altLang="en-US" sz="3200" dirty="0">
+                <a:solidFill>
+                  <a:schemeClr val="bg2"/>
+                </a:solidFill>
+                <a:latin typeface="+mn-ea"/>
+                <a:ea typeface="+mn-ea"/>
+              </a:rPr>
+              <a:t>，动态数组，指针</a:t>
+            </a:r>
+            <a:r>
+              <a:rPr lang="en-US" altLang="zh-CN" sz="3200" dirty="0">
+                <a:solidFill>
+                  <a:schemeClr val="bg2"/>
+                </a:solidFill>
+                <a:latin typeface="+mn-ea"/>
+                <a:ea typeface="+mn-ea"/>
+              </a:rPr>
+              <a:t>…</a:t>
+            </a:r>
+          </a:p>
+        </p:txBody>
+      </p:sp>
+    </p:spTree>
+    <p:extLst>
+      <p:ext uri="{BB962C8B-B14F-4D97-AF65-F5344CB8AC3E}">
+        <p14:creationId xmlns:p14="http://schemas.microsoft.com/office/powerpoint/2010/main" val="1273722621"/>
+      </p:ext>
+    </p:extLst>
+  </p:cSld>
+  <p:clrMapOvr>
+    <a:masterClrMapping/>
+  </p:clrMapOvr>
+  <p:transition>
+    <p:fade/>
+  </p:transition>
+</p:sld>
+</file>
+
+<file path=ppt/slides/slide17.xml><?xml version="1.0" encoding="utf-8"?>
 <p:sld xmlns:a="http://schemas.openxmlformats.org/drawingml/2006/main" xmlns:r="http://schemas.openxmlformats.org/officeDocument/2006/relationships" xmlns:p="http://schemas.openxmlformats.org/presentationml/2006/main">
   <p:cSld>
     <p:spTree>
@@ -21489,8 +21634,8 @@
         </p:nvSpPr>
         <p:spPr>
           <a:xfrm>
-            <a:off x="433727" y="2300975"/>
-            <a:ext cx="6235587" cy="4422814"/>
+            <a:off x="300081" y="2300975"/>
+            <a:ext cx="6262497" cy="4422814"/>
           </a:xfrm>
           <a:prstGeom prst="rect">
             <a:avLst/>
@@ -21650,7 +21795,27 @@
                 <a:latin typeface="+mn-ea"/>
                 <a:ea typeface="+mn-ea"/>
               </a:rPr>
-              <a:t>);</a:t>
+              <a:t>):</a:t>
+            </a:r>
+            <a:r>
+              <a:rPr lang="zh-CN" altLang="en-US" sz="2600" dirty="0">
+                <a:solidFill>
+                  <a:srgbClr val="151515"/>
+                </a:solidFill>
+                <a:latin typeface="+mn-ea"/>
+                <a:ea typeface="+mn-ea"/>
+              </a:rPr>
+              <a:t> 用“”标识</a:t>
+            </a:r>
+            <a:r>
+              <a:rPr lang="en-US" altLang="zh-CN" sz="2600" dirty="0">
+                <a:solidFill>
+                  <a:srgbClr val="151515"/>
+                </a:solidFill>
+                <a:latin typeface="+mn-ea"/>
+                <a:ea typeface="+mn-ea"/>
+              </a:rPr>
+              <a:t>;</a:t>
             </a:r>
           </a:p>
           <a:p>
@@ -21697,7 +21862,7 @@
                 <a:latin typeface="+mn-ea"/>
                 <a:ea typeface="+mn-ea"/>
               </a:rPr>
-              <a:t>：有序元素集合，用</a:t>
+              <a:t>：用</a:t>
             </a:r>
             <a:r>
               <a:rPr lang="en-US" altLang="zh-CN" sz="2600" dirty="0">
@@ -21717,7 +21882,7 @@
                 <a:latin typeface="+mn-ea"/>
                 <a:ea typeface="+mn-ea"/>
               </a:rPr>
-              <a:t>标识。</a:t>
+              <a:t>标识，有序元素集合。</a:t>
             </a:r>
             <a:endParaRPr lang="en-US" altLang="zh-CN" sz="2600" dirty="0">
               <a:solidFill>
@@ -21771,7 +21936,7 @@
                 <a:latin typeface="+mn-ea"/>
                 <a:ea typeface="+mn-ea"/>
               </a:rPr>
-              <a:t>：类似于列表，但元素不能更改，用 </a:t>
+              <a:t>：用 </a:t>
             </a:r>
             <a:r>
               <a:rPr lang="en-US" altLang="zh-CN" sz="2600" dirty="0">
@@ -21791,7 +21956,7 @@
                 <a:latin typeface="+mn-ea"/>
                 <a:ea typeface="+mn-ea"/>
               </a:rPr>
-              <a:t> 标识。</a:t>
+              <a:t> 标识，类似于列表，但元素不能更改。</a:t>
             </a:r>
             <a:endParaRPr lang="en-US" altLang="zh-CN" sz="2600" dirty="0">
               <a:solidFill>
@@ -21817,8 +21982,8 @@
         </p:nvSpPr>
         <p:spPr>
           <a:xfrm>
-            <a:off x="6901542" y="2202516"/>
-            <a:ext cx="5174343" cy="3372526"/>
+            <a:off x="6787662" y="2202516"/>
+            <a:ext cx="5288223" cy="3372526"/>
           </a:xfrm>
           <a:prstGeom prst="rect">
             <a:avLst/>
@@ -21874,7 +22039,27 @@
                 <a:latin typeface="+mn-ea"/>
                 <a:ea typeface="+mn-ea"/>
               </a:rPr>
-              <a:t>；无序元素集合，元素以</a:t>
+              <a:t>：用</a:t>
+            </a:r>
+            <a:r>
+              <a:rPr lang="en-US" altLang="zh-CN" sz="2600" dirty="0">
+                <a:solidFill>
+                  <a:srgbClr val="151515"/>
+                </a:solidFill>
+                <a:latin typeface="+mn-ea"/>
+                <a:ea typeface="+mn-ea"/>
+              </a:rPr>
+              <a:t>{}</a:t>
+            </a:r>
+            <a:r>
+              <a:rPr lang="zh-CN" altLang="en-US" sz="2600" dirty="0">
+                <a:solidFill>
+                  <a:srgbClr val="151515"/>
+                </a:solidFill>
+                <a:latin typeface="+mn-ea"/>
+                <a:ea typeface="+mn-ea"/>
+              </a:rPr>
+              <a:t>标识，无序元素集合，元素以</a:t>
             </a:r>
             <a:r>
               <a:rPr lang="zh-CN" altLang="en-US" sz="2600" u="sng" dirty="0">
@@ -21894,27 +22079,7 @@
                 <a:latin typeface="+mn-ea"/>
                 <a:ea typeface="+mn-ea"/>
               </a:rPr>
-              <a:t>存在。用</a:t>
-            </a:r>
-            <a:r>
-              <a:rPr lang="en-US" altLang="zh-CN" sz="2600" dirty="0">
-                <a:solidFill>
-                  <a:srgbClr val="151515"/>
-                </a:solidFill>
-                <a:latin typeface="+mn-ea"/>
-                <a:ea typeface="+mn-ea"/>
-              </a:rPr>
-              <a:t>{}</a:t>
-            </a:r>
-            <a:r>
-              <a:rPr lang="zh-CN" altLang="en-US" sz="2600" dirty="0">
-                <a:solidFill>
-                  <a:srgbClr val="151515"/>
-                </a:solidFill>
-                <a:latin typeface="+mn-ea"/>
-                <a:ea typeface="+mn-ea"/>
-              </a:rPr>
-              <a:t>标识。</a:t>
+              <a:t>存在。</a:t>
             </a:r>
             <a:endParaRPr lang="en-US" altLang="zh-CN" sz="2600" dirty="0">
               <a:solidFill>
@@ -21968,7 +22133,7 @@
                 <a:latin typeface="+mn-ea"/>
                 <a:ea typeface="+mn-ea"/>
               </a:rPr>
-              <a:t>：元素可变、无序、且不能重复的元素集合。用</a:t>
+              <a:t>：用</a:t>
             </a:r>
             <a:r>
               <a:rPr lang="en-US" altLang="zh-CN" sz="2600" dirty="0">
@@ -21988,7 +22153,27 @@
                 <a:latin typeface="+mn-ea"/>
                 <a:ea typeface="+mn-ea"/>
               </a:rPr>
-              <a:t>标识。</a:t>
+              <a:t>标识，元素可变、无序、且</a:t>
+            </a:r>
+            <a:r>
+              <a:rPr lang="zh-CN" altLang="en-US" sz="2600" u="sng" dirty="0">
+                <a:solidFill>
+                  <a:srgbClr val="151515"/>
+                </a:solidFill>
+                <a:latin typeface="+mn-ea"/>
+                <a:ea typeface="+mn-ea"/>
+              </a:rPr>
+              <a:t>不能重复</a:t>
+            </a:r>
+            <a:r>
+              <a:rPr lang="zh-CN" altLang="en-US" sz="2600" dirty="0">
+                <a:solidFill>
+                  <a:srgbClr val="151515"/>
+                </a:solidFill>
+                <a:latin typeface="+mn-ea"/>
+                <a:ea typeface="+mn-ea"/>
+              </a:rPr>
+              <a:t>的元素集合。</a:t>
             </a:r>
           </a:p>
         </p:txBody>
@@ -22079,7 +22264,7 @@
     </p:spTree>
     <p:extLst>
       <p:ext uri="{BB962C8B-B14F-4D97-AF65-F5344CB8AC3E}">
-        <p14:creationId xmlns:p14="http://schemas.microsoft.com/office/powerpoint/2010/main" val="3776743227"/>
+        <p14:creationId xmlns:p14="http://schemas.microsoft.com/office/powerpoint/2010/main" val="972267573"/>
       </p:ext>
     </p:extLst>
   </p:cSld>
@@ -22092,7 +22277,974 @@
 </p:sld>
 </file>
 
-<file path=ppt/slides/slide17.xml><?xml version="1.0" encoding="utf-8"?>
+<file path=ppt/slides/slide18.xml><?xml version="1.0" encoding="utf-8"?>
+<p:sld xmlns:a="http://schemas.openxmlformats.org/drawingml/2006/main" xmlns:r="http://schemas.openxmlformats.org/officeDocument/2006/relationships" xmlns:p="http://schemas.openxmlformats.org/presentationml/2006/main">
+  <p:cSld>
+    <p:spTree>
+      <p:nvGrpSpPr>
+        <p:cNvPr id="1" name="">
+          <a:extLst>
+            <a:ext uri="{FF2B5EF4-FFF2-40B4-BE49-F238E27FC236}">
+              <a16:creationId xmlns:a16="http://schemas.microsoft.com/office/drawing/2014/main" id="{A1369735-7D50-37AF-C936-ED67B82EA459}"/>
+            </a:ext>
+          </a:extLst>
+        </p:cNvPr>
+        <p:cNvGrpSpPr/>
+        <p:nvPr/>
+      </p:nvGrpSpPr>
+      <p:grpSpPr>
+        <a:xfrm>
+          <a:off x="0" y="0"/>
+          <a:ext cx="0" cy="0"/>
+          <a:chOff x="0" y="0"/>
+          <a:chExt cx="0" cy="0"/>
+        </a:xfrm>
+      </p:grpSpPr>
+      <p:sp>
+        <p:nvSpPr>
+          <p:cNvPr id="3" name="标题 2">
+            <a:extLst>
+              <a:ext uri="{FF2B5EF4-FFF2-40B4-BE49-F238E27FC236}">
+                <a16:creationId xmlns:a16="http://schemas.microsoft.com/office/drawing/2014/main" id="{36179CAB-7093-1D23-D0CF-75F3AFCD984B}"/>
+              </a:ext>
+            </a:extLst>
+          </p:cNvPr>
+          <p:cNvSpPr>
+            <a:spLocks noGrp="1"/>
+          </p:cNvSpPr>
+          <p:nvPr>
+            <p:ph type="title"/>
+          </p:nvPr>
+        </p:nvSpPr>
+        <p:spPr>
+          <a:xfrm>
+            <a:off x="1" y="8526"/>
+            <a:ext cx="10537372" cy="792162"/>
+          </a:xfrm>
+        </p:spPr>
+        <p:txBody>
+          <a:bodyPr/>
+          <a:lstStyle/>
+          <a:p>
+            <a:r>
+              <a:rPr lang="zh-CN" altLang="en-US" dirty="0">
+                <a:latin typeface="+mn-ea"/>
+              </a:rPr>
+              <a:t>一、</a:t>
+            </a:r>
+            <a:r>
+              <a:rPr lang="zh-CN" altLang="en-US" dirty="0">
+                <a:latin typeface="微软雅黑" pitchFamily="34" charset="-122"/>
+                <a:ea typeface="微软雅黑" pitchFamily="34" charset="-122"/>
+              </a:rPr>
+              <a:t>数据类型</a:t>
+            </a:r>
+            <a:endParaRPr lang="zh-CN" altLang="en-US" dirty="0"/>
+          </a:p>
+        </p:txBody>
+      </p:sp>
+      <p:sp>
+        <p:nvSpPr>
+          <p:cNvPr id="2" name="TextBox 1">
+            <a:extLst>
+              <a:ext uri="{FF2B5EF4-FFF2-40B4-BE49-F238E27FC236}">
+                <a16:creationId xmlns:a16="http://schemas.microsoft.com/office/drawing/2014/main" id="{8D72A365-FFF3-985D-1694-D84BB92679F9}"/>
+              </a:ext>
+            </a:extLst>
+          </p:cNvPr>
+          <p:cNvSpPr txBox="1"/>
+          <p:nvPr/>
+        </p:nvSpPr>
+        <p:spPr>
+          <a:xfrm>
+            <a:off x="123371" y="776214"/>
+            <a:ext cx="7852944" cy="825419"/>
+          </a:xfrm>
+          <a:prstGeom prst="rect">
+            <a:avLst/>
+          </a:prstGeom>
+          <a:noFill/>
+        </p:spPr>
+        <p:txBody>
+          <a:bodyPr wrap="square" rtlCol="0">
+            <a:spAutoFit/>
+          </a:bodyPr>
+          <a:lstStyle/>
+          <a:p>
+            <a:pPr algn="just">
+              <a:lnSpc>
+                <a:spcPct val="150000"/>
+              </a:lnSpc>
+            </a:pPr>
+            <a:r>
+              <a:rPr lang="en-US" altLang="zh-CN" sz="3600" b="1" dirty="0">
+                <a:solidFill>
+                  <a:srgbClr val="333333"/>
+                </a:solidFill>
+                <a:latin typeface="+mn-ea"/>
+                <a:ea typeface="+mn-ea"/>
+              </a:rPr>
+              <a:t>2. Python</a:t>
+            </a:r>
+            <a:r>
+              <a:rPr lang="zh-CN" altLang="en-US" sz="3600" b="1" dirty="0">
+                <a:solidFill>
+                  <a:srgbClr val="333333"/>
+                </a:solidFill>
+                <a:latin typeface="+mn-ea"/>
+                <a:ea typeface="+mn-ea"/>
+              </a:rPr>
+              <a:t>基本数据类型</a:t>
+            </a:r>
+            <a:endParaRPr lang="en-US" altLang="zh-CN" sz="3600" b="1" dirty="0">
+              <a:solidFill>
+                <a:srgbClr val="333333"/>
+              </a:solidFill>
+              <a:latin typeface="+mn-ea"/>
+              <a:ea typeface="+mn-ea"/>
+            </a:endParaRPr>
+          </a:p>
+        </p:txBody>
+      </p:sp>
+      <p:sp>
+        <p:nvSpPr>
+          <p:cNvPr id="7" name="文本框 6">
+            <a:extLst>
+              <a:ext uri="{FF2B5EF4-FFF2-40B4-BE49-F238E27FC236}">
+                <a16:creationId xmlns:a16="http://schemas.microsoft.com/office/drawing/2014/main" id="{548A90FA-E4C2-3154-0167-DBE40E4E9825}"/>
+              </a:ext>
+            </a:extLst>
+          </p:cNvPr>
+          <p:cNvSpPr txBox="1"/>
+          <p:nvPr/>
+        </p:nvSpPr>
+        <p:spPr>
+          <a:xfrm>
+            <a:off x="2974535" y="1386894"/>
+            <a:ext cx="6698343" cy="743986"/>
+          </a:xfrm>
+          <a:prstGeom prst="rect">
+            <a:avLst/>
+          </a:prstGeom>
+          <a:noFill/>
+        </p:spPr>
+        <p:txBody>
+          <a:bodyPr wrap="square">
+            <a:spAutoFit/>
+          </a:bodyPr>
+          <a:lstStyle/>
+          <a:p>
+            <a:pPr>
+              <a:lnSpc>
+                <a:spcPct val="150000"/>
+              </a:lnSpc>
+            </a:pPr>
+            <a:r>
+              <a:rPr lang="en-US" altLang="zh-CN" sz="3200" b="1" dirty="0">
+                <a:solidFill>
+                  <a:schemeClr val="accent2"/>
+                </a:solidFill>
+                <a:latin typeface="+mn-ea"/>
+                <a:ea typeface="+mn-ea"/>
+              </a:rPr>
+              <a:t>Python</a:t>
+            </a:r>
+            <a:r>
+              <a:rPr lang="zh-CN" altLang="en-US" sz="3200" b="1" dirty="0">
+                <a:solidFill>
+                  <a:schemeClr val="accent2"/>
+                </a:solidFill>
+                <a:latin typeface="+mn-ea"/>
+                <a:ea typeface="+mn-ea"/>
+              </a:rPr>
+              <a:t>主要包含</a:t>
+            </a:r>
+            <a:r>
+              <a:rPr lang="en-US" altLang="zh-CN" sz="3200" b="1" dirty="0">
+                <a:solidFill>
+                  <a:schemeClr val="accent2"/>
+                </a:solidFill>
+                <a:latin typeface="+mn-ea"/>
+                <a:ea typeface="+mn-ea"/>
+              </a:rPr>
+              <a:t>7</a:t>
+            </a:r>
+            <a:r>
+              <a:rPr lang="zh-CN" altLang="en-US" sz="3200" b="1" dirty="0">
+                <a:solidFill>
+                  <a:schemeClr val="accent2"/>
+                </a:solidFill>
+                <a:latin typeface="+mn-ea"/>
+                <a:ea typeface="+mn-ea"/>
+              </a:rPr>
+              <a:t>种数据类型</a:t>
+            </a:r>
+            <a:endParaRPr lang="en-US" altLang="zh-CN" sz="3200" b="1" dirty="0">
+              <a:solidFill>
+                <a:schemeClr val="accent2"/>
+              </a:solidFill>
+              <a:latin typeface="+mn-ea"/>
+              <a:ea typeface="+mn-ea"/>
+            </a:endParaRPr>
+          </a:p>
+        </p:txBody>
+      </p:sp>
+      <p:sp>
+        <p:nvSpPr>
+          <p:cNvPr id="8" name="文本框 7">
+            <a:extLst>
+              <a:ext uri="{FF2B5EF4-FFF2-40B4-BE49-F238E27FC236}">
+                <a16:creationId xmlns:a16="http://schemas.microsoft.com/office/drawing/2014/main" id="{81A4D7BD-3BA7-AC6E-9ED9-44A7A5709A23}"/>
+              </a:ext>
+            </a:extLst>
+          </p:cNvPr>
+          <p:cNvSpPr txBox="1"/>
+          <p:nvPr/>
+        </p:nvSpPr>
+        <p:spPr>
+          <a:xfrm>
+            <a:off x="214085" y="2026105"/>
+            <a:ext cx="9825265" cy="4708981"/>
+          </a:xfrm>
+          <a:prstGeom prst="rect">
+            <a:avLst/>
+          </a:prstGeom>
+          <a:noFill/>
+        </p:spPr>
+        <p:txBody>
+          <a:bodyPr wrap="square">
+            <a:spAutoFit/>
+          </a:bodyPr>
+          <a:lstStyle/>
+          <a:p>
+            <a:pPr algn="l">
+              <a:buNone/>
+            </a:pPr>
+            <a:r>
+              <a:rPr lang="zh-CN" altLang="en-US" sz="3000" b="1" dirty="0">
+                <a:solidFill>
+                  <a:srgbClr val="001080"/>
+                </a:solidFill>
+                <a:effectLst/>
+                <a:latin typeface="Times New Roman" panose="02020603050405020304" pitchFamily="18" charset="0"/>
+                <a:ea typeface="+mn-ea"/>
+                <a:cs typeface="Times New Roman" panose="02020603050405020304" pitchFamily="18" charset="0"/>
+              </a:rPr>
+              <a:t>布尔型：</a:t>
+            </a:r>
+            <a:r>
+              <a:rPr lang="en-US" altLang="zh-CN" sz="3000" b="0" dirty="0" err="1">
+                <a:solidFill>
+                  <a:srgbClr val="001080"/>
+                </a:solidFill>
+                <a:effectLst/>
+                <a:latin typeface="Times New Roman" panose="02020603050405020304" pitchFamily="18" charset="0"/>
+                <a:ea typeface="+mn-ea"/>
+                <a:cs typeface="Times New Roman" panose="02020603050405020304" pitchFamily="18" charset="0"/>
+              </a:rPr>
+              <a:t>var_bool</a:t>
+            </a:r>
+            <a:r>
+              <a:rPr lang="en-US" altLang="zh-CN" sz="3000" b="0" dirty="0">
+                <a:solidFill>
+                  <a:srgbClr val="000000"/>
+                </a:solidFill>
+                <a:effectLst/>
+                <a:latin typeface="Times New Roman" panose="02020603050405020304" pitchFamily="18" charset="0"/>
+                <a:ea typeface="+mn-ea"/>
+                <a:cs typeface="Times New Roman" panose="02020603050405020304" pitchFamily="18" charset="0"/>
+              </a:rPr>
+              <a:t> = </a:t>
+            </a:r>
+            <a:r>
+              <a:rPr lang="en-US" altLang="zh-CN" sz="3000" b="0" dirty="0">
+                <a:solidFill>
+                  <a:srgbClr val="0000FF"/>
+                </a:solidFill>
+                <a:effectLst/>
+                <a:latin typeface="Times New Roman" panose="02020603050405020304" pitchFamily="18" charset="0"/>
+                <a:ea typeface="+mn-ea"/>
+                <a:cs typeface="Times New Roman" panose="02020603050405020304" pitchFamily="18" charset="0"/>
+              </a:rPr>
+              <a:t>True  </a:t>
+            </a:r>
+            <a:endParaRPr lang="en-US" altLang="zh-CN" sz="3000" b="0" dirty="0">
+              <a:solidFill>
+                <a:srgbClr val="000000"/>
+              </a:solidFill>
+              <a:effectLst/>
+              <a:latin typeface="Times New Roman" panose="02020603050405020304" pitchFamily="18" charset="0"/>
+              <a:ea typeface="+mn-ea"/>
+              <a:cs typeface="Times New Roman" panose="02020603050405020304" pitchFamily="18" charset="0"/>
+            </a:endParaRPr>
+          </a:p>
+          <a:p>
+            <a:pPr algn="l">
+              <a:buNone/>
+            </a:pPr>
+            <a:r>
+              <a:rPr lang="zh-CN" altLang="en-US" sz="3000" b="1" dirty="0">
+                <a:solidFill>
+                  <a:srgbClr val="001080"/>
+                </a:solidFill>
+                <a:effectLst/>
+                <a:latin typeface="Times New Roman" panose="02020603050405020304" pitchFamily="18" charset="0"/>
+                <a:ea typeface="+mn-ea"/>
+                <a:cs typeface="Times New Roman" panose="02020603050405020304" pitchFamily="18" charset="0"/>
+              </a:rPr>
+              <a:t>字符串：</a:t>
+            </a:r>
+            <a:r>
+              <a:rPr lang="en-US" altLang="zh-CN" sz="3000" b="0" dirty="0" err="1">
+                <a:solidFill>
+                  <a:srgbClr val="001080"/>
+                </a:solidFill>
+                <a:effectLst/>
+                <a:latin typeface="Times New Roman" panose="02020603050405020304" pitchFamily="18" charset="0"/>
+                <a:ea typeface="+mn-ea"/>
+                <a:cs typeface="Times New Roman" panose="02020603050405020304" pitchFamily="18" charset="0"/>
+              </a:rPr>
+              <a:t>var_str</a:t>
+            </a:r>
+            <a:r>
+              <a:rPr lang="en-US" altLang="zh-CN" sz="3000" b="0" dirty="0">
+                <a:solidFill>
+                  <a:srgbClr val="000000"/>
+                </a:solidFill>
+                <a:effectLst/>
+                <a:latin typeface="Times New Roman" panose="02020603050405020304" pitchFamily="18" charset="0"/>
+                <a:ea typeface="+mn-ea"/>
+                <a:cs typeface="Times New Roman" panose="02020603050405020304" pitchFamily="18" charset="0"/>
+              </a:rPr>
+              <a:t> = </a:t>
+            </a:r>
+            <a:r>
+              <a:rPr lang="en-US" altLang="zh-CN" sz="3000" b="0" dirty="0">
+                <a:solidFill>
+                  <a:srgbClr val="A31515"/>
+                </a:solidFill>
+                <a:effectLst/>
+                <a:latin typeface="Times New Roman" panose="02020603050405020304" pitchFamily="18" charset="0"/>
+                <a:ea typeface="+mn-ea"/>
+                <a:cs typeface="Times New Roman" panose="02020603050405020304" pitchFamily="18" charset="0"/>
+              </a:rPr>
+              <a:t>"Hello, World!"</a:t>
+            </a:r>
+            <a:endParaRPr lang="en-US" altLang="zh-CN" sz="3000" b="0" dirty="0">
+              <a:solidFill>
+                <a:srgbClr val="000000"/>
+              </a:solidFill>
+              <a:effectLst/>
+              <a:latin typeface="Times New Roman" panose="02020603050405020304" pitchFamily="18" charset="0"/>
+              <a:ea typeface="+mn-ea"/>
+              <a:cs typeface="Times New Roman" panose="02020603050405020304" pitchFamily="18" charset="0"/>
+            </a:endParaRPr>
+          </a:p>
+          <a:p>
+            <a:pPr algn="l">
+              <a:buNone/>
+            </a:pPr>
+            <a:r>
+              <a:rPr lang="zh-CN" altLang="en-US" sz="3000" b="1" dirty="0">
+                <a:solidFill>
+                  <a:srgbClr val="001080"/>
+                </a:solidFill>
+                <a:effectLst/>
+                <a:latin typeface="Times New Roman" panose="02020603050405020304" pitchFamily="18" charset="0"/>
+                <a:ea typeface="+mn-ea"/>
+                <a:cs typeface="Times New Roman" panose="02020603050405020304" pitchFamily="18" charset="0"/>
+              </a:rPr>
+              <a:t>数值型：</a:t>
+            </a:r>
+            <a:r>
+              <a:rPr lang="en-US" altLang="zh-CN" sz="3000" b="0" dirty="0" err="1">
+                <a:solidFill>
+                  <a:srgbClr val="001080"/>
+                </a:solidFill>
+                <a:effectLst/>
+                <a:latin typeface="Times New Roman" panose="02020603050405020304" pitchFamily="18" charset="0"/>
+                <a:ea typeface="+mn-ea"/>
+                <a:cs typeface="Times New Roman" panose="02020603050405020304" pitchFamily="18" charset="0"/>
+              </a:rPr>
+              <a:t>var_num</a:t>
+            </a:r>
+            <a:r>
+              <a:rPr lang="en-US" altLang="zh-CN" sz="3000" b="0" dirty="0">
+                <a:solidFill>
+                  <a:srgbClr val="000000"/>
+                </a:solidFill>
+                <a:effectLst/>
+                <a:latin typeface="Times New Roman" panose="02020603050405020304" pitchFamily="18" charset="0"/>
+                <a:ea typeface="+mn-ea"/>
+                <a:cs typeface="Times New Roman" panose="02020603050405020304" pitchFamily="18" charset="0"/>
+              </a:rPr>
+              <a:t> = </a:t>
+            </a:r>
+            <a:r>
+              <a:rPr lang="en-US" altLang="zh-CN" sz="3000" b="0" dirty="0">
+                <a:solidFill>
+                  <a:srgbClr val="098658"/>
+                </a:solidFill>
+                <a:effectLst/>
+                <a:latin typeface="Times New Roman" panose="02020603050405020304" pitchFamily="18" charset="0"/>
+                <a:ea typeface="+mn-ea"/>
+                <a:cs typeface="Times New Roman" panose="02020603050405020304" pitchFamily="18" charset="0"/>
+              </a:rPr>
+              <a:t>42</a:t>
+            </a:r>
+            <a:endParaRPr lang="en-US" altLang="zh-CN" sz="3000" b="0" dirty="0">
+              <a:solidFill>
+                <a:srgbClr val="000000"/>
+              </a:solidFill>
+              <a:effectLst/>
+              <a:latin typeface="Times New Roman" panose="02020603050405020304" pitchFamily="18" charset="0"/>
+              <a:ea typeface="+mn-ea"/>
+              <a:cs typeface="Times New Roman" panose="02020603050405020304" pitchFamily="18" charset="0"/>
+            </a:endParaRPr>
+          </a:p>
+          <a:p>
+            <a:pPr algn="l">
+              <a:buNone/>
+            </a:pPr>
+            <a:r>
+              <a:rPr lang="zh-CN" altLang="en-US" sz="3000" b="1" dirty="0">
+                <a:solidFill>
+                  <a:srgbClr val="001080"/>
+                </a:solidFill>
+                <a:effectLst/>
+                <a:latin typeface="Times New Roman" panose="02020603050405020304" pitchFamily="18" charset="0"/>
+                <a:ea typeface="+mn-ea"/>
+                <a:cs typeface="Times New Roman" panose="02020603050405020304" pitchFamily="18" charset="0"/>
+              </a:rPr>
+              <a:t>列表：</a:t>
+            </a:r>
+            <a:r>
+              <a:rPr lang="en-US" altLang="zh-CN" sz="3000" b="0" dirty="0" err="1">
+                <a:solidFill>
+                  <a:srgbClr val="001080"/>
+                </a:solidFill>
+                <a:effectLst/>
+                <a:latin typeface="Times New Roman" panose="02020603050405020304" pitchFamily="18" charset="0"/>
+                <a:ea typeface="+mn-ea"/>
+                <a:cs typeface="Times New Roman" panose="02020603050405020304" pitchFamily="18" charset="0"/>
+              </a:rPr>
+              <a:t>var_list</a:t>
+            </a:r>
+            <a:r>
+              <a:rPr lang="en-US" altLang="zh-CN" sz="3000" b="0" dirty="0">
+                <a:solidFill>
+                  <a:srgbClr val="000000"/>
+                </a:solidFill>
+                <a:effectLst/>
+                <a:latin typeface="Times New Roman" panose="02020603050405020304" pitchFamily="18" charset="0"/>
+                <a:ea typeface="+mn-ea"/>
+                <a:cs typeface="Times New Roman" panose="02020603050405020304" pitchFamily="18" charset="0"/>
+              </a:rPr>
+              <a:t> = [</a:t>
+            </a:r>
+            <a:r>
+              <a:rPr lang="en-US" altLang="zh-CN" sz="3000" b="0" dirty="0">
+                <a:solidFill>
+                  <a:srgbClr val="098658"/>
+                </a:solidFill>
+                <a:effectLst/>
+                <a:latin typeface="Times New Roman" panose="02020603050405020304" pitchFamily="18" charset="0"/>
+                <a:ea typeface="+mn-ea"/>
+                <a:cs typeface="Times New Roman" panose="02020603050405020304" pitchFamily="18" charset="0"/>
+              </a:rPr>
+              <a:t>1</a:t>
+            </a:r>
+            <a:r>
+              <a:rPr lang="en-US" altLang="zh-CN" sz="3000" b="0" dirty="0">
+                <a:solidFill>
+                  <a:srgbClr val="000000"/>
+                </a:solidFill>
+                <a:effectLst/>
+                <a:latin typeface="Times New Roman" panose="02020603050405020304" pitchFamily="18" charset="0"/>
+                <a:ea typeface="+mn-ea"/>
+                <a:cs typeface="Times New Roman" panose="02020603050405020304" pitchFamily="18" charset="0"/>
+              </a:rPr>
+              <a:t>, </a:t>
+            </a:r>
+            <a:r>
+              <a:rPr lang="en-US" altLang="zh-CN" sz="3000" b="0" dirty="0">
+                <a:solidFill>
+                  <a:srgbClr val="098658"/>
+                </a:solidFill>
+                <a:effectLst/>
+                <a:latin typeface="Times New Roman" panose="02020603050405020304" pitchFamily="18" charset="0"/>
+                <a:ea typeface="+mn-ea"/>
+                <a:cs typeface="Times New Roman" panose="02020603050405020304" pitchFamily="18" charset="0"/>
+              </a:rPr>
+              <a:t>2</a:t>
+            </a:r>
+            <a:r>
+              <a:rPr lang="en-US" altLang="zh-CN" sz="3000" b="0" dirty="0">
+                <a:solidFill>
+                  <a:srgbClr val="000000"/>
+                </a:solidFill>
+                <a:effectLst/>
+                <a:latin typeface="Times New Roman" panose="02020603050405020304" pitchFamily="18" charset="0"/>
+                <a:ea typeface="+mn-ea"/>
+                <a:cs typeface="Times New Roman" panose="02020603050405020304" pitchFamily="18" charset="0"/>
+              </a:rPr>
+              <a:t>, </a:t>
+            </a:r>
+            <a:r>
+              <a:rPr lang="en-US" altLang="zh-CN" sz="3000" b="0" dirty="0">
+                <a:solidFill>
+                  <a:srgbClr val="098658"/>
+                </a:solidFill>
+                <a:effectLst/>
+                <a:latin typeface="Times New Roman" panose="02020603050405020304" pitchFamily="18" charset="0"/>
+                <a:ea typeface="+mn-ea"/>
+                <a:cs typeface="Times New Roman" panose="02020603050405020304" pitchFamily="18" charset="0"/>
+              </a:rPr>
+              <a:t>3</a:t>
+            </a:r>
+            <a:r>
+              <a:rPr lang="en-US" altLang="zh-CN" sz="3000" b="0" dirty="0">
+                <a:solidFill>
+                  <a:srgbClr val="000000"/>
+                </a:solidFill>
+                <a:effectLst/>
+                <a:latin typeface="Times New Roman" panose="02020603050405020304" pitchFamily="18" charset="0"/>
+                <a:ea typeface="+mn-ea"/>
+                <a:cs typeface="Times New Roman" panose="02020603050405020304" pitchFamily="18" charset="0"/>
+              </a:rPr>
+              <a:t>, </a:t>
+            </a:r>
+            <a:r>
+              <a:rPr lang="en-US" altLang="zh-CN" sz="3000" b="0" dirty="0">
+                <a:solidFill>
+                  <a:srgbClr val="098658"/>
+                </a:solidFill>
+                <a:effectLst/>
+                <a:latin typeface="Times New Roman" panose="02020603050405020304" pitchFamily="18" charset="0"/>
+                <a:ea typeface="+mn-ea"/>
+                <a:cs typeface="Times New Roman" panose="02020603050405020304" pitchFamily="18" charset="0"/>
+              </a:rPr>
+              <a:t>4</a:t>
+            </a:r>
+            <a:r>
+              <a:rPr lang="en-US" altLang="zh-CN" sz="3000" b="0" dirty="0">
+                <a:solidFill>
+                  <a:srgbClr val="000000"/>
+                </a:solidFill>
+                <a:effectLst/>
+                <a:latin typeface="Times New Roman" panose="02020603050405020304" pitchFamily="18" charset="0"/>
+                <a:ea typeface="+mn-ea"/>
+                <a:cs typeface="Times New Roman" panose="02020603050405020304" pitchFamily="18" charset="0"/>
+              </a:rPr>
+              <a:t>, </a:t>
+            </a:r>
+            <a:r>
+              <a:rPr lang="en-US" altLang="zh-CN" sz="3000" b="0" dirty="0">
+                <a:solidFill>
+                  <a:srgbClr val="098658"/>
+                </a:solidFill>
+                <a:effectLst/>
+                <a:latin typeface="Times New Roman" panose="02020603050405020304" pitchFamily="18" charset="0"/>
+                <a:ea typeface="+mn-ea"/>
+                <a:cs typeface="Times New Roman" panose="02020603050405020304" pitchFamily="18" charset="0"/>
+              </a:rPr>
+              <a:t>5</a:t>
+            </a:r>
+            <a:r>
+              <a:rPr lang="en-US" altLang="zh-CN" sz="3000" b="0" dirty="0">
+                <a:solidFill>
+                  <a:srgbClr val="000000"/>
+                </a:solidFill>
+                <a:effectLst/>
+                <a:latin typeface="Times New Roman" panose="02020603050405020304" pitchFamily="18" charset="0"/>
+                <a:ea typeface="+mn-ea"/>
+                <a:cs typeface="Times New Roman" panose="02020603050405020304" pitchFamily="18" charset="0"/>
+              </a:rPr>
+              <a:t>]</a:t>
+            </a:r>
+          </a:p>
+          <a:p>
+            <a:pPr algn="l">
+              <a:buNone/>
+            </a:pPr>
+            <a:r>
+              <a:rPr lang="zh-CN" altLang="en-US" sz="3000" b="1" dirty="0">
+                <a:solidFill>
+                  <a:srgbClr val="001080"/>
+                </a:solidFill>
+                <a:effectLst/>
+                <a:latin typeface="Times New Roman" panose="02020603050405020304" pitchFamily="18" charset="0"/>
+                <a:ea typeface="+mn-ea"/>
+                <a:cs typeface="Times New Roman" panose="02020603050405020304" pitchFamily="18" charset="0"/>
+              </a:rPr>
+              <a:t>元组：</a:t>
+            </a:r>
+            <a:r>
+              <a:rPr lang="en-US" altLang="zh-CN" sz="3000" b="0" dirty="0" err="1">
+                <a:solidFill>
+                  <a:srgbClr val="001080"/>
+                </a:solidFill>
+                <a:effectLst/>
+                <a:latin typeface="Times New Roman" panose="02020603050405020304" pitchFamily="18" charset="0"/>
+                <a:ea typeface="+mn-ea"/>
+                <a:cs typeface="Times New Roman" panose="02020603050405020304" pitchFamily="18" charset="0"/>
+              </a:rPr>
+              <a:t>var_tuple</a:t>
+            </a:r>
+            <a:r>
+              <a:rPr lang="en-US" altLang="zh-CN" sz="3000" b="0" dirty="0">
+                <a:solidFill>
+                  <a:srgbClr val="000000"/>
+                </a:solidFill>
+                <a:effectLst/>
+                <a:latin typeface="Times New Roman" panose="02020603050405020304" pitchFamily="18" charset="0"/>
+                <a:ea typeface="+mn-ea"/>
+                <a:cs typeface="Times New Roman" panose="02020603050405020304" pitchFamily="18" charset="0"/>
+              </a:rPr>
+              <a:t> = (</a:t>
+            </a:r>
+            <a:r>
+              <a:rPr lang="en-US" altLang="zh-CN" sz="3000" b="0" dirty="0">
+                <a:solidFill>
+                  <a:srgbClr val="098658"/>
+                </a:solidFill>
+                <a:effectLst/>
+                <a:latin typeface="Times New Roman" panose="02020603050405020304" pitchFamily="18" charset="0"/>
+                <a:ea typeface="+mn-ea"/>
+                <a:cs typeface="Times New Roman" panose="02020603050405020304" pitchFamily="18" charset="0"/>
+              </a:rPr>
+              <a:t>10</a:t>
+            </a:r>
+            <a:r>
+              <a:rPr lang="en-US" altLang="zh-CN" sz="3000" b="0" dirty="0">
+                <a:solidFill>
+                  <a:srgbClr val="000000"/>
+                </a:solidFill>
+                <a:effectLst/>
+                <a:latin typeface="Times New Roman" panose="02020603050405020304" pitchFamily="18" charset="0"/>
+                <a:ea typeface="+mn-ea"/>
+                <a:cs typeface="Times New Roman" panose="02020603050405020304" pitchFamily="18" charset="0"/>
+              </a:rPr>
+              <a:t>, </a:t>
+            </a:r>
+            <a:r>
+              <a:rPr lang="en-US" altLang="zh-CN" sz="3000" b="0" dirty="0">
+                <a:solidFill>
+                  <a:srgbClr val="098658"/>
+                </a:solidFill>
+                <a:effectLst/>
+                <a:latin typeface="Times New Roman" panose="02020603050405020304" pitchFamily="18" charset="0"/>
+                <a:ea typeface="+mn-ea"/>
+                <a:cs typeface="Times New Roman" panose="02020603050405020304" pitchFamily="18" charset="0"/>
+              </a:rPr>
+              <a:t>20</a:t>
+            </a:r>
+            <a:r>
+              <a:rPr lang="en-US" altLang="zh-CN" sz="3000" b="0" dirty="0">
+                <a:solidFill>
+                  <a:srgbClr val="000000"/>
+                </a:solidFill>
+                <a:effectLst/>
+                <a:latin typeface="Times New Roman" panose="02020603050405020304" pitchFamily="18" charset="0"/>
+                <a:ea typeface="+mn-ea"/>
+                <a:cs typeface="Times New Roman" panose="02020603050405020304" pitchFamily="18" charset="0"/>
+              </a:rPr>
+              <a:t>, </a:t>
+            </a:r>
+            <a:r>
+              <a:rPr lang="en-US" altLang="zh-CN" sz="3000" b="0" dirty="0">
+                <a:solidFill>
+                  <a:srgbClr val="098658"/>
+                </a:solidFill>
+                <a:effectLst/>
+                <a:latin typeface="Times New Roman" panose="02020603050405020304" pitchFamily="18" charset="0"/>
+                <a:ea typeface="+mn-ea"/>
+                <a:cs typeface="Times New Roman" panose="02020603050405020304" pitchFamily="18" charset="0"/>
+              </a:rPr>
+              <a:t>30</a:t>
+            </a:r>
+            <a:r>
+              <a:rPr lang="en-US" altLang="zh-CN" sz="3000" b="0" dirty="0">
+                <a:solidFill>
+                  <a:srgbClr val="000000"/>
+                </a:solidFill>
+                <a:effectLst/>
+                <a:latin typeface="Times New Roman" panose="02020603050405020304" pitchFamily="18" charset="0"/>
+                <a:ea typeface="+mn-ea"/>
+                <a:cs typeface="Times New Roman" panose="02020603050405020304" pitchFamily="18" charset="0"/>
+              </a:rPr>
+              <a:t>)</a:t>
+            </a:r>
+          </a:p>
+          <a:p>
+            <a:pPr algn="l">
+              <a:buNone/>
+            </a:pPr>
+            <a:r>
+              <a:rPr lang="zh-CN" altLang="en-US" sz="3000" b="1" dirty="0">
+                <a:solidFill>
+                  <a:srgbClr val="001080"/>
+                </a:solidFill>
+                <a:effectLst/>
+                <a:latin typeface="Times New Roman" panose="02020603050405020304" pitchFamily="18" charset="0"/>
+                <a:ea typeface="+mn-ea"/>
+                <a:cs typeface="Times New Roman" panose="02020603050405020304" pitchFamily="18" charset="0"/>
+              </a:rPr>
+              <a:t>字典：</a:t>
+            </a:r>
+            <a:r>
+              <a:rPr lang="en-US" altLang="zh-CN" sz="3000" b="0" dirty="0" err="1">
+                <a:solidFill>
+                  <a:srgbClr val="001080"/>
+                </a:solidFill>
+                <a:effectLst/>
+                <a:latin typeface="Times New Roman" panose="02020603050405020304" pitchFamily="18" charset="0"/>
+                <a:ea typeface="+mn-ea"/>
+                <a:cs typeface="Times New Roman" panose="02020603050405020304" pitchFamily="18" charset="0"/>
+              </a:rPr>
+              <a:t>var_dict</a:t>
+            </a:r>
+            <a:r>
+              <a:rPr lang="en-US" altLang="zh-CN" sz="3000" b="0" dirty="0">
+                <a:solidFill>
+                  <a:srgbClr val="000000"/>
+                </a:solidFill>
+                <a:effectLst/>
+                <a:latin typeface="Times New Roman" panose="02020603050405020304" pitchFamily="18" charset="0"/>
+                <a:ea typeface="+mn-ea"/>
+                <a:cs typeface="Times New Roman" panose="02020603050405020304" pitchFamily="18" charset="0"/>
+              </a:rPr>
+              <a:t> = {</a:t>
+            </a:r>
+            <a:r>
+              <a:rPr lang="en-US" altLang="zh-CN" sz="3000" b="0" dirty="0">
+                <a:solidFill>
+                  <a:srgbClr val="A31515"/>
+                </a:solidFill>
+                <a:effectLst/>
+                <a:latin typeface="Times New Roman" panose="02020603050405020304" pitchFamily="18" charset="0"/>
+                <a:ea typeface="+mn-ea"/>
+                <a:cs typeface="Times New Roman" panose="02020603050405020304" pitchFamily="18" charset="0"/>
+              </a:rPr>
+              <a:t>"key1"</a:t>
+            </a:r>
+            <a:r>
+              <a:rPr lang="en-US" altLang="zh-CN" sz="3000" b="0" dirty="0">
+                <a:solidFill>
+                  <a:srgbClr val="000000"/>
+                </a:solidFill>
+                <a:effectLst/>
+                <a:latin typeface="Times New Roman" panose="02020603050405020304" pitchFamily="18" charset="0"/>
+                <a:ea typeface="+mn-ea"/>
+                <a:cs typeface="Times New Roman" panose="02020603050405020304" pitchFamily="18" charset="0"/>
+              </a:rPr>
+              <a:t>: </a:t>
+            </a:r>
+            <a:r>
+              <a:rPr lang="en-US" altLang="zh-CN" sz="3000" b="0" dirty="0">
+                <a:solidFill>
+                  <a:srgbClr val="A31515"/>
+                </a:solidFill>
+                <a:effectLst/>
+                <a:latin typeface="Times New Roman" panose="02020603050405020304" pitchFamily="18" charset="0"/>
+                <a:ea typeface="+mn-ea"/>
+                <a:cs typeface="Times New Roman" panose="02020603050405020304" pitchFamily="18" charset="0"/>
+              </a:rPr>
+              <a:t>"value1"</a:t>
+            </a:r>
+            <a:r>
+              <a:rPr lang="en-US" altLang="zh-CN" sz="3000" b="0" dirty="0">
+                <a:solidFill>
+                  <a:srgbClr val="000000"/>
+                </a:solidFill>
+                <a:effectLst/>
+                <a:latin typeface="Times New Roman" panose="02020603050405020304" pitchFamily="18" charset="0"/>
+                <a:ea typeface="+mn-ea"/>
+                <a:cs typeface="Times New Roman" panose="02020603050405020304" pitchFamily="18" charset="0"/>
+              </a:rPr>
+              <a:t>, </a:t>
+            </a:r>
+            <a:r>
+              <a:rPr lang="en-US" altLang="zh-CN" sz="3000" b="0" dirty="0">
+                <a:solidFill>
+                  <a:srgbClr val="A31515"/>
+                </a:solidFill>
+                <a:effectLst/>
+                <a:latin typeface="Times New Roman" panose="02020603050405020304" pitchFamily="18" charset="0"/>
+                <a:ea typeface="+mn-ea"/>
+                <a:cs typeface="Times New Roman" panose="02020603050405020304" pitchFamily="18" charset="0"/>
+              </a:rPr>
+              <a:t>"key2"</a:t>
+            </a:r>
+            <a:r>
+              <a:rPr lang="en-US" altLang="zh-CN" sz="3000" b="0" dirty="0">
+                <a:solidFill>
+                  <a:srgbClr val="000000"/>
+                </a:solidFill>
+                <a:effectLst/>
+                <a:latin typeface="Times New Roman" panose="02020603050405020304" pitchFamily="18" charset="0"/>
+                <a:ea typeface="+mn-ea"/>
+                <a:cs typeface="Times New Roman" panose="02020603050405020304" pitchFamily="18" charset="0"/>
+              </a:rPr>
+              <a:t>: </a:t>
+            </a:r>
+            <a:r>
+              <a:rPr lang="en-US" altLang="zh-CN" sz="3000" b="0" dirty="0">
+                <a:solidFill>
+                  <a:srgbClr val="A31515"/>
+                </a:solidFill>
+                <a:effectLst/>
+                <a:latin typeface="Times New Roman" panose="02020603050405020304" pitchFamily="18" charset="0"/>
+                <a:ea typeface="+mn-ea"/>
+                <a:cs typeface="Times New Roman" panose="02020603050405020304" pitchFamily="18" charset="0"/>
+              </a:rPr>
+              <a:t>"value2"</a:t>
+            </a:r>
+            <a:r>
+              <a:rPr lang="en-US" altLang="zh-CN" sz="3000" b="0" dirty="0">
+                <a:solidFill>
+                  <a:srgbClr val="000000"/>
+                </a:solidFill>
+                <a:effectLst/>
+                <a:latin typeface="Times New Roman" panose="02020603050405020304" pitchFamily="18" charset="0"/>
+                <a:ea typeface="+mn-ea"/>
+                <a:cs typeface="Times New Roman" panose="02020603050405020304" pitchFamily="18" charset="0"/>
+              </a:rPr>
+              <a:t>}</a:t>
+            </a:r>
+          </a:p>
+          <a:p>
+            <a:pPr algn="l">
+              <a:buNone/>
+            </a:pPr>
+            <a:r>
+              <a:rPr lang="zh-CN" altLang="en-US" sz="3000" b="1" dirty="0">
+                <a:solidFill>
+                  <a:srgbClr val="001080"/>
+                </a:solidFill>
+                <a:effectLst/>
+                <a:latin typeface="Times New Roman" panose="02020603050405020304" pitchFamily="18" charset="0"/>
+                <a:ea typeface="+mn-ea"/>
+                <a:cs typeface="Times New Roman" panose="02020603050405020304" pitchFamily="18" charset="0"/>
+              </a:rPr>
+              <a:t>集合：</a:t>
+            </a:r>
+            <a:r>
+              <a:rPr lang="en-US" altLang="zh-CN" sz="3000" b="0" dirty="0" err="1">
+                <a:solidFill>
+                  <a:srgbClr val="001080"/>
+                </a:solidFill>
+                <a:effectLst/>
+                <a:latin typeface="Times New Roman" panose="02020603050405020304" pitchFamily="18" charset="0"/>
+                <a:ea typeface="+mn-ea"/>
+                <a:cs typeface="Times New Roman" panose="02020603050405020304" pitchFamily="18" charset="0"/>
+              </a:rPr>
+              <a:t>var_set</a:t>
+            </a:r>
+            <a:r>
+              <a:rPr lang="en-US" altLang="zh-CN" sz="3000" b="0" dirty="0">
+                <a:solidFill>
+                  <a:srgbClr val="000000"/>
+                </a:solidFill>
+                <a:effectLst/>
+                <a:latin typeface="Times New Roman" panose="02020603050405020304" pitchFamily="18" charset="0"/>
+                <a:ea typeface="+mn-ea"/>
+                <a:cs typeface="Times New Roman" panose="02020603050405020304" pitchFamily="18" charset="0"/>
+              </a:rPr>
+              <a:t> = {</a:t>
+            </a:r>
+            <a:r>
+              <a:rPr lang="en-US" altLang="zh-CN" sz="3000" b="0" dirty="0">
+                <a:solidFill>
+                  <a:srgbClr val="098658"/>
+                </a:solidFill>
+                <a:effectLst/>
+                <a:latin typeface="Times New Roman" panose="02020603050405020304" pitchFamily="18" charset="0"/>
+                <a:ea typeface="+mn-ea"/>
+                <a:cs typeface="Times New Roman" panose="02020603050405020304" pitchFamily="18" charset="0"/>
+              </a:rPr>
+              <a:t>100</a:t>
+            </a:r>
+            <a:r>
+              <a:rPr lang="en-US" altLang="zh-CN" sz="3000" b="0" dirty="0">
+                <a:solidFill>
+                  <a:srgbClr val="000000"/>
+                </a:solidFill>
+                <a:effectLst/>
+                <a:latin typeface="Times New Roman" panose="02020603050405020304" pitchFamily="18" charset="0"/>
+                <a:ea typeface="+mn-ea"/>
+                <a:cs typeface="Times New Roman" panose="02020603050405020304" pitchFamily="18" charset="0"/>
+              </a:rPr>
+              <a:t>, </a:t>
+            </a:r>
+            <a:r>
+              <a:rPr lang="en-US" altLang="zh-CN" sz="3000" b="0" dirty="0">
+                <a:solidFill>
+                  <a:srgbClr val="098658"/>
+                </a:solidFill>
+                <a:effectLst/>
+                <a:latin typeface="Times New Roman" panose="02020603050405020304" pitchFamily="18" charset="0"/>
+                <a:ea typeface="+mn-ea"/>
+                <a:cs typeface="Times New Roman" panose="02020603050405020304" pitchFamily="18" charset="0"/>
+              </a:rPr>
+              <a:t>200</a:t>
+            </a:r>
+            <a:r>
+              <a:rPr lang="en-US" altLang="zh-CN" sz="3000" b="0" dirty="0">
+                <a:solidFill>
+                  <a:srgbClr val="000000"/>
+                </a:solidFill>
+                <a:effectLst/>
+                <a:latin typeface="Times New Roman" panose="02020603050405020304" pitchFamily="18" charset="0"/>
+                <a:ea typeface="+mn-ea"/>
+                <a:cs typeface="Times New Roman" panose="02020603050405020304" pitchFamily="18" charset="0"/>
+              </a:rPr>
+              <a:t>, </a:t>
+            </a:r>
+            <a:r>
+              <a:rPr lang="en-US" altLang="zh-CN" sz="3000" b="0" dirty="0">
+                <a:solidFill>
+                  <a:srgbClr val="098658"/>
+                </a:solidFill>
+                <a:effectLst/>
+                <a:latin typeface="Times New Roman" panose="02020603050405020304" pitchFamily="18" charset="0"/>
+                <a:ea typeface="+mn-ea"/>
+                <a:cs typeface="Times New Roman" panose="02020603050405020304" pitchFamily="18" charset="0"/>
+              </a:rPr>
+              <a:t>300</a:t>
+            </a:r>
+            <a:r>
+              <a:rPr lang="en-US" altLang="zh-CN" sz="3000" b="0" dirty="0">
+                <a:solidFill>
+                  <a:srgbClr val="000000"/>
+                </a:solidFill>
+                <a:effectLst/>
+                <a:latin typeface="Times New Roman" panose="02020603050405020304" pitchFamily="18" charset="0"/>
+                <a:ea typeface="+mn-ea"/>
+                <a:cs typeface="Times New Roman" panose="02020603050405020304" pitchFamily="18" charset="0"/>
+              </a:rPr>
+              <a:t>}</a:t>
+            </a:r>
+          </a:p>
+        </p:txBody>
+      </p:sp>
+    </p:spTree>
+    <p:extLst>
+      <p:ext uri="{BB962C8B-B14F-4D97-AF65-F5344CB8AC3E}">
+        <p14:creationId xmlns:p14="http://schemas.microsoft.com/office/powerpoint/2010/main" val="3450755784"/>
+      </p:ext>
+    </p:extLst>
+  </p:cSld>
+  <p:clrMapOvr>
+    <a:masterClrMapping/>
+  </p:clrMapOvr>
+  <p:transition>
+    <p:fade/>
+  </p:transition>
+</p:sld>
+</file>
+
+<file path=ppt/slides/slide19.xml><?xml version="1.0" encoding="utf-8"?>
 <p:sld xmlns:a="http://schemas.openxmlformats.org/drawingml/2006/main" xmlns:r="http://schemas.openxmlformats.org/officeDocument/2006/relationships" xmlns:p="http://schemas.openxmlformats.org/presentationml/2006/main">
   <p:cSld>
     <p:spTree>
@@ -22279,6 +23431,16 @@
               </a:lnSpc>
             </a:pPr>
             <a:r>
+              <a:rPr lang="zh-CN" altLang="en-US" sz="2800" b="1" dirty="0">
+                <a:solidFill>
+                  <a:schemeClr val="bg2"/>
+                </a:solidFill>
+                <a:latin typeface="+mn-ea"/>
+                <a:ea typeface="+mn-ea"/>
+              </a:rPr>
+              <a:t>标量类型</a:t>
+            </a:r>
+            <a:r>
               <a:rPr lang="zh-CN" altLang="en-US" sz="2800" dirty="0">
                 <a:solidFill>
                   <a:schemeClr val="bg2"/>
@@ -22286,7 +23448,7 @@
                 <a:latin typeface="+mn-ea"/>
                 <a:ea typeface="+mn-ea"/>
               </a:rPr>
-              <a:t>标量类型：</a:t>
+              <a:t>：</a:t>
             </a:r>
             <a:r>
               <a:rPr lang="en-US" altLang="zh-CN" sz="2800" dirty="0">
@@ -22390,6 +23552,16 @@
               </a:lnSpc>
             </a:pPr>
             <a:r>
+              <a:rPr lang="zh-CN" altLang="en-US" sz="2800" b="1" dirty="0">
+                <a:solidFill>
+                  <a:schemeClr val="bg2"/>
+                </a:solidFill>
+                <a:latin typeface="+mn-ea"/>
+                <a:ea typeface="+mn-ea"/>
+              </a:rPr>
+              <a:t>容器类型</a:t>
+            </a:r>
+            <a:r>
               <a:rPr lang="zh-CN" altLang="en-US" sz="2800" dirty="0">
                 <a:solidFill>
                   <a:schemeClr val="bg2"/>
@@ -22397,7 +23569,7 @@
                 <a:latin typeface="+mn-ea"/>
                 <a:ea typeface="+mn-ea"/>
               </a:rPr>
-              <a:t>容器类型：</a:t>
+              <a:t>：</a:t>
             </a:r>
             <a:r>
               <a:rPr lang="en-US" altLang="zh-CN" sz="2800" dirty="0">
@@ -23569,977 +24741,6 @@
     <p:extLst>
       <p:ext uri="{BB962C8B-B14F-4D97-AF65-F5344CB8AC3E}">
         <p14:creationId xmlns:p14="http://schemas.microsoft.com/office/powerpoint/2010/main" val="4037586554"/>
-      </p:ext>
-    </p:extLst>
-  </p:cSld>
-  <p:clrMapOvr>
-    <a:masterClrMapping/>
-  </p:clrMapOvr>
-  <p:transition>
-    <p:fade/>
-  </p:transition>
-</p:sld>
-</file>
-
-<file path=ppt/slides/slide18.xml><?xml version="1.0" encoding="utf-8"?>
-<p:sld xmlns:a="http://schemas.openxmlformats.org/drawingml/2006/main" xmlns:r="http://schemas.openxmlformats.org/officeDocument/2006/relationships" xmlns:p="http://schemas.openxmlformats.org/presentationml/2006/main">
-  <p:cSld>
-    <p:spTree>
-      <p:nvGrpSpPr>
-        <p:cNvPr id="1" name="">
-          <a:extLst>
-            <a:ext uri="{FF2B5EF4-FFF2-40B4-BE49-F238E27FC236}">
-              <a16:creationId xmlns:a16="http://schemas.microsoft.com/office/drawing/2014/main" id="{AFBC3C23-4D36-F6FA-EE57-75BB15F9FDAF}"/>
-            </a:ext>
-          </a:extLst>
-        </p:cNvPr>
-        <p:cNvGrpSpPr/>
-        <p:nvPr/>
-      </p:nvGrpSpPr>
-      <p:grpSpPr>
-        <a:xfrm>
-          <a:off x="0" y="0"/>
-          <a:ext cx="0" cy="0"/>
-          <a:chOff x="0" y="0"/>
-          <a:chExt cx="0" cy="0"/>
-        </a:xfrm>
-      </p:grpSpPr>
-      <p:sp>
-        <p:nvSpPr>
-          <p:cNvPr id="3" name="标题 2">
-            <a:extLst>
-              <a:ext uri="{FF2B5EF4-FFF2-40B4-BE49-F238E27FC236}">
-                <a16:creationId xmlns:a16="http://schemas.microsoft.com/office/drawing/2014/main" id="{979686D0-E98B-2613-1171-9CD39D61A6A4}"/>
-              </a:ext>
-            </a:extLst>
-          </p:cNvPr>
-          <p:cNvSpPr>
-            <a:spLocks noGrp="1"/>
-          </p:cNvSpPr>
-          <p:nvPr>
-            <p:ph type="title"/>
-          </p:nvPr>
-        </p:nvSpPr>
-        <p:spPr>
-          <a:xfrm>
-            <a:off x="1" y="8526"/>
-            <a:ext cx="10537372" cy="792162"/>
-          </a:xfrm>
-        </p:spPr>
-        <p:txBody>
-          <a:bodyPr/>
-          <a:lstStyle/>
-          <a:p>
-            <a:r>
-              <a:rPr lang="zh-CN" altLang="en-US" dirty="0">
-                <a:latin typeface="+mn-ea"/>
-              </a:rPr>
-              <a:t>二、</a:t>
-            </a:r>
-            <a:r>
-              <a:rPr lang="zh-CN" altLang="en-US" dirty="0">
-                <a:latin typeface="微软雅黑" pitchFamily="34" charset="-122"/>
-                <a:ea typeface="微软雅黑" pitchFamily="34" charset="-122"/>
-              </a:rPr>
-              <a:t>数据类型</a:t>
-            </a:r>
-            <a:endParaRPr lang="zh-CN" altLang="en-US" dirty="0"/>
-          </a:p>
-        </p:txBody>
-      </p:sp>
-      <p:sp>
-        <p:nvSpPr>
-          <p:cNvPr id="19" name="文本框 6">
-            <a:extLst>
-              <a:ext uri="{FF2B5EF4-FFF2-40B4-BE49-F238E27FC236}">
-                <a16:creationId xmlns:a16="http://schemas.microsoft.com/office/drawing/2014/main" id="{C7DB1091-8910-855C-6F3A-EC7B304CC21F}"/>
-              </a:ext>
-            </a:extLst>
-          </p:cNvPr>
-          <p:cNvSpPr txBox="1"/>
-          <p:nvPr/>
-        </p:nvSpPr>
-        <p:spPr>
-          <a:xfrm>
-            <a:off x="406195" y="1499335"/>
-            <a:ext cx="3091748" cy="743986"/>
-          </a:xfrm>
-          <a:prstGeom prst="rect">
-            <a:avLst/>
-          </a:prstGeom>
-          <a:noFill/>
-        </p:spPr>
-        <p:txBody>
-          <a:bodyPr wrap="square">
-            <a:spAutoFit/>
-          </a:bodyPr>
-          <a:lstStyle/>
-          <a:p>
-            <a:pPr algn="l">
-              <a:lnSpc>
-                <a:spcPct val="150000"/>
-              </a:lnSpc>
-            </a:pPr>
-            <a:r>
-              <a:rPr lang="en-US" altLang="zh-CN" sz="3200" b="1" dirty="0">
-                <a:solidFill>
-                  <a:schemeClr val="accent2"/>
-                </a:solidFill>
-                <a:latin typeface="+mn-ea"/>
-                <a:ea typeface="+mn-ea"/>
-              </a:rPr>
-              <a:t>number</a:t>
-            </a:r>
-          </a:p>
-        </p:txBody>
-      </p:sp>
-      <p:pic>
-        <p:nvPicPr>
-          <p:cNvPr id="5" name="Picture 4" descr="A black rectangle with white text&#10;&#10;AI-generated content may be incorrect.">
-            <a:extLst>
-              <a:ext uri="{FF2B5EF4-FFF2-40B4-BE49-F238E27FC236}">
-                <a16:creationId xmlns:a16="http://schemas.microsoft.com/office/drawing/2014/main" id="{D419F691-9044-44DE-03B6-B63122507408}"/>
-              </a:ext>
-            </a:extLst>
-          </p:cNvPr>
-          <p:cNvPicPr>
-            <a:picLocks noChangeAspect="1"/>
-          </p:cNvPicPr>
-          <p:nvPr/>
-        </p:nvPicPr>
-        <p:blipFill>
-          <a:blip r:embed="rId3"/>
-          <a:stretch>
-            <a:fillRect/>
-          </a:stretch>
-        </p:blipFill>
-        <p:spPr>
-          <a:xfrm>
-            <a:off x="406195" y="2279606"/>
-            <a:ext cx="4529616" cy="913536"/>
-          </a:xfrm>
-          <a:prstGeom prst="rect">
-            <a:avLst/>
-          </a:prstGeom>
-        </p:spPr>
-      </p:pic>
-      <p:sp>
-        <p:nvSpPr>
-          <p:cNvPr id="7" name="TextBox 6">
-            <a:extLst>
-              <a:ext uri="{FF2B5EF4-FFF2-40B4-BE49-F238E27FC236}">
-                <a16:creationId xmlns:a16="http://schemas.microsoft.com/office/drawing/2014/main" id="{F51DEC56-3581-81F0-AA96-9F9FFB3903DC}"/>
-              </a:ext>
-            </a:extLst>
-          </p:cNvPr>
-          <p:cNvSpPr txBox="1"/>
-          <p:nvPr/>
-        </p:nvSpPr>
-        <p:spPr>
-          <a:xfrm>
-            <a:off x="406195" y="3371731"/>
-            <a:ext cx="11952718" cy="2631490"/>
-          </a:xfrm>
-          <a:prstGeom prst="rect">
-            <a:avLst/>
-          </a:prstGeom>
-          <a:noFill/>
-        </p:spPr>
-        <p:txBody>
-          <a:bodyPr wrap="square">
-            <a:spAutoFit/>
-          </a:bodyPr>
-          <a:lstStyle/>
-          <a:p>
-            <a:pPr algn="l"/>
-            <a:r>
-              <a:rPr lang="zh-CN" altLang="en-US" sz="3000" b="1" dirty="0">
-                <a:solidFill>
-                  <a:schemeClr val="accent3"/>
-                </a:solidFill>
-                <a:latin typeface="+mn-ea"/>
-                <a:ea typeface="+mn-ea"/>
-              </a:rPr>
-              <a:t>常用操作</a:t>
-            </a:r>
-            <a:r>
-              <a:rPr lang="zh-CN" altLang="en-US" sz="3000" dirty="0">
-                <a:solidFill>
-                  <a:schemeClr val="accent3"/>
-                </a:solidFill>
-                <a:latin typeface="+mn-ea"/>
-                <a:ea typeface="+mn-ea"/>
-              </a:rPr>
-              <a:t>：</a:t>
-            </a:r>
-            <a:endParaRPr lang="en-US" altLang="zh-CN" sz="3000" dirty="0">
-              <a:solidFill>
-                <a:schemeClr val="accent3"/>
-              </a:solidFill>
-              <a:latin typeface="+mn-ea"/>
-              <a:ea typeface="+mn-ea"/>
-            </a:endParaRPr>
-          </a:p>
-          <a:p>
-            <a:pPr algn="l"/>
-            <a:r>
-              <a:rPr lang="zh-CN" altLang="en-US" sz="3000" dirty="0">
-                <a:solidFill>
-                  <a:schemeClr val="bg2"/>
-                </a:solidFill>
-                <a:latin typeface="+mn-ea"/>
-                <a:ea typeface="+mn-ea"/>
-              </a:rPr>
-              <a:t>算术运算：</a:t>
-            </a:r>
-            <a:r>
-              <a:rPr lang="en-US" altLang="zh-CN" sz="3000" dirty="0">
-                <a:solidFill>
-                  <a:schemeClr val="bg2"/>
-                </a:solidFill>
-                <a:latin typeface="+mn-ea"/>
-                <a:ea typeface="+mn-ea"/>
-              </a:rPr>
-              <a:t>+, -, *, /, //</a:t>
-            </a:r>
-            <a:r>
-              <a:rPr lang="zh-CN" altLang="en-US" sz="3000" dirty="0">
-                <a:solidFill>
-                  <a:schemeClr val="bg2"/>
-                </a:solidFill>
-                <a:latin typeface="+mn-ea"/>
-                <a:ea typeface="+mn-ea"/>
-              </a:rPr>
-              <a:t>（整除）</a:t>
-            </a:r>
-            <a:r>
-              <a:rPr lang="en-US" altLang="zh-CN" sz="3000" dirty="0">
-                <a:solidFill>
-                  <a:schemeClr val="bg2"/>
-                </a:solidFill>
-                <a:latin typeface="+mn-ea"/>
-                <a:ea typeface="+mn-ea"/>
-              </a:rPr>
-              <a:t>, %</a:t>
-            </a:r>
-            <a:r>
-              <a:rPr lang="zh-CN" altLang="en-US" sz="3000" dirty="0">
-                <a:solidFill>
-                  <a:schemeClr val="bg2"/>
-                </a:solidFill>
-                <a:latin typeface="+mn-ea"/>
-                <a:ea typeface="+mn-ea"/>
-              </a:rPr>
-              <a:t>（取模）</a:t>
-            </a:r>
-            <a:r>
-              <a:rPr lang="en-US" altLang="zh-CN" sz="3000" dirty="0">
-                <a:solidFill>
-                  <a:schemeClr val="bg2"/>
-                </a:solidFill>
-                <a:latin typeface="+mn-ea"/>
-                <a:ea typeface="+mn-ea"/>
-              </a:rPr>
-              <a:t>, **</a:t>
-            </a:r>
-            <a:r>
-              <a:rPr lang="zh-CN" altLang="en-US" sz="3000" dirty="0">
-                <a:solidFill>
-                  <a:schemeClr val="bg2"/>
-                </a:solidFill>
-                <a:latin typeface="+mn-ea"/>
-                <a:ea typeface="+mn-ea"/>
-              </a:rPr>
-              <a:t>（幂）</a:t>
-            </a:r>
-          </a:p>
-          <a:p>
-            <a:pPr algn="l"/>
-            <a:r>
-              <a:rPr lang="zh-CN" altLang="en-US" sz="3000" dirty="0">
-                <a:solidFill>
-                  <a:schemeClr val="bg2"/>
-                </a:solidFill>
-                <a:latin typeface="+mn-ea"/>
-                <a:ea typeface="+mn-ea"/>
-              </a:rPr>
-              <a:t>数学函数：</a:t>
-            </a:r>
-            <a:r>
-              <a:rPr lang="en-US" sz="3000" dirty="0">
-                <a:solidFill>
-                  <a:schemeClr val="bg2"/>
-                </a:solidFill>
-                <a:latin typeface="+mn-ea"/>
-                <a:ea typeface="+mn-ea"/>
-              </a:rPr>
-              <a:t>abs(), round(), </a:t>
-            </a:r>
-            <a:r>
-              <a:rPr lang="en-US" sz="3000" dirty="0" err="1">
-                <a:solidFill>
-                  <a:schemeClr val="bg2"/>
-                </a:solidFill>
-                <a:latin typeface="+mn-ea"/>
-                <a:ea typeface="+mn-ea"/>
-              </a:rPr>
-              <a:t>math.sqrt</a:t>
-            </a:r>
-            <a:r>
-              <a:rPr lang="en-US" sz="3000" dirty="0">
-                <a:solidFill>
-                  <a:schemeClr val="bg2"/>
-                </a:solidFill>
-                <a:latin typeface="+mn-ea"/>
-                <a:ea typeface="+mn-ea"/>
-              </a:rPr>
-              <a:t>()</a:t>
-            </a:r>
-          </a:p>
-          <a:p>
-            <a:pPr algn="l">
-              <a:defRPr/>
-            </a:pPr>
-            <a:r>
-              <a:rPr lang="zh-CN" altLang="en-US" sz="3000" dirty="0">
-                <a:solidFill>
-                  <a:prstClr val="black"/>
-                </a:solidFill>
-                <a:latin typeface="微软雅黑"/>
-                <a:ea typeface="微软雅黑"/>
-              </a:rPr>
-              <a:t>类型转换：</a:t>
-            </a:r>
-            <a:r>
-              <a:rPr lang="en-US" sz="3000" dirty="0">
-                <a:solidFill>
-                  <a:prstClr val="black"/>
-                </a:solidFill>
-                <a:latin typeface="微软雅黑"/>
-                <a:ea typeface="微软雅黑"/>
-              </a:rPr>
-              <a:t>int(), float()</a:t>
-            </a:r>
-            <a:endParaRPr lang="en-US" sz="3000" dirty="0">
-              <a:solidFill>
-                <a:schemeClr val="bg2"/>
-              </a:solidFill>
-              <a:latin typeface="+mn-ea"/>
-              <a:ea typeface="+mn-ea"/>
-            </a:endParaRPr>
-          </a:p>
-        </p:txBody>
-      </p:sp>
-      <p:pic>
-        <p:nvPicPr>
-          <p:cNvPr id="11" name="Picture 10" descr="A number and a symbol&#10;&#10;AI-generated content may be incorrect.">
-            <a:extLst>
-              <a:ext uri="{FF2B5EF4-FFF2-40B4-BE49-F238E27FC236}">
-                <a16:creationId xmlns:a16="http://schemas.microsoft.com/office/drawing/2014/main" id="{252A34BE-8A25-C987-51CB-13EA49D5BBB9}"/>
-              </a:ext>
-            </a:extLst>
-          </p:cNvPr>
-          <p:cNvPicPr>
-            <a:picLocks noChangeAspect="1"/>
-          </p:cNvPicPr>
-          <p:nvPr/>
-        </p:nvPicPr>
-        <p:blipFill>
-          <a:blip r:embed="rId4"/>
-          <a:stretch>
-            <a:fillRect/>
-          </a:stretch>
-        </p:blipFill>
-        <p:spPr>
-          <a:xfrm>
-            <a:off x="5051924" y="5417907"/>
-            <a:ext cx="6864305" cy="1054516"/>
-          </a:xfrm>
-          <a:prstGeom prst="rect">
-            <a:avLst/>
-          </a:prstGeom>
-        </p:spPr>
-      </p:pic>
-      <p:sp>
-        <p:nvSpPr>
-          <p:cNvPr id="13" name="TextBox 12">
-            <a:extLst>
-              <a:ext uri="{FF2B5EF4-FFF2-40B4-BE49-F238E27FC236}">
-                <a16:creationId xmlns:a16="http://schemas.microsoft.com/office/drawing/2014/main" id="{4275CA77-B005-F8DF-354C-AF0DFA5E2D96}"/>
-              </a:ext>
-            </a:extLst>
-          </p:cNvPr>
-          <p:cNvSpPr txBox="1"/>
-          <p:nvPr/>
-        </p:nvSpPr>
-        <p:spPr>
-          <a:xfrm>
-            <a:off x="94343" y="846748"/>
-            <a:ext cx="7881972" cy="825419"/>
-          </a:xfrm>
-          <a:prstGeom prst="rect">
-            <a:avLst/>
-          </a:prstGeom>
-          <a:noFill/>
-        </p:spPr>
-        <p:txBody>
-          <a:bodyPr wrap="square" rtlCol="0">
-            <a:spAutoFit/>
-          </a:bodyPr>
-          <a:lstStyle/>
-          <a:p>
-            <a:pPr algn="just">
-              <a:lnSpc>
-                <a:spcPct val="150000"/>
-              </a:lnSpc>
-            </a:pPr>
-            <a:r>
-              <a:rPr lang="en-US" altLang="zh-CN" sz="3600" b="1" dirty="0">
-                <a:solidFill>
-                  <a:srgbClr val="333333"/>
-                </a:solidFill>
-                <a:latin typeface="+mn-ea"/>
-                <a:ea typeface="+mn-ea"/>
-              </a:rPr>
-              <a:t>2. Python</a:t>
-            </a:r>
-            <a:r>
-              <a:rPr lang="zh-CN" altLang="en-US" sz="3600" b="1" dirty="0">
-                <a:solidFill>
-                  <a:srgbClr val="333333"/>
-                </a:solidFill>
-                <a:latin typeface="+mn-ea"/>
-                <a:ea typeface="+mn-ea"/>
-              </a:rPr>
-              <a:t>基本数据类型</a:t>
-            </a:r>
-            <a:endParaRPr lang="en-US" altLang="zh-CN" sz="3600" b="1" dirty="0">
-              <a:solidFill>
-                <a:srgbClr val="333333"/>
-              </a:solidFill>
-              <a:latin typeface="+mn-ea"/>
-              <a:ea typeface="+mn-ea"/>
-            </a:endParaRPr>
-          </a:p>
-        </p:txBody>
-      </p:sp>
-    </p:spTree>
-    <p:extLst>
-      <p:ext uri="{BB962C8B-B14F-4D97-AF65-F5344CB8AC3E}">
-        <p14:creationId xmlns:p14="http://schemas.microsoft.com/office/powerpoint/2010/main" val="3037146437"/>
-      </p:ext>
-    </p:extLst>
-  </p:cSld>
-  <p:clrMapOvr>
-    <a:masterClrMapping/>
-  </p:clrMapOvr>
-  <p:transition>
-    <p:fade/>
-  </p:transition>
-</p:sld>
-</file>
-
-<file path=ppt/slides/slide19.xml><?xml version="1.0" encoding="utf-8"?>
-<p:sld xmlns:a="http://schemas.openxmlformats.org/drawingml/2006/main" xmlns:r="http://schemas.openxmlformats.org/officeDocument/2006/relationships" xmlns:p="http://schemas.openxmlformats.org/presentationml/2006/main">
-  <p:cSld>
-    <p:spTree>
-      <p:nvGrpSpPr>
-        <p:cNvPr id="1" name="">
-          <a:extLst>
-            <a:ext uri="{FF2B5EF4-FFF2-40B4-BE49-F238E27FC236}">
-              <a16:creationId xmlns:a16="http://schemas.microsoft.com/office/drawing/2014/main" id="{C5169629-4195-972E-62A6-2E075C839563}"/>
-            </a:ext>
-          </a:extLst>
-        </p:cNvPr>
-        <p:cNvGrpSpPr/>
-        <p:nvPr/>
-      </p:nvGrpSpPr>
-      <p:grpSpPr>
-        <a:xfrm>
-          <a:off x="0" y="0"/>
-          <a:ext cx="0" cy="0"/>
-          <a:chOff x="0" y="0"/>
-          <a:chExt cx="0" cy="0"/>
-        </a:xfrm>
-      </p:grpSpPr>
-      <p:sp>
-        <p:nvSpPr>
-          <p:cNvPr id="3" name="标题 2">
-            <a:extLst>
-              <a:ext uri="{FF2B5EF4-FFF2-40B4-BE49-F238E27FC236}">
-                <a16:creationId xmlns:a16="http://schemas.microsoft.com/office/drawing/2014/main" id="{280239FC-9E8A-4F3A-6CCD-81EE2AB84838}"/>
-              </a:ext>
-            </a:extLst>
-          </p:cNvPr>
-          <p:cNvSpPr>
-            <a:spLocks noGrp="1"/>
-          </p:cNvSpPr>
-          <p:nvPr>
-            <p:ph type="title"/>
-          </p:nvPr>
-        </p:nvSpPr>
-        <p:spPr>
-          <a:xfrm>
-            <a:off x="1" y="8526"/>
-            <a:ext cx="10537372" cy="792162"/>
-          </a:xfrm>
-        </p:spPr>
-        <p:txBody>
-          <a:bodyPr/>
-          <a:lstStyle/>
-          <a:p>
-            <a:r>
-              <a:rPr lang="zh-CN" altLang="en-US" dirty="0">
-                <a:latin typeface="+mn-ea"/>
-              </a:rPr>
-              <a:t>二、</a:t>
-            </a:r>
-            <a:r>
-              <a:rPr lang="zh-CN" altLang="en-US" dirty="0">
-                <a:latin typeface="微软雅黑" pitchFamily="34" charset="-122"/>
-                <a:ea typeface="微软雅黑" pitchFamily="34" charset="-122"/>
-              </a:rPr>
-              <a:t>数据类型</a:t>
-            </a:r>
-            <a:endParaRPr lang="zh-CN" altLang="en-US" dirty="0"/>
-          </a:p>
-        </p:txBody>
-      </p:sp>
-      <p:sp>
-        <p:nvSpPr>
-          <p:cNvPr id="9" name="文本框 6">
-            <a:extLst>
-              <a:ext uri="{FF2B5EF4-FFF2-40B4-BE49-F238E27FC236}">
-                <a16:creationId xmlns:a16="http://schemas.microsoft.com/office/drawing/2014/main" id="{992F2ED7-670D-AD19-DAB1-3B5E976BA63F}"/>
-              </a:ext>
-            </a:extLst>
-          </p:cNvPr>
-          <p:cNvSpPr txBox="1"/>
-          <p:nvPr/>
-        </p:nvSpPr>
-        <p:spPr>
-          <a:xfrm>
-            <a:off x="224973" y="1577161"/>
-            <a:ext cx="7193682" cy="743986"/>
-          </a:xfrm>
-          <a:prstGeom prst="rect">
-            <a:avLst/>
-          </a:prstGeom>
-          <a:noFill/>
-        </p:spPr>
-        <p:txBody>
-          <a:bodyPr wrap="square">
-            <a:spAutoFit/>
-          </a:bodyPr>
-          <a:lstStyle/>
-          <a:p>
-            <a:pPr algn="l">
-              <a:lnSpc>
-                <a:spcPct val="150000"/>
-              </a:lnSpc>
-            </a:pPr>
-            <a:r>
-              <a:rPr lang="zh-CN" altLang="en-US" sz="3200" b="1" dirty="0">
-                <a:solidFill>
-                  <a:schemeClr val="accent2"/>
-                </a:solidFill>
-                <a:latin typeface="+mn-ea"/>
-                <a:ea typeface="+mn-ea"/>
-              </a:rPr>
-              <a:t>字符串：</a:t>
-            </a:r>
-            <a:r>
-              <a:rPr lang="zh-CN" altLang="en-US" sz="3200" dirty="0">
-                <a:solidFill>
-                  <a:schemeClr val="bg2"/>
-                </a:solidFill>
-                <a:latin typeface="+mn-ea"/>
-                <a:ea typeface="+mn-ea"/>
-              </a:rPr>
-              <a:t>单</a:t>
-            </a:r>
-            <a:r>
-              <a:rPr lang="en-US" altLang="zh-CN" sz="3200" dirty="0">
-                <a:solidFill>
-                  <a:schemeClr val="bg2"/>
-                </a:solidFill>
-                <a:latin typeface="+mn-ea"/>
-                <a:ea typeface="+mn-ea"/>
-              </a:rPr>
-              <a:t>/</a:t>
-            </a:r>
-            <a:r>
-              <a:rPr lang="zh-CN" altLang="en-US" sz="3200" dirty="0">
-                <a:solidFill>
-                  <a:schemeClr val="bg2"/>
-                </a:solidFill>
-                <a:latin typeface="+mn-ea"/>
-                <a:ea typeface="+mn-ea"/>
-              </a:rPr>
-              <a:t>双引号包裹的文本</a:t>
-            </a:r>
-            <a:endParaRPr lang="en-US" altLang="zh-CN" sz="3200" b="1" dirty="0">
-              <a:solidFill>
-                <a:schemeClr val="accent2"/>
-              </a:solidFill>
-              <a:latin typeface="+mn-ea"/>
-              <a:ea typeface="+mn-ea"/>
-            </a:endParaRPr>
-          </a:p>
-        </p:txBody>
-      </p:sp>
-      <p:pic>
-        <p:nvPicPr>
-          <p:cNvPr id="14" name="Picture 13">
-            <a:extLst>
-              <a:ext uri="{FF2B5EF4-FFF2-40B4-BE49-F238E27FC236}">
-                <a16:creationId xmlns:a16="http://schemas.microsoft.com/office/drawing/2014/main" id="{1C0401D8-4404-F6EE-5CFB-A4E5B546DED5}"/>
-              </a:ext>
-            </a:extLst>
-          </p:cNvPr>
-          <p:cNvPicPr>
-            <a:picLocks noChangeAspect="1"/>
-          </p:cNvPicPr>
-          <p:nvPr/>
-        </p:nvPicPr>
-        <p:blipFill>
-          <a:blip r:embed="rId3"/>
-          <a:stretch>
-            <a:fillRect/>
-          </a:stretch>
-        </p:blipFill>
-        <p:spPr>
-          <a:xfrm>
-            <a:off x="1061129" y="5612114"/>
-            <a:ext cx="10069742" cy="1045107"/>
-          </a:xfrm>
-          <a:prstGeom prst="rect">
-            <a:avLst/>
-          </a:prstGeom>
-        </p:spPr>
-      </p:pic>
-      <p:grpSp>
-        <p:nvGrpSpPr>
-          <p:cNvPr id="2" name="组合 1">
-            <a:extLst>
-              <a:ext uri="{FF2B5EF4-FFF2-40B4-BE49-F238E27FC236}">
-                <a16:creationId xmlns:a16="http://schemas.microsoft.com/office/drawing/2014/main" id="{BB64BF54-90A2-6BFA-9700-6DE34EAAB1A1}"/>
-              </a:ext>
-            </a:extLst>
-          </p:cNvPr>
-          <p:cNvGrpSpPr/>
-          <p:nvPr/>
-        </p:nvGrpSpPr>
-        <p:grpSpPr>
-          <a:xfrm>
-            <a:off x="7169569" y="2117972"/>
-            <a:ext cx="3833277" cy="1677514"/>
-            <a:chOff x="6822961" y="2250980"/>
-            <a:chExt cx="2932866" cy="1290493"/>
-          </a:xfrm>
-        </p:grpSpPr>
-        <p:pic>
-          <p:nvPicPr>
-            <p:cNvPr id="12" name="Picture 11" descr="A black and white sign with orange text&#10;&#10;AI-generated content may be incorrect.">
-              <a:extLst>
-                <a:ext uri="{FF2B5EF4-FFF2-40B4-BE49-F238E27FC236}">
-                  <a16:creationId xmlns:a16="http://schemas.microsoft.com/office/drawing/2014/main" id="{187E6F44-1324-218F-7908-094F56249B5E}"/>
-                </a:ext>
-              </a:extLst>
-            </p:cNvPr>
-            <p:cNvPicPr>
-              <a:picLocks noChangeAspect="1"/>
-            </p:cNvPicPr>
-            <p:nvPr/>
-          </p:nvPicPr>
-          <p:blipFill>
-            <a:blip r:embed="rId4"/>
-            <a:stretch>
-              <a:fillRect/>
-            </a:stretch>
-          </p:blipFill>
-          <p:spPr>
-            <a:xfrm>
-              <a:off x="6822961" y="2737483"/>
-              <a:ext cx="2932866" cy="803990"/>
-            </a:xfrm>
-            <a:prstGeom prst="rect">
-              <a:avLst/>
-            </a:prstGeom>
-          </p:spPr>
-        </p:pic>
-        <p:sp>
-          <p:nvSpPr>
-            <p:cNvPr id="27" name="TextBox 26">
-              <a:extLst>
-                <a:ext uri="{FF2B5EF4-FFF2-40B4-BE49-F238E27FC236}">
-                  <a16:creationId xmlns:a16="http://schemas.microsoft.com/office/drawing/2014/main" id="{3E6B516C-F780-1627-8BB1-59513E674566}"/>
-                </a:ext>
-              </a:extLst>
-            </p:cNvPr>
-            <p:cNvSpPr txBox="1"/>
-            <p:nvPr/>
-          </p:nvSpPr>
-          <p:spPr>
-            <a:xfrm>
-              <a:off x="6919146" y="2250980"/>
-              <a:ext cx="2446737" cy="402507"/>
-            </a:xfrm>
-            <a:prstGeom prst="rect">
-              <a:avLst/>
-            </a:prstGeom>
-            <a:noFill/>
-          </p:spPr>
-          <p:txBody>
-            <a:bodyPr wrap="square">
-              <a:spAutoFit/>
-            </a:bodyPr>
-            <a:lstStyle/>
-            <a:p>
-              <a:r>
-                <a:rPr lang="zh-CN" altLang="en-US" sz="2800" dirty="0">
-                  <a:solidFill>
-                    <a:schemeClr val="bg2"/>
-                  </a:solidFill>
-                  <a:latin typeface="+mn-ea"/>
-                  <a:ea typeface="+mn-ea"/>
-                </a:rPr>
-                <a:t>字符串创建</a:t>
-              </a:r>
-              <a:endParaRPr lang="en-CN" sz="2800" dirty="0">
-                <a:solidFill>
-                  <a:schemeClr val="bg2"/>
-                </a:solidFill>
-              </a:endParaRPr>
-            </a:p>
-          </p:txBody>
-        </p:sp>
-      </p:grpSp>
-      <p:sp>
-        <p:nvSpPr>
-          <p:cNvPr id="5" name="TextBox 4">
-            <a:extLst>
-              <a:ext uri="{FF2B5EF4-FFF2-40B4-BE49-F238E27FC236}">
-                <a16:creationId xmlns:a16="http://schemas.microsoft.com/office/drawing/2014/main" id="{01F43913-1DFC-079D-2F48-2ACB78444BF9}"/>
-              </a:ext>
-            </a:extLst>
-          </p:cNvPr>
-          <p:cNvSpPr txBox="1"/>
-          <p:nvPr/>
-        </p:nvSpPr>
-        <p:spPr>
-          <a:xfrm>
-            <a:off x="224973" y="2442015"/>
-            <a:ext cx="8280398" cy="3170099"/>
-          </a:xfrm>
-          <a:prstGeom prst="rect">
-            <a:avLst/>
-          </a:prstGeom>
-          <a:noFill/>
-        </p:spPr>
-        <p:txBody>
-          <a:bodyPr wrap="square">
-            <a:spAutoFit/>
-          </a:bodyPr>
-          <a:lstStyle/>
-          <a:p>
-            <a:pPr algn="l"/>
-            <a:r>
-              <a:rPr lang="zh-CN" altLang="en-US" sz="3200" b="1" dirty="0">
-                <a:solidFill>
-                  <a:schemeClr val="bg2"/>
-                </a:solidFill>
-                <a:latin typeface="+mn-ea"/>
-                <a:ea typeface="+mn-ea"/>
-              </a:rPr>
-              <a:t>常用操作：</a:t>
-            </a:r>
-            <a:endParaRPr lang="en-US" altLang="zh-CN" sz="3200" b="1" dirty="0">
-              <a:solidFill>
-                <a:schemeClr val="bg2"/>
-              </a:solidFill>
-              <a:latin typeface="+mn-ea"/>
-              <a:ea typeface="+mn-ea"/>
-            </a:endParaRPr>
-          </a:p>
-          <a:p>
-            <a:pPr algn="l"/>
-            <a:r>
-              <a:rPr lang="zh-CN" altLang="en-US" sz="2800" dirty="0">
-                <a:solidFill>
-                  <a:schemeClr val="bg2"/>
-                </a:solidFill>
-                <a:latin typeface="+mn-ea"/>
-                <a:ea typeface="+mn-ea"/>
-              </a:rPr>
-              <a:t>索引与切片：</a:t>
-            </a:r>
-            <a:r>
-              <a:rPr lang="en-US" sz="2800" dirty="0">
-                <a:solidFill>
-                  <a:schemeClr val="bg2"/>
-                </a:solidFill>
-                <a:latin typeface="+mn-ea"/>
-                <a:ea typeface="+mn-ea"/>
-              </a:rPr>
-              <a:t>s[0], s[1:4]</a:t>
-            </a:r>
-          </a:p>
-          <a:p>
-            <a:pPr algn="l"/>
-            <a:r>
-              <a:rPr lang="zh-CN" altLang="en-US" sz="2800" dirty="0">
-                <a:solidFill>
-                  <a:schemeClr val="bg2"/>
-                </a:solidFill>
-                <a:latin typeface="+mn-ea"/>
-                <a:ea typeface="+mn-ea"/>
-              </a:rPr>
-              <a:t>拼接与重复：</a:t>
-            </a:r>
-            <a:r>
-              <a:rPr lang="en-US" altLang="zh-CN" sz="2800" dirty="0">
-                <a:solidFill>
-                  <a:schemeClr val="bg2"/>
-                </a:solidFill>
-                <a:latin typeface="+mn-ea"/>
-                <a:ea typeface="+mn-ea"/>
-              </a:rPr>
-              <a:t>+, *</a:t>
-            </a:r>
-          </a:p>
-          <a:p>
-            <a:pPr algn="l"/>
-            <a:r>
-              <a:rPr lang="zh-CN" altLang="en-US" sz="2800" dirty="0">
-                <a:solidFill>
-                  <a:schemeClr val="bg2"/>
-                </a:solidFill>
-                <a:latin typeface="+mn-ea"/>
-                <a:ea typeface="+mn-ea"/>
-              </a:rPr>
-              <a:t>方法：</a:t>
-            </a:r>
-            <a:r>
-              <a:rPr lang="en-US" altLang="zh-CN" sz="2800" dirty="0">
-                <a:solidFill>
-                  <a:schemeClr val="bg2"/>
-                </a:solidFill>
-                <a:latin typeface="+mn-ea"/>
-                <a:ea typeface="+mn-ea"/>
-              </a:rPr>
-              <a:t>.</a:t>
-            </a:r>
-            <a:r>
-              <a:rPr lang="en-US" sz="2800" dirty="0">
-                <a:solidFill>
-                  <a:schemeClr val="bg2"/>
-                </a:solidFill>
-                <a:latin typeface="+mn-ea"/>
-                <a:ea typeface="+mn-ea"/>
-              </a:rPr>
-              <a:t>lower(), .upper(), .split(), .strip()</a:t>
-            </a:r>
-          </a:p>
-          <a:p>
-            <a:pPr algn="l"/>
-            <a:r>
-              <a:rPr lang="zh-CN" altLang="en-US" sz="2800" dirty="0">
-                <a:solidFill>
-                  <a:schemeClr val="bg2"/>
-                </a:solidFill>
-                <a:latin typeface="+mn-ea"/>
-                <a:ea typeface="+mn-ea"/>
-              </a:rPr>
-              <a:t>格式化：</a:t>
-            </a:r>
-            <a:r>
-              <a:rPr lang="en-US" sz="2800" dirty="0">
-                <a:solidFill>
-                  <a:schemeClr val="bg2"/>
-                </a:solidFill>
-                <a:latin typeface="+mn-ea"/>
-                <a:ea typeface="+mn-ea"/>
-              </a:rPr>
-              <a:t>f"{name} is {age} years old"</a:t>
-            </a:r>
-            <a:endParaRPr lang="zh-CN" altLang="en-US" sz="2800" dirty="0">
-              <a:solidFill>
-                <a:schemeClr val="bg2"/>
-              </a:solidFill>
-              <a:latin typeface="+mn-ea"/>
-              <a:ea typeface="+mn-ea"/>
-            </a:endParaRPr>
-          </a:p>
-        </p:txBody>
-      </p:sp>
-      <p:sp>
-        <p:nvSpPr>
-          <p:cNvPr id="6" name="TextBox 5">
-            <a:extLst>
-              <a:ext uri="{FF2B5EF4-FFF2-40B4-BE49-F238E27FC236}">
-                <a16:creationId xmlns:a16="http://schemas.microsoft.com/office/drawing/2014/main" id="{5773AFEA-C282-287B-9DC2-A81B7A537632}"/>
-              </a:ext>
-            </a:extLst>
-          </p:cNvPr>
-          <p:cNvSpPr txBox="1"/>
-          <p:nvPr/>
-        </p:nvSpPr>
-        <p:spPr>
-          <a:xfrm>
-            <a:off x="116114" y="846748"/>
-            <a:ext cx="7860201" cy="825419"/>
-          </a:xfrm>
-          <a:prstGeom prst="rect">
-            <a:avLst/>
-          </a:prstGeom>
-          <a:noFill/>
-        </p:spPr>
-        <p:txBody>
-          <a:bodyPr wrap="square" rtlCol="0">
-            <a:spAutoFit/>
-          </a:bodyPr>
-          <a:lstStyle/>
-          <a:p>
-            <a:pPr algn="just">
-              <a:lnSpc>
-                <a:spcPct val="150000"/>
-              </a:lnSpc>
-            </a:pPr>
-            <a:r>
-              <a:rPr lang="en-US" altLang="zh-CN" sz="3600" b="1" dirty="0">
-                <a:solidFill>
-                  <a:srgbClr val="333333"/>
-                </a:solidFill>
-                <a:latin typeface="+mn-ea"/>
-                <a:ea typeface="+mn-ea"/>
-              </a:rPr>
-              <a:t>2. Python</a:t>
-            </a:r>
-            <a:r>
-              <a:rPr lang="zh-CN" altLang="en-US" sz="3600" b="1" dirty="0">
-                <a:solidFill>
-                  <a:srgbClr val="333333"/>
-                </a:solidFill>
-                <a:latin typeface="+mn-ea"/>
-                <a:ea typeface="+mn-ea"/>
-              </a:rPr>
-              <a:t>基本数据类型</a:t>
-            </a:r>
-            <a:endParaRPr lang="en-US" altLang="zh-CN" sz="3600" b="1" dirty="0">
-              <a:solidFill>
-                <a:srgbClr val="333333"/>
-              </a:solidFill>
-              <a:latin typeface="+mn-ea"/>
-              <a:ea typeface="+mn-ea"/>
-            </a:endParaRPr>
-          </a:p>
-        </p:txBody>
-      </p:sp>
-    </p:spTree>
-    <p:extLst>
-      <p:ext uri="{BB962C8B-B14F-4D97-AF65-F5344CB8AC3E}">
-        <p14:creationId xmlns:p14="http://schemas.microsoft.com/office/powerpoint/2010/main" val="3486418074"/>
       </p:ext>
     </p:extLst>
   </p:cSld>
@@ -24974,6 +25175,977 @@
         <p:cNvPr id="1" name="">
           <a:extLst>
             <a:ext uri="{FF2B5EF4-FFF2-40B4-BE49-F238E27FC236}">
+              <a16:creationId xmlns:a16="http://schemas.microsoft.com/office/drawing/2014/main" id="{AFBC3C23-4D36-F6FA-EE57-75BB15F9FDAF}"/>
+            </a:ext>
+          </a:extLst>
+        </p:cNvPr>
+        <p:cNvGrpSpPr/>
+        <p:nvPr/>
+      </p:nvGrpSpPr>
+      <p:grpSpPr>
+        <a:xfrm>
+          <a:off x="0" y="0"/>
+          <a:ext cx="0" cy="0"/>
+          <a:chOff x="0" y="0"/>
+          <a:chExt cx="0" cy="0"/>
+        </a:xfrm>
+      </p:grpSpPr>
+      <p:sp>
+        <p:nvSpPr>
+          <p:cNvPr id="3" name="标题 2">
+            <a:extLst>
+              <a:ext uri="{FF2B5EF4-FFF2-40B4-BE49-F238E27FC236}">
+                <a16:creationId xmlns:a16="http://schemas.microsoft.com/office/drawing/2014/main" id="{979686D0-E98B-2613-1171-9CD39D61A6A4}"/>
+              </a:ext>
+            </a:extLst>
+          </p:cNvPr>
+          <p:cNvSpPr>
+            <a:spLocks noGrp="1"/>
+          </p:cNvSpPr>
+          <p:nvPr>
+            <p:ph type="title"/>
+          </p:nvPr>
+        </p:nvSpPr>
+        <p:spPr>
+          <a:xfrm>
+            <a:off x="1" y="8526"/>
+            <a:ext cx="10537372" cy="792162"/>
+          </a:xfrm>
+        </p:spPr>
+        <p:txBody>
+          <a:bodyPr/>
+          <a:lstStyle/>
+          <a:p>
+            <a:r>
+              <a:rPr lang="zh-CN" altLang="en-US" dirty="0">
+                <a:latin typeface="+mn-ea"/>
+              </a:rPr>
+              <a:t>二、</a:t>
+            </a:r>
+            <a:r>
+              <a:rPr lang="zh-CN" altLang="en-US" dirty="0">
+                <a:latin typeface="微软雅黑" pitchFamily="34" charset="-122"/>
+                <a:ea typeface="微软雅黑" pitchFamily="34" charset="-122"/>
+              </a:rPr>
+              <a:t>数据类型</a:t>
+            </a:r>
+            <a:endParaRPr lang="zh-CN" altLang="en-US" dirty="0"/>
+          </a:p>
+        </p:txBody>
+      </p:sp>
+      <p:sp>
+        <p:nvSpPr>
+          <p:cNvPr id="19" name="文本框 6">
+            <a:extLst>
+              <a:ext uri="{FF2B5EF4-FFF2-40B4-BE49-F238E27FC236}">
+                <a16:creationId xmlns:a16="http://schemas.microsoft.com/office/drawing/2014/main" id="{C7DB1091-8910-855C-6F3A-EC7B304CC21F}"/>
+              </a:ext>
+            </a:extLst>
+          </p:cNvPr>
+          <p:cNvSpPr txBox="1"/>
+          <p:nvPr/>
+        </p:nvSpPr>
+        <p:spPr>
+          <a:xfrm>
+            <a:off x="406195" y="1499335"/>
+            <a:ext cx="3091748" cy="743986"/>
+          </a:xfrm>
+          <a:prstGeom prst="rect">
+            <a:avLst/>
+          </a:prstGeom>
+          <a:noFill/>
+        </p:spPr>
+        <p:txBody>
+          <a:bodyPr wrap="square">
+            <a:spAutoFit/>
+          </a:bodyPr>
+          <a:lstStyle/>
+          <a:p>
+            <a:pPr algn="l">
+              <a:lnSpc>
+                <a:spcPct val="150000"/>
+              </a:lnSpc>
+            </a:pPr>
+            <a:r>
+              <a:rPr lang="en-US" altLang="zh-CN" sz="3200" b="1" dirty="0">
+                <a:solidFill>
+                  <a:schemeClr val="accent2"/>
+                </a:solidFill>
+                <a:latin typeface="+mn-ea"/>
+                <a:ea typeface="+mn-ea"/>
+              </a:rPr>
+              <a:t>number</a:t>
+            </a:r>
+          </a:p>
+        </p:txBody>
+      </p:sp>
+      <p:pic>
+        <p:nvPicPr>
+          <p:cNvPr id="5" name="Picture 4" descr="A black rectangle with white text&#10;&#10;AI-generated content may be incorrect.">
+            <a:extLst>
+              <a:ext uri="{FF2B5EF4-FFF2-40B4-BE49-F238E27FC236}">
+                <a16:creationId xmlns:a16="http://schemas.microsoft.com/office/drawing/2014/main" id="{D419F691-9044-44DE-03B6-B63122507408}"/>
+              </a:ext>
+            </a:extLst>
+          </p:cNvPr>
+          <p:cNvPicPr>
+            <a:picLocks noChangeAspect="1"/>
+          </p:cNvPicPr>
+          <p:nvPr/>
+        </p:nvPicPr>
+        <p:blipFill>
+          <a:blip r:embed="rId3"/>
+          <a:stretch>
+            <a:fillRect/>
+          </a:stretch>
+        </p:blipFill>
+        <p:spPr>
+          <a:xfrm>
+            <a:off x="406195" y="2279606"/>
+            <a:ext cx="4529616" cy="913536"/>
+          </a:xfrm>
+          <a:prstGeom prst="rect">
+            <a:avLst/>
+          </a:prstGeom>
+        </p:spPr>
+      </p:pic>
+      <p:sp>
+        <p:nvSpPr>
+          <p:cNvPr id="7" name="TextBox 6">
+            <a:extLst>
+              <a:ext uri="{FF2B5EF4-FFF2-40B4-BE49-F238E27FC236}">
+                <a16:creationId xmlns:a16="http://schemas.microsoft.com/office/drawing/2014/main" id="{F51DEC56-3581-81F0-AA96-9F9FFB3903DC}"/>
+              </a:ext>
+            </a:extLst>
+          </p:cNvPr>
+          <p:cNvSpPr txBox="1"/>
+          <p:nvPr/>
+        </p:nvSpPr>
+        <p:spPr>
+          <a:xfrm>
+            <a:off x="406195" y="3371731"/>
+            <a:ext cx="11952718" cy="2631490"/>
+          </a:xfrm>
+          <a:prstGeom prst="rect">
+            <a:avLst/>
+          </a:prstGeom>
+          <a:noFill/>
+        </p:spPr>
+        <p:txBody>
+          <a:bodyPr wrap="square">
+            <a:spAutoFit/>
+          </a:bodyPr>
+          <a:lstStyle/>
+          <a:p>
+            <a:pPr algn="l"/>
+            <a:r>
+              <a:rPr lang="zh-CN" altLang="en-US" sz="3000" b="1" dirty="0">
+                <a:solidFill>
+                  <a:schemeClr val="accent3"/>
+                </a:solidFill>
+                <a:latin typeface="+mn-ea"/>
+                <a:ea typeface="+mn-ea"/>
+              </a:rPr>
+              <a:t>常用操作</a:t>
+            </a:r>
+            <a:r>
+              <a:rPr lang="zh-CN" altLang="en-US" sz="3000" dirty="0">
+                <a:solidFill>
+                  <a:schemeClr val="accent3"/>
+                </a:solidFill>
+                <a:latin typeface="+mn-ea"/>
+                <a:ea typeface="+mn-ea"/>
+              </a:rPr>
+              <a:t>：</a:t>
+            </a:r>
+            <a:endParaRPr lang="en-US" altLang="zh-CN" sz="3000" dirty="0">
+              <a:solidFill>
+                <a:schemeClr val="accent3"/>
+              </a:solidFill>
+              <a:latin typeface="+mn-ea"/>
+              <a:ea typeface="+mn-ea"/>
+            </a:endParaRPr>
+          </a:p>
+          <a:p>
+            <a:pPr algn="l"/>
+            <a:r>
+              <a:rPr lang="zh-CN" altLang="en-US" sz="3000" dirty="0">
+                <a:solidFill>
+                  <a:schemeClr val="bg2"/>
+                </a:solidFill>
+                <a:latin typeface="+mn-ea"/>
+                <a:ea typeface="+mn-ea"/>
+              </a:rPr>
+              <a:t>算术运算：</a:t>
+            </a:r>
+            <a:r>
+              <a:rPr lang="en-US" altLang="zh-CN" sz="3000" dirty="0">
+                <a:solidFill>
+                  <a:schemeClr val="bg2"/>
+                </a:solidFill>
+                <a:latin typeface="+mn-ea"/>
+                <a:ea typeface="+mn-ea"/>
+              </a:rPr>
+              <a:t>+, -, *, /, //</a:t>
+            </a:r>
+            <a:r>
+              <a:rPr lang="zh-CN" altLang="en-US" sz="3000" dirty="0">
+                <a:solidFill>
+                  <a:schemeClr val="bg2"/>
+                </a:solidFill>
+                <a:latin typeface="+mn-ea"/>
+                <a:ea typeface="+mn-ea"/>
+              </a:rPr>
+              <a:t>（整除）</a:t>
+            </a:r>
+            <a:r>
+              <a:rPr lang="en-US" altLang="zh-CN" sz="3000" dirty="0">
+                <a:solidFill>
+                  <a:schemeClr val="bg2"/>
+                </a:solidFill>
+                <a:latin typeface="+mn-ea"/>
+                <a:ea typeface="+mn-ea"/>
+              </a:rPr>
+              <a:t>, %</a:t>
+            </a:r>
+            <a:r>
+              <a:rPr lang="zh-CN" altLang="en-US" sz="3000" dirty="0">
+                <a:solidFill>
+                  <a:schemeClr val="bg2"/>
+                </a:solidFill>
+                <a:latin typeface="+mn-ea"/>
+                <a:ea typeface="+mn-ea"/>
+              </a:rPr>
+              <a:t>（取模）</a:t>
+            </a:r>
+            <a:r>
+              <a:rPr lang="en-US" altLang="zh-CN" sz="3000" dirty="0">
+                <a:solidFill>
+                  <a:schemeClr val="bg2"/>
+                </a:solidFill>
+                <a:latin typeface="+mn-ea"/>
+                <a:ea typeface="+mn-ea"/>
+              </a:rPr>
+              <a:t>, **</a:t>
+            </a:r>
+            <a:r>
+              <a:rPr lang="zh-CN" altLang="en-US" sz="3000" dirty="0">
+                <a:solidFill>
+                  <a:schemeClr val="bg2"/>
+                </a:solidFill>
+                <a:latin typeface="+mn-ea"/>
+                <a:ea typeface="+mn-ea"/>
+              </a:rPr>
+              <a:t>（幂）</a:t>
+            </a:r>
+          </a:p>
+          <a:p>
+            <a:pPr algn="l"/>
+            <a:r>
+              <a:rPr lang="zh-CN" altLang="en-US" sz="3000" dirty="0">
+                <a:solidFill>
+                  <a:schemeClr val="bg2"/>
+                </a:solidFill>
+                <a:latin typeface="+mn-ea"/>
+                <a:ea typeface="+mn-ea"/>
+              </a:rPr>
+              <a:t>数学函数：</a:t>
+            </a:r>
+            <a:r>
+              <a:rPr lang="en-US" sz="3000" dirty="0">
+                <a:solidFill>
+                  <a:schemeClr val="bg2"/>
+                </a:solidFill>
+                <a:latin typeface="+mn-ea"/>
+                <a:ea typeface="+mn-ea"/>
+              </a:rPr>
+              <a:t>abs(), round(), </a:t>
+            </a:r>
+            <a:r>
+              <a:rPr lang="en-US" sz="3000" dirty="0" err="1">
+                <a:solidFill>
+                  <a:schemeClr val="bg2"/>
+                </a:solidFill>
+                <a:latin typeface="+mn-ea"/>
+                <a:ea typeface="+mn-ea"/>
+              </a:rPr>
+              <a:t>math.sqrt</a:t>
+            </a:r>
+            <a:r>
+              <a:rPr lang="en-US" sz="3000" dirty="0">
+                <a:solidFill>
+                  <a:schemeClr val="bg2"/>
+                </a:solidFill>
+                <a:latin typeface="+mn-ea"/>
+                <a:ea typeface="+mn-ea"/>
+              </a:rPr>
+              <a:t>()</a:t>
+            </a:r>
+          </a:p>
+          <a:p>
+            <a:pPr algn="l">
+              <a:defRPr/>
+            </a:pPr>
+            <a:r>
+              <a:rPr lang="zh-CN" altLang="en-US" sz="3000" dirty="0">
+                <a:solidFill>
+                  <a:prstClr val="black"/>
+                </a:solidFill>
+                <a:latin typeface="微软雅黑"/>
+                <a:ea typeface="微软雅黑"/>
+              </a:rPr>
+              <a:t>类型转换：</a:t>
+            </a:r>
+            <a:r>
+              <a:rPr lang="en-US" sz="3000" dirty="0">
+                <a:solidFill>
+                  <a:prstClr val="black"/>
+                </a:solidFill>
+                <a:latin typeface="微软雅黑"/>
+                <a:ea typeface="微软雅黑"/>
+              </a:rPr>
+              <a:t>int(), float()</a:t>
+            </a:r>
+            <a:endParaRPr lang="en-US" sz="3000" dirty="0">
+              <a:solidFill>
+                <a:schemeClr val="bg2"/>
+              </a:solidFill>
+              <a:latin typeface="+mn-ea"/>
+              <a:ea typeface="+mn-ea"/>
+            </a:endParaRPr>
+          </a:p>
+        </p:txBody>
+      </p:sp>
+      <p:pic>
+        <p:nvPicPr>
+          <p:cNvPr id="11" name="Picture 10" descr="A number and a symbol&#10;&#10;AI-generated content may be incorrect.">
+            <a:extLst>
+              <a:ext uri="{FF2B5EF4-FFF2-40B4-BE49-F238E27FC236}">
+                <a16:creationId xmlns:a16="http://schemas.microsoft.com/office/drawing/2014/main" id="{252A34BE-8A25-C987-51CB-13EA49D5BBB9}"/>
+              </a:ext>
+            </a:extLst>
+          </p:cNvPr>
+          <p:cNvPicPr>
+            <a:picLocks noChangeAspect="1"/>
+          </p:cNvPicPr>
+          <p:nvPr/>
+        </p:nvPicPr>
+        <p:blipFill>
+          <a:blip r:embed="rId4"/>
+          <a:stretch>
+            <a:fillRect/>
+          </a:stretch>
+        </p:blipFill>
+        <p:spPr>
+          <a:xfrm>
+            <a:off x="5051924" y="5417907"/>
+            <a:ext cx="6864305" cy="1054516"/>
+          </a:xfrm>
+          <a:prstGeom prst="rect">
+            <a:avLst/>
+          </a:prstGeom>
+        </p:spPr>
+      </p:pic>
+      <p:sp>
+        <p:nvSpPr>
+          <p:cNvPr id="13" name="TextBox 12">
+            <a:extLst>
+              <a:ext uri="{FF2B5EF4-FFF2-40B4-BE49-F238E27FC236}">
+                <a16:creationId xmlns:a16="http://schemas.microsoft.com/office/drawing/2014/main" id="{4275CA77-B005-F8DF-354C-AF0DFA5E2D96}"/>
+              </a:ext>
+            </a:extLst>
+          </p:cNvPr>
+          <p:cNvSpPr txBox="1"/>
+          <p:nvPr/>
+        </p:nvSpPr>
+        <p:spPr>
+          <a:xfrm>
+            <a:off x="94343" y="846748"/>
+            <a:ext cx="7881972" cy="825419"/>
+          </a:xfrm>
+          <a:prstGeom prst="rect">
+            <a:avLst/>
+          </a:prstGeom>
+          <a:noFill/>
+        </p:spPr>
+        <p:txBody>
+          <a:bodyPr wrap="square" rtlCol="0">
+            <a:spAutoFit/>
+          </a:bodyPr>
+          <a:lstStyle/>
+          <a:p>
+            <a:pPr algn="just">
+              <a:lnSpc>
+                <a:spcPct val="150000"/>
+              </a:lnSpc>
+            </a:pPr>
+            <a:r>
+              <a:rPr lang="en-US" altLang="zh-CN" sz="3600" b="1" dirty="0">
+                <a:solidFill>
+                  <a:srgbClr val="333333"/>
+                </a:solidFill>
+                <a:latin typeface="+mn-ea"/>
+                <a:ea typeface="+mn-ea"/>
+              </a:rPr>
+              <a:t>2. Python</a:t>
+            </a:r>
+            <a:r>
+              <a:rPr lang="zh-CN" altLang="en-US" sz="3600" b="1" dirty="0">
+                <a:solidFill>
+                  <a:srgbClr val="333333"/>
+                </a:solidFill>
+                <a:latin typeface="+mn-ea"/>
+                <a:ea typeface="+mn-ea"/>
+              </a:rPr>
+              <a:t>基本数据类型</a:t>
+            </a:r>
+            <a:endParaRPr lang="en-US" altLang="zh-CN" sz="3600" b="1" dirty="0">
+              <a:solidFill>
+                <a:srgbClr val="333333"/>
+              </a:solidFill>
+              <a:latin typeface="+mn-ea"/>
+              <a:ea typeface="+mn-ea"/>
+            </a:endParaRPr>
+          </a:p>
+        </p:txBody>
+      </p:sp>
+    </p:spTree>
+    <p:extLst>
+      <p:ext uri="{BB962C8B-B14F-4D97-AF65-F5344CB8AC3E}">
+        <p14:creationId xmlns:p14="http://schemas.microsoft.com/office/powerpoint/2010/main" val="3037146437"/>
+      </p:ext>
+    </p:extLst>
+  </p:cSld>
+  <p:clrMapOvr>
+    <a:masterClrMapping/>
+  </p:clrMapOvr>
+  <p:transition>
+    <p:fade/>
+  </p:transition>
+</p:sld>
+</file>
+
+<file path=ppt/slides/slide21.xml><?xml version="1.0" encoding="utf-8"?>
+<p:sld xmlns:a="http://schemas.openxmlformats.org/drawingml/2006/main" xmlns:r="http://schemas.openxmlformats.org/officeDocument/2006/relationships" xmlns:p="http://schemas.openxmlformats.org/presentationml/2006/main">
+  <p:cSld>
+    <p:spTree>
+      <p:nvGrpSpPr>
+        <p:cNvPr id="1" name="">
+          <a:extLst>
+            <a:ext uri="{FF2B5EF4-FFF2-40B4-BE49-F238E27FC236}">
+              <a16:creationId xmlns:a16="http://schemas.microsoft.com/office/drawing/2014/main" id="{C5169629-4195-972E-62A6-2E075C839563}"/>
+            </a:ext>
+          </a:extLst>
+        </p:cNvPr>
+        <p:cNvGrpSpPr/>
+        <p:nvPr/>
+      </p:nvGrpSpPr>
+      <p:grpSpPr>
+        <a:xfrm>
+          <a:off x="0" y="0"/>
+          <a:ext cx="0" cy="0"/>
+          <a:chOff x="0" y="0"/>
+          <a:chExt cx="0" cy="0"/>
+        </a:xfrm>
+      </p:grpSpPr>
+      <p:sp>
+        <p:nvSpPr>
+          <p:cNvPr id="3" name="标题 2">
+            <a:extLst>
+              <a:ext uri="{FF2B5EF4-FFF2-40B4-BE49-F238E27FC236}">
+                <a16:creationId xmlns:a16="http://schemas.microsoft.com/office/drawing/2014/main" id="{280239FC-9E8A-4F3A-6CCD-81EE2AB84838}"/>
+              </a:ext>
+            </a:extLst>
+          </p:cNvPr>
+          <p:cNvSpPr>
+            <a:spLocks noGrp="1"/>
+          </p:cNvSpPr>
+          <p:nvPr>
+            <p:ph type="title"/>
+          </p:nvPr>
+        </p:nvSpPr>
+        <p:spPr>
+          <a:xfrm>
+            <a:off x="1" y="8526"/>
+            <a:ext cx="10537372" cy="792162"/>
+          </a:xfrm>
+        </p:spPr>
+        <p:txBody>
+          <a:bodyPr/>
+          <a:lstStyle/>
+          <a:p>
+            <a:r>
+              <a:rPr lang="zh-CN" altLang="en-US" dirty="0">
+                <a:latin typeface="+mn-ea"/>
+              </a:rPr>
+              <a:t>二、</a:t>
+            </a:r>
+            <a:r>
+              <a:rPr lang="zh-CN" altLang="en-US" dirty="0">
+                <a:latin typeface="微软雅黑" pitchFamily="34" charset="-122"/>
+                <a:ea typeface="微软雅黑" pitchFamily="34" charset="-122"/>
+              </a:rPr>
+              <a:t>数据类型</a:t>
+            </a:r>
+            <a:endParaRPr lang="zh-CN" altLang="en-US" dirty="0"/>
+          </a:p>
+        </p:txBody>
+      </p:sp>
+      <p:sp>
+        <p:nvSpPr>
+          <p:cNvPr id="9" name="文本框 6">
+            <a:extLst>
+              <a:ext uri="{FF2B5EF4-FFF2-40B4-BE49-F238E27FC236}">
+                <a16:creationId xmlns:a16="http://schemas.microsoft.com/office/drawing/2014/main" id="{992F2ED7-670D-AD19-DAB1-3B5E976BA63F}"/>
+              </a:ext>
+            </a:extLst>
+          </p:cNvPr>
+          <p:cNvSpPr txBox="1"/>
+          <p:nvPr/>
+        </p:nvSpPr>
+        <p:spPr>
+          <a:xfrm>
+            <a:off x="224973" y="1577161"/>
+            <a:ext cx="7193682" cy="743986"/>
+          </a:xfrm>
+          <a:prstGeom prst="rect">
+            <a:avLst/>
+          </a:prstGeom>
+          <a:noFill/>
+        </p:spPr>
+        <p:txBody>
+          <a:bodyPr wrap="square">
+            <a:spAutoFit/>
+          </a:bodyPr>
+          <a:lstStyle/>
+          <a:p>
+            <a:pPr algn="l">
+              <a:lnSpc>
+                <a:spcPct val="150000"/>
+              </a:lnSpc>
+            </a:pPr>
+            <a:r>
+              <a:rPr lang="zh-CN" altLang="en-US" sz="3200" b="1" dirty="0">
+                <a:solidFill>
+                  <a:schemeClr val="accent2"/>
+                </a:solidFill>
+                <a:latin typeface="+mn-ea"/>
+                <a:ea typeface="+mn-ea"/>
+              </a:rPr>
+              <a:t>字符串：</a:t>
+            </a:r>
+            <a:r>
+              <a:rPr lang="zh-CN" altLang="en-US" sz="3200" dirty="0">
+                <a:solidFill>
+                  <a:schemeClr val="bg2"/>
+                </a:solidFill>
+                <a:latin typeface="+mn-ea"/>
+                <a:ea typeface="+mn-ea"/>
+              </a:rPr>
+              <a:t>单</a:t>
+            </a:r>
+            <a:r>
+              <a:rPr lang="en-US" altLang="zh-CN" sz="3200" dirty="0">
+                <a:solidFill>
+                  <a:schemeClr val="bg2"/>
+                </a:solidFill>
+                <a:latin typeface="+mn-ea"/>
+                <a:ea typeface="+mn-ea"/>
+              </a:rPr>
+              <a:t>/</a:t>
+            </a:r>
+            <a:r>
+              <a:rPr lang="zh-CN" altLang="en-US" sz="3200" dirty="0">
+                <a:solidFill>
+                  <a:schemeClr val="bg2"/>
+                </a:solidFill>
+                <a:latin typeface="+mn-ea"/>
+                <a:ea typeface="+mn-ea"/>
+              </a:rPr>
+              <a:t>双引号包裹的文本</a:t>
+            </a:r>
+            <a:endParaRPr lang="en-US" altLang="zh-CN" sz="3200" b="1" dirty="0">
+              <a:solidFill>
+                <a:schemeClr val="accent2"/>
+              </a:solidFill>
+              <a:latin typeface="+mn-ea"/>
+              <a:ea typeface="+mn-ea"/>
+            </a:endParaRPr>
+          </a:p>
+        </p:txBody>
+      </p:sp>
+      <p:pic>
+        <p:nvPicPr>
+          <p:cNvPr id="14" name="Picture 13">
+            <a:extLst>
+              <a:ext uri="{FF2B5EF4-FFF2-40B4-BE49-F238E27FC236}">
+                <a16:creationId xmlns:a16="http://schemas.microsoft.com/office/drawing/2014/main" id="{1C0401D8-4404-F6EE-5CFB-A4E5B546DED5}"/>
+              </a:ext>
+            </a:extLst>
+          </p:cNvPr>
+          <p:cNvPicPr>
+            <a:picLocks noChangeAspect="1"/>
+          </p:cNvPicPr>
+          <p:nvPr/>
+        </p:nvPicPr>
+        <p:blipFill>
+          <a:blip r:embed="rId3"/>
+          <a:stretch>
+            <a:fillRect/>
+          </a:stretch>
+        </p:blipFill>
+        <p:spPr>
+          <a:xfrm>
+            <a:off x="1061129" y="5612114"/>
+            <a:ext cx="10069742" cy="1045107"/>
+          </a:xfrm>
+          <a:prstGeom prst="rect">
+            <a:avLst/>
+          </a:prstGeom>
+        </p:spPr>
+      </p:pic>
+      <p:grpSp>
+        <p:nvGrpSpPr>
+          <p:cNvPr id="2" name="组合 1">
+            <a:extLst>
+              <a:ext uri="{FF2B5EF4-FFF2-40B4-BE49-F238E27FC236}">
+                <a16:creationId xmlns:a16="http://schemas.microsoft.com/office/drawing/2014/main" id="{BB64BF54-90A2-6BFA-9700-6DE34EAAB1A1}"/>
+              </a:ext>
+            </a:extLst>
+          </p:cNvPr>
+          <p:cNvGrpSpPr/>
+          <p:nvPr/>
+        </p:nvGrpSpPr>
+        <p:grpSpPr>
+          <a:xfrm>
+            <a:off x="7169569" y="2117972"/>
+            <a:ext cx="3833277" cy="1677514"/>
+            <a:chOff x="6822961" y="2250980"/>
+            <a:chExt cx="2932866" cy="1290493"/>
+          </a:xfrm>
+        </p:grpSpPr>
+        <p:pic>
+          <p:nvPicPr>
+            <p:cNvPr id="12" name="Picture 11" descr="A black and white sign with orange text&#10;&#10;AI-generated content may be incorrect.">
+              <a:extLst>
+                <a:ext uri="{FF2B5EF4-FFF2-40B4-BE49-F238E27FC236}">
+                  <a16:creationId xmlns:a16="http://schemas.microsoft.com/office/drawing/2014/main" id="{187E6F44-1324-218F-7908-094F56249B5E}"/>
+                </a:ext>
+              </a:extLst>
+            </p:cNvPr>
+            <p:cNvPicPr>
+              <a:picLocks noChangeAspect="1"/>
+            </p:cNvPicPr>
+            <p:nvPr/>
+          </p:nvPicPr>
+          <p:blipFill>
+            <a:blip r:embed="rId4"/>
+            <a:stretch>
+              <a:fillRect/>
+            </a:stretch>
+          </p:blipFill>
+          <p:spPr>
+            <a:xfrm>
+              <a:off x="6822961" y="2737483"/>
+              <a:ext cx="2932866" cy="803990"/>
+            </a:xfrm>
+            <a:prstGeom prst="rect">
+              <a:avLst/>
+            </a:prstGeom>
+          </p:spPr>
+        </p:pic>
+        <p:sp>
+          <p:nvSpPr>
+            <p:cNvPr id="27" name="TextBox 26">
+              <a:extLst>
+                <a:ext uri="{FF2B5EF4-FFF2-40B4-BE49-F238E27FC236}">
+                  <a16:creationId xmlns:a16="http://schemas.microsoft.com/office/drawing/2014/main" id="{3E6B516C-F780-1627-8BB1-59513E674566}"/>
+                </a:ext>
+              </a:extLst>
+            </p:cNvPr>
+            <p:cNvSpPr txBox="1"/>
+            <p:nvPr/>
+          </p:nvSpPr>
+          <p:spPr>
+            <a:xfrm>
+              <a:off x="6919146" y="2250980"/>
+              <a:ext cx="2446737" cy="402507"/>
+            </a:xfrm>
+            <a:prstGeom prst="rect">
+              <a:avLst/>
+            </a:prstGeom>
+            <a:noFill/>
+          </p:spPr>
+          <p:txBody>
+            <a:bodyPr wrap="square">
+              <a:spAutoFit/>
+            </a:bodyPr>
+            <a:lstStyle/>
+            <a:p>
+              <a:r>
+                <a:rPr lang="zh-CN" altLang="en-US" sz="2800" dirty="0">
+                  <a:solidFill>
+                    <a:schemeClr val="bg2"/>
+                  </a:solidFill>
+                  <a:latin typeface="+mn-ea"/>
+                  <a:ea typeface="+mn-ea"/>
+                </a:rPr>
+                <a:t>字符串创建</a:t>
+              </a:r>
+              <a:endParaRPr lang="en-CN" sz="2800" dirty="0">
+                <a:solidFill>
+                  <a:schemeClr val="bg2"/>
+                </a:solidFill>
+              </a:endParaRPr>
+            </a:p>
+          </p:txBody>
+        </p:sp>
+      </p:grpSp>
+      <p:sp>
+        <p:nvSpPr>
+          <p:cNvPr id="5" name="TextBox 4">
+            <a:extLst>
+              <a:ext uri="{FF2B5EF4-FFF2-40B4-BE49-F238E27FC236}">
+                <a16:creationId xmlns:a16="http://schemas.microsoft.com/office/drawing/2014/main" id="{01F43913-1DFC-079D-2F48-2ACB78444BF9}"/>
+              </a:ext>
+            </a:extLst>
+          </p:cNvPr>
+          <p:cNvSpPr txBox="1"/>
+          <p:nvPr/>
+        </p:nvSpPr>
+        <p:spPr>
+          <a:xfrm>
+            <a:off x="224973" y="2442015"/>
+            <a:ext cx="8280398" cy="3170099"/>
+          </a:xfrm>
+          <a:prstGeom prst="rect">
+            <a:avLst/>
+          </a:prstGeom>
+          <a:noFill/>
+        </p:spPr>
+        <p:txBody>
+          <a:bodyPr wrap="square">
+            <a:spAutoFit/>
+          </a:bodyPr>
+          <a:lstStyle/>
+          <a:p>
+            <a:pPr algn="l"/>
+            <a:r>
+              <a:rPr lang="zh-CN" altLang="en-US" sz="3200" b="1" dirty="0">
+                <a:solidFill>
+                  <a:schemeClr val="bg2"/>
+                </a:solidFill>
+                <a:latin typeface="+mn-ea"/>
+                <a:ea typeface="+mn-ea"/>
+              </a:rPr>
+              <a:t>常用操作：</a:t>
+            </a:r>
+            <a:endParaRPr lang="en-US" altLang="zh-CN" sz="3200" b="1" dirty="0">
+              <a:solidFill>
+                <a:schemeClr val="bg2"/>
+              </a:solidFill>
+              <a:latin typeface="+mn-ea"/>
+              <a:ea typeface="+mn-ea"/>
+            </a:endParaRPr>
+          </a:p>
+          <a:p>
+            <a:pPr algn="l"/>
+            <a:r>
+              <a:rPr lang="zh-CN" altLang="en-US" sz="2800" dirty="0">
+                <a:solidFill>
+                  <a:schemeClr val="bg2"/>
+                </a:solidFill>
+                <a:latin typeface="+mn-ea"/>
+                <a:ea typeface="+mn-ea"/>
+              </a:rPr>
+              <a:t>索引与切片：</a:t>
+            </a:r>
+            <a:r>
+              <a:rPr lang="en-US" sz="2800" dirty="0">
+                <a:solidFill>
+                  <a:schemeClr val="bg2"/>
+                </a:solidFill>
+                <a:latin typeface="+mn-ea"/>
+                <a:ea typeface="+mn-ea"/>
+              </a:rPr>
+              <a:t>s[0], s[1:4]</a:t>
+            </a:r>
+          </a:p>
+          <a:p>
+            <a:pPr algn="l"/>
+            <a:r>
+              <a:rPr lang="zh-CN" altLang="en-US" sz="2800" dirty="0">
+                <a:solidFill>
+                  <a:schemeClr val="bg2"/>
+                </a:solidFill>
+                <a:latin typeface="+mn-ea"/>
+                <a:ea typeface="+mn-ea"/>
+              </a:rPr>
+              <a:t>拼接与重复：</a:t>
+            </a:r>
+            <a:r>
+              <a:rPr lang="en-US" altLang="zh-CN" sz="2800" dirty="0">
+                <a:solidFill>
+                  <a:schemeClr val="bg2"/>
+                </a:solidFill>
+                <a:latin typeface="+mn-ea"/>
+                <a:ea typeface="+mn-ea"/>
+              </a:rPr>
+              <a:t>+, *</a:t>
+            </a:r>
+          </a:p>
+          <a:p>
+            <a:pPr algn="l"/>
+            <a:r>
+              <a:rPr lang="zh-CN" altLang="en-US" sz="2800" dirty="0">
+                <a:solidFill>
+                  <a:schemeClr val="bg2"/>
+                </a:solidFill>
+                <a:latin typeface="+mn-ea"/>
+                <a:ea typeface="+mn-ea"/>
+              </a:rPr>
+              <a:t>方法：</a:t>
+            </a:r>
+            <a:r>
+              <a:rPr lang="en-US" altLang="zh-CN" sz="2800" dirty="0">
+                <a:solidFill>
+                  <a:schemeClr val="bg2"/>
+                </a:solidFill>
+                <a:latin typeface="+mn-ea"/>
+                <a:ea typeface="+mn-ea"/>
+              </a:rPr>
+              <a:t>.</a:t>
+            </a:r>
+            <a:r>
+              <a:rPr lang="en-US" sz="2800" dirty="0">
+                <a:solidFill>
+                  <a:schemeClr val="bg2"/>
+                </a:solidFill>
+                <a:latin typeface="+mn-ea"/>
+                <a:ea typeface="+mn-ea"/>
+              </a:rPr>
+              <a:t>lower(), .upper(), .split(), .strip()</a:t>
+            </a:r>
+          </a:p>
+          <a:p>
+            <a:pPr algn="l"/>
+            <a:r>
+              <a:rPr lang="zh-CN" altLang="en-US" sz="2800" dirty="0">
+                <a:solidFill>
+                  <a:schemeClr val="bg2"/>
+                </a:solidFill>
+                <a:latin typeface="+mn-ea"/>
+                <a:ea typeface="+mn-ea"/>
+              </a:rPr>
+              <a:t>格式化：</a:t>
+            </a:r>
+            <a:r>
+              <a:rPr lang="en-US" sz="2800" dirty="0">
+                <a:solidFill>
+                  <a:schemeClr val="bg2"/>
+                </a:solidFill>
+                <a:latin typeface="+mn-ea"/>
+                <a:ea typeface="+mn-ea"/>
+              </a:rPr>
+              <a:t>f"{name} is {age} years old"</a:t>
+            </a:r>
+            <a:endParaRPr lang="zh-CN" altLang="en-US" sz="2800" dirty="0">
+              <a:solidFill>
+                <a:schemeClr val="bg2"/>
+              </a:solidFill>
+              <a:latin typeface="+mn-ea"/>
+              <a:ea typeface="+mn-ea"/>
+            </a:endParaRPr>
+          </a:p>
+        </p:txBody>
+      </p:sp>
+      <p:sp>
+        <p:nvSpPr>
+          <p:cNvPr id="6" name="TextBox 5">
+            <a:extLst>
+              <a:ext uri="{FF2B5EF4-FFF2-40B4-BE49-F238E27FC236}">
+                <a16:creationId xmlns:a16="http://schemas.microsoft.com/office/drawing/2014/main" id="{5773AFEA-C282-287B-9DC2-A81B7A537632}"/>
+              </a:ext>
+            </a:extLst>
+          </p:cNvPr>
+          <p:cNvSpPr txBox="1"/>
+          <p:nvPr/>
+        </p:nvSpPr>
+        <p:spPr>
+          <a:xfrm>
+            <a:off x="116114" y="846748"/>
+            <a:ext cx="7860201" cy="825419"/>
+          </a:xfrm>
+          <a:prstGeom prst="rect">
+            <a:avLst/>
+          </a:prstGeom>
+          <a:noFill/>
+        </p:spPr>
+        <p:txBody>
+          <a:bodyPr wrap="square" rtlCol="0">
+            <a:spAutoFit/>
+          </a:bodyPr>
+          <a:lstStyle/>
+          <a:p>
+            <a:pPr algn="just">
+              <a:lnSpc>
+                <a:spcPct val="150000"/>
+              </a:lnSpc>
+            </a:pPr>
+            <a:r>
+              <a:rPr lang="en-US" altLang="zh-CN" sz="3600" b="1" dirty="0">
+                <a:solidFill>
+                  <a:srgbClr val="333333"/>
+                </a:solidFill>
+                <a:latin typeface="+mn-ea"/>
+                <a:ea typeface="+mn-ea"/>
+              </a:rPr>
+              <a:t>2. Python</a:t>
+            </a:r>
+            <a:r>
+              <a:rPr lang="zh-CN" altLang="en-US" sz="3600" b="1" dirty="0">
+                <a:solidFill>
+                  <a:srgbClr val="333333"/>
+                </a:solidFill>
+                <a:latin typeface="+mn-ea"/>
+                <a:ea typeface="+mn-ea"/>
+              </a:rPr>
+              <a:t>基本数据类型</a:t>
+            </a:r>
+            <a:endParaRPr lang="en-US" altLang="zh-CN" sz="3600" b="1" dirty="0">
+              <a:solidFill>
+                <a:srgbClr val="333333"/>
+              </a:solidFill>
+              <a:latin typeface="+mn-ea"/>
+              <a:ea typeface="+mn-ea"/>
+            </a:endParaRPr>
+          </a:p>
+        </p:txBody>
+      </p:sp>
+    </p:spTree>
+    <p:extLst>
+      <p:ext uri="{BB962C8B-B14F-4D97-AF65-F5344CB8AC3E}">
+        <p14:creationId xmlns:p14="http://schemas.microsoft.com/office/powerpoint/2010/main" val="3486418074"/>
+      </p:ext>
+    </p:extLst>
+  </p:cSld>
+  <p:clrMapOvr>
+    <a:masterClrMapping/>
+  </p:clrMapOvr>
+  <p:transition>
+    <p:fade/>
+  </p:transition>
+</p:sld>
+</file>
+
+<file path=ppt/slides/slide22.xml><?xml version="1.0" encoding="utf-8"?>
+<p:sld xmlns:a="http://schemas.openxmlformats.org/drawingml/2006/main" xmlns:r="http://schemas.openxmlformats.org/officeDocument/2006/relationships" xmlns:p="http://schemas.openxmlformats.org/presentationml/2006/main">
+  <p:cSld>
+    <p:spTree>
+      <p:nvGrpSpPr>
+        <p:cNvPr id="1" name="">
+          <a:extLst>
+            <a:ext uri="{FF2B5EF4-FFF2-40B4-BE49-F238E27FC236}">
               <a16:creationId xmlns:a16="http://schemas.microsoft.com/office/drawing/2014/main" id="{BA6A1E9C-7A5C-BC9C-987C-57B08B5D2D77}"/>
             </a:ext>
           </a:extLst>
@@ -25708,7 +26880,7 @@
 </p:sld>
 </file>
 
-<file path=ppt/slides/slide21.xml><?xml version="1.0" encoding="utf-8"?>
+<file path=ppt/slides/slide23.xml><?xml version="1.0" encoding="utf-8"?>
 <p:sld xmlns:a="http://schemas.openxmlformats.org/drawingml/2006/main" xmlns:r="http://schemas.openxmlformats.org/officeDocument/2006/relationships" xmlns:p="http://schemas.openxmlformats.org/presentationml/2006/main">
   <p:cSld>
     <p:spTree>
@@ -26948,7 +28120,7 @@
 </p:sld>
 </file>
 
-<file path=ppt/slides/slide22.xml><?xml version="1.0" encoding="utf-8"?>
+<file path=ppt/slides/slide24.xml><?xml version="1.0" encoding="utf-8"?>
 <p:sld xmlns:a="http://schemas.openxmlformats.org/drawingml/2006/main" xmlns:r="http://schemas.openxmlformats.org/officeDocument/2006/relationships" xmlns:p="http://schemas.openxmlformats.org/presentationml/2006/main">
   <p:cSld>
     <p:spTree>
@@ -27468,7 +28640,7 @@
 </p:sld>
 </file>
 
-<file path=ppt/slides/slide23.xml><?xml version="1.0" encoding="utf-8"?>
+<file path=ppt/slides/slide25.xml><?xml version="1.0" encoding="utf-8"?>
 <p:sld xmlns:a="http://schemas.openxmlformats.org/drawingml/2006/main" xmlns:r="http://schemas.openxmlformats.org/officeDocument/2006/relationships" xmlns:p="http://schemas.openxmlformats.org/presentationml/2006/main">
   <p:cSld>
     <p:spTree>
@@ -28075,7 +29247,7 @@
 </p:sld>
 </file>
 
-<file path=ppt/slides/slide24.xml><?xml version="1.0" encoding="utf-8"?>
+<file path=ppt/slides/slide26.xml><?xml version="1.0" encoding="utf-8"?>
 <p:sld xmlns:a="http://schemas.openxmlformats.org/drawingml/2006/main" xmlns:r="http://schemas.openxmlformats.org/officeDocument/2006/relationships" xmlns:p="http://schemas.openxmlformats.org/presentationml/2006/main">
   <p:cSld>
     <p:spTree>
@@ -28363,7 +29535,7 @@
 </p:sld>
 </file>
 
-<file path=ppt/slides/slide25.xml><?xml version="1.0" encoding="utf-8"?>
+<file path=ppt/slides/slide27.xml><?xml version="1.0" encoding="utf-8"?>
 <p:sld xmlns:a="http://schemas.openxmlformats.org/drawingml/2006/main" xmlns:r="http://schemas.openxmlformats.org/officeDocument/2006/relationships" xmlns:p="http://schemas.openxmlformats.org/presentationml/2006/main">
   <p:cSld>
     <p:spTree>
@@ -30115,65 +31287,6 @@
           </a:p>
         </p:txBody>
       </p:sp>
-      <p:pic>
-        <p:nvPicPr>
-          <p:cNvPr id="6" name="Picture 5" descr="A black background with white text&#10;&#10;AI-generated content may be incorrect.">
-            <a:extLst>
-              <a:ext uri="{FF2B5EF4-FFF2-40B4-BE49-F238E27FC236}">
-                <a16:creationId xmlns:a16="http://schemas.microsoft.com/office/drawing/2014/main" id="{FE30BAF6-7A90-6F63-659D-D4DB1DEFE0D8}"/>
-              </a:ext>
-            </a:extLst>
-          </p:cNvPr>
-          <p:cNvPicPr>
-            <a:picLocks noChangeAspect="1"/>
-          </p:cNvPicPr>
-          <p:nvPr/>
-        </p:nvPicPr>
-        <p:blipFill>
-          <a:blip r:embed="rId3"/>
-          <a:srcRect l="-1" r="14380"/>
-          <a:stretch/>
-        </p:blipFill>
-        <p:spPr>
-          <a:xfrm>
-            <a:off x="464622" y="3580928"/>
-            <a:ext cx="5866100" cy="2043358"/>
-          </a:xfrm>
-          <a:prstGeom prst="rect">
-            <a:avLst/>
-          </a:prstGeom>
-        </p:spPr>
-      </p:pic>
-      <p:pic>
-        <p:nvPicPr>
-          <p:cNvPr id="8" name="Picture 7" descr="A black background with white text and blue text&#10;&#10;AI-generated content may be incorrect.">
-            <a:extLst>
-              <a:ext uri="{FF2B5EF4-FFF2-40B4-BE49-F238E27FC236}">
-                <a16:creationId xmlns:a16="http://schemas.microsoft.com/office/drawing/2014/main" id="{5EBA9DC3-9106-59D4-3F66-A04564D06C41}"/>
-              </a:ext>
-            </a:extLst>
-          </p:cNvPr>
-          <p:cNvPicPr>
-            <a:picLocks noChangeAspect="1"/>
-          </p:cNvPicPr>
-          <p:nvPr/>
-        </p:nvPicPr>
-        <p:blipFill>
-          <a:blip r:embed="rId4"/>
-          <a:stretch>
-            <a:fillRect/>
-          </a:stretch>
-        </p:blipFill>
-        <p:spPr>
-          <a:xfrm>
-            <a:off x="6558783" y="3580928"/>
-            <a:ext cx="5168494" cy="2043358"/>
-          </a:xfrm>
-          <a:prstGeom prst="rect">
-            <a:avLst/>
-          </a:prstGeom>
-        </p:spPr>
-      </p:pic>
       <p:sp>
         <p:nvSpPr>
           <p:cNvPr id="10" name="TextBox 9">
@@ -30223,6 +31336,288 @@
               </a:solidFill>
               <a:latin typeface="+mn-ea"/>
               <a:ea typeface="+mn-ea"/>
+            </a:endParaRPr>
+          </a:p>
+        </p:txBody>
+      </p:sp>
+      <p:sp>
+        <p:nvSpPr>
+          <p:cNvPr id="5" name="文本框 4">
+            <a:extLst>
+              <a:ext uri="{FF2B5EF4-FFF2-40B4-BE49-F238E27FC236}">
+                <a16:creationId xmlns:a16="http://schemas.microsoft.com/office/drawing/2014/main" id="{28C68DFA-EAEC-1169-61BF-3E918856D5A6}"/>
+              </a:ext>
+            </a:extLst>
+          </p:cNvPr>
+          <p:cNvSpPr txBox="1"/>
+          <p:nvPr/>
+        </p:nvSpPr>
+        <p:spPr>
+          <a:xfrm>
+            <a:off x="358127" y="3799782"/>
+            <a:ext cx="6124654" cy="2062103"/>
+          </a:xfrm>
+          <a:prstGeom prst="rect">
+            <a:avLst/>
+          </a:prstGeom>
+          <a:noFill/>
+        </p:spPr>
+        <p:txBody>
+          <a:bodyPr wrap="square">
+            <a:spAutoFit/>
+          </a:bodyPr>
+          <a:lstStyle/>
+          <a:p>
+            <a:pPr algn="l">
+              <a:buNone/>
+            </a:pPr>
+            <a:r>
+              <a:rPr lang="en-US" altLang="zh-CN" sz="3200" b="1" dirty="0" err="1">
+                <a:solidFill>
+                  <a:srgbClr val="001080"/>
+                </a:solidFill>
+                <a:effectLst/>
+                <a:latin typeface="Times New Roman" panose="02020603050405020304" pitchFamily="18" charset="0"/>
+                <a:ea typeface="+mn-ea"/>
+                <a:cs typeface="Times New Roman" panose="02020603050405020304" pitchFamily="18" charset="0"/>
+              </a:rPr>
+              <a:t>Student_name</a:t>
+            </a:r>
+            <a:r>
+              <a:rPr lang="en-US" altLang="zh-CN" sz="3200" b="1" dirty="0">
+                <a:solidFill>
+                  <a:srgbClr val="000000"/>
+                </a:solidFill>
+                <a:effectLst/>
+                <a:latin typeface="Times New Roman" panose="02020603050405020304" pitchFamily="18" charset="0"/>
+                <a:ea typeface="+mn-ea"/>
+                <a:cs typeface="Times New Roman" panose="02020603050405020304" pitchFamily="18" charset="0"/>
+              </a:rPr>
+              <a:t> = </a:t>
+            </a:r>
+            <a:r>
+              <a:rPr lang="en-US" altLang="zh-CN" sz="3200" b="1" dirty="0">
+                <a:solidFill>
+                  <a:srgbClr val="A31515"/>
+                </a:solidFill>
+                <a:latin typeface="Times New Roman" panose="02020603050405020304" pitchFamily="18" charset="0"/>
+                <a:cs typeface="Times New Roman" panose="02020603050405020304" pitchFamily="18" charset="0"/>
+              </a:rPr>
+              <a:t>"Hello, World!"</a:t>
+            </a:r>
+            <a:r>
+              <a:rPr lang="en-US" altLang="zh-CN" sz="3200" b="1" dirty="0">
+                <a:solidFill>
+                  <a:srgbClr val="0000FF"/>
+                </a:solidFill>
+                <a:effectLst/>
+                <a:latin typeface="Times New Roman" panose="02020603050405020304" pitchFamily="18" charset="0"/>
+                <a:ea typeface="+mn-ea"/>
+                <a:cs typeface="Times New Roman" panose="02020603050405020304" pitchFamily="18" charset="0"/>
+              </a:rPr>
+              <a:t>  </a:t>
+            </a:r>
+            <a:endParaRPr lang="en-US" altLang="zh-CN" sz="3200" b="1" dirty="0">
+              <a:solidFill>
+                <a:srgbClr val="000000"/>
+              </a:solidFill>
+              <a:effectLst/>
+              <a:latin typeface="Times New Roman" panose="02020603050405020304" pitchFamily="18" charset="0"/>
+              <a:ea typeface="+mn-ea"/>
+              <a:cs typeface="Times New Roman" panose="02020603050405020304" pitchFamily="18" charset="0"/>
+            </a:endParaRPr>
+          </a:p>
+          <a:p>
+            <a:pPr algn="l">
+              <a:buNone/>
+            </a:pPr>
+            <a:r>
+              <a:rPr lang="en-US" altLang="zh-CN" sz="3200" b="1" dirty="0">
+                <a:solidFill>
+                  <a:srgbClr val="001080"/>
+                </a:solidFill>
+                <a:latin typeface="Times New Roman" panose="02020603050405020304" pitchFamily="18" charset="0"/>
+                <a:ea typeface="+mn-ea"/>
+                <a:cs typeface="Times New Roman" panose="02020603050405020304" pitchFamily="18" charset="0"/>
+              </a:rPr>
+              <a:t>2year = 2023</a:t>
+            </a:r>
+          </a:p>
+          <a:p>
+            <a:pPr algn="l">
+              <a:buNone/>
+            </a:pPr>
+            <a:r>
+              <a:rPr lang="en-US" altLang="zh-CN" sz="3200" b="1" dirty="0">
+                <a:solidFill>
+                  <a:srgbClr val="001080"/>
+                </a:solidFill>
+                <a:latin typeface="Times New Roman" panose="02020603050405020304" pitchFamily="18" charset="0"/>
+                <a:ea typeface="+mn-ea"/>
+                <a:cs typeface="Times New Roman" panose="02020603050405020304" pitchFamily="18" charset="0"/>
+              </a:rPr>
+              <a:t>First-name = </a:t>
+            </a:r>
+            <a:r>
+              <a:rPr lang="en-US" altLang="zh-CN" sz="3200" b="1" dirty="0">
+                <a:solidFill>
+                  <a:srgbClr val="A31515"/>
+                </a:solidFill>
+                <a:latin typeface="Times New Roman" panose="02020603050405020304" pitchFamily="18" charset="0"/>
+                <a:cs typeface="Times New Roman" panose="02020603050405020304" pitchFamily="18" charset="0"/>
+              </a:rPr>
+              <a:t>“Alice"</a:t>
+            </a:r>
+            <a:endParaRPr lang="en-US" altLang="zh-CN" sz="3200" b="1" dirty="0">
+              <a:solidFill>
+                <a:srgbClr val="001080"/>
+              </a:solidFill>
+              <a:latin typeface="Times New Roman" panose="02020603050405020304" pitchFamily="18" charset="0"/>
+              <a:ea typeface="+mn-ea"/>
+              <a:cs typeface="Times New Roman" panose="02020603050405020304" pitchFamily="18" charset="0"/>
+            </a:endParaRPr>
+          </a:p>
+        </p:txBody>
+      </p:sp>
+      <p:sp>
+        <p:nvSpPr>
+          <p:cNvPr id="9" name="文本框 8">
+            <a:extLst>
+              <a:ext uri="{FF2B5EF4-FFF2-40B4-BE49-F238E27FC236}">
+                <a16:creationId xmlns:a16="http://schemas.microsoft.com/office/drawing/2014/main" id="{D0188880-46D2-3B54-7DC5-27E0BB7E916D}"/>
+              </a:ext>
+            </a:extLst>
+          </p:cNvPr>
+          <p:cNvSpPr txBox="1"/>
+          <p:nvPr/>
+        </p:nvSpPr>
+        <p:spPr>
+          <a:xfrm>
+            <a:off x="6779172" y="3799782"/>
+            <a:ext cx="4953384" cy="2062103"/>
+          </a:xfrm>
+          <a:prstGeom prst="rect">
+            <a:avLst/>
+          </a:prstGeom>
+          <a:noFill/>
+        </p:spPr>
+        <p:txBody>
+          <a:bodyPr wrap="square">
+            <a:spAutoFit/>
+          </a:bodyPr>
+          <a:lstStyle/>
+          <a:p>
+            <a:pPr algn="l">
+              <a:buNone/>
+            </a:pPr>
+            <a:r>
+              <a:rPr lang="en-US" altLang="zh-CN" sz="3200" b="1" dirty="0">
+                <a:solidFill>
+                  <a:srgbClr val="001080"/>
+                </a:solidFill>
+                <a:latin typeface="Times New Roman" panose="02020603050405020304" pitchFamily="18" charset="0"/>
+                <a:ea typeface="+mn-ea"/>
+                <a:cs typeface="Times New Roman" panose="02020603050405020304" pitchFamily="18" charset="0"/>
+              </a:rPr>
+              <a:t>_count</a:t>
+            </a:r>
+            <a:r>
+              <a:rPr lang="en-US" altLang="zh-CN" sz="3200" b="1" dirty="0">
+                <a:solidFill>
+                  <a:srgbClr val="000000"/>
+                </a:solidFill>
+                <a:effectLst/>
+                <a:latin typeface="Times New Roman" panose="02020603050405020304" pitchFamily="18" charset="0"/>
+                <a:ea typeface="+mn-ea"/>
+                <a:cs typeface="Times New Roman" panose="02020603050405020304" pitchFamily="18" charset="0"/>
+              </a:rPr>
+              <a:t> = 10</a:t>
+            </a:r>
+          </a:p>
+          <a:p>
+            <a:pPr algn="l">
+              <a:buNone/>
+            </a:pPr>
+            <a:r>
+              <a:rPr lang="en-US" altLang="zh-CN" sz="3200" b="1" dirty="0">
+                <a:solidFill>
+                  <a:srgbClr val="001080"/>
+                </a:solidFill>
+                <a:effectLst/>
+                <a:latin typeface="Times New Roman" panose="02020603050405020304" pitchFamily="18" charset="0"/>
+                <a:ea typeface="+mn-ea"/>
+                <a:cs typeface="Times New Roman" panose="02020603050405020304" pitchFamily="18" charset="0"/>
+              </a:rPr>
+              <a:t>total_price_2023</a:t>
+            </a:r>
+            <a:r>
+              <a:rPr lang="en-US" altLang="zh-CN" sz="3200" b="1" dirty="0">
+                <a:solidFill>
+                  <a:srgbClr val="000000"/>
+                </a:solidFill>
+                <a:effectLst/>
+                <a:latin typeface="Times New Roman" panose="02020603050405020304" pitchFamily="18" charset="0"/>
+                <a:ea typeface="+mn-ea"/>
+                <a:cs typeface="Times New Roman" panose="02020603050405020304" pitchFamily="18" charset="0"/>
+              </a:rPr>
+              <a:t> = </a:t>
+            </a:r>
+            <a:r>
+              <a:rPr lang="en-US" altLang="zh-CN" sz="3200" b="1" dirty="0">
+                <a:solidFill>
+                  <a:srgbClr val="098658"/>
+                </a:solidFill>
+                <a:latin typeface="Times New Roman" panose="02020603050405020304" pitchFamily="18" charset="0"/>
+                <a:ea typeface="+mn-ea"/>
+                <a:cs typeface="Times New Roman" panose="02020603050405020304" pitchFamily="18" charset="0"/>
+              </a:rPr>
+              <a:t>100.5</a:t>
+            </a:r>
+          </a:p>
+          <a:p>
+            <a:pPr algn="l">
+              <a:buNone/>
+            </a:pPr>
+            <a:r>
+              <a:rPr lang="en-US" altLang="zh-CN" sz="3200" b="1" dirty="0">
+                <a:solidFill>
+                  <a:srgbClr val="001080"/>
+                </a:solidFill>
+                <a:latin typeface="Times New Roman" panose="02020603050405020304" pitchFamily="18" charset="0"/>
+                <a:cs typeface="Times New Roman" panose="02020603050405020304" pitchFamily="18" charset="0"/>
+              </a:rPr>
+              <a:t>print</a:t>
+            </a:r>
+            <a:r>
+              <a:rPr lang="en-US" altLang="zh-CN" sz="3200" b="1" dirty="0">
+                <a:solidFill>
+                  <a:srgbClr val="000000"/>
+                </a:solidFill>
+                <a:effectLst/>
+                <a:latin typeface="Times New Roman" panose="02020603050405020304" pitchFamily="18" charset="0"/>
+                <a:ea typeface="+mn-ea"/>
+                <a:cs typeface="Times New Roman" panose="02020603050405020304" pitchFamily="18" charset="0"/>
+              </a:rPr>
+              <a:t> = </a:t>
+            </a:r>
+            <a:r>
+              <a:rPr lang="en-US" altLang="zh-CN" sz="3200" b="1" dirty="0">
+                <a:solidFill>
+                  <a:srgbClr val="A31515"/>
+                </a:solidFill>
+                <a:latin typeface="Times New Roman" panose="02020603050405020304" pitchFamily="18" charset="0"/>
+                <a:cs typeface="Times New Roman" panose="02020603050405020304" pitchFamily="18" charset="0"/>
+              </a:rPr>
+              <a:t>“cs101"</a:t>
+            </a:r>
+            <a:endParaRPr lang="en-US" altLang="zh-CN" sz="3200" b="1" dirty="0">
+              <a:solidFill>
+                <a:srgbClr val="000000"/>
+              </a:solidFill>
+              <a:effectLst/>
+              <a:latin typeface="Times New Roman" panose="02020603050405020304" pitchFamily="18" charset="0"/>
+              <a:ea typeface="+mn-ea"/>
+              <a:cs typeface="Times New Roman" panose="02020603050405020304" pitchFamily="18" charset="0"/>
             </a:endParaRPr>
           </a:p>
         </p:txBody>
@@ -30719,36 +32114,273 @@
           </a:p>
         </p:txBody>
       </p:sp>
-      <p:pic>
-        <p:nvPicPr>
-          <p:cNvPr id="14" name="Picture 13" descr="A screen shot of a computer code&#10;&#10;AI-generated content may be incorrect.">
+      <p:sp>
+        <p:nvSpPr>
+          <p:cNvPr id="5" name="文本框 4">
             <a:extLst>
               <a:ext uri="{FF2B5EF4-FFF2-40B4-BE49-F238E27FC236}">
-                <a16:creationId xmlns:a16="http://schemas.microsoft.com/office/drawing/2014/main" id="{DD1256B2-969E-76E3-F585-5DF513E09400}"/>
+                <a16:creationId xmlns:a16="http://schemas.microsoft.com/office/drawing/2014/main" id="{CA328991-94D5-E0AD-BD8B-741638E997DB}"/>
               </a:ext>
             </a:extLst>
           </p:cNvPr>
-          <p:cNvPicPr>
-            <a:picLocks noChangeAspect="1"/>
-          </p:cNvPicPr>
+          <p:cNvSpPr txBox="1"/>
           <p:nvPr/>
-        </p:nvPicPr>
-        <p:blipFill>
-          <a:blip r:embed="rId3"/>
-          <a:stretch>
-            <a:fillRect/>
-          </a:stretch>
-        </p:blipFill>
+        </p:nvSpPr>
         <p:spPr>
           <a:xfrm>
-            <a:off x="8159729" y="2408023"/>
-            <a:ext cx="3816391" cy="3774221"/>
+            <a:off x="8412494" y="2444308"/>
+            <a:ext cx="3310861" cy="3754874"/>
           </a:xfrm>
           <a:prstGeom prst="rect">
             <a:avLst/>
           </a:prstGeom>
+          <a:noFill/>
+          <a:ln>
+            <a:solidFill>
+              <a:schemeClr val="bg2"/>
+            </a:solidFill>
+          </a:ln>
         </p:spPr>
-      </p:pic>
+        <p:txBody>
+          <a:bodyPr wrap="square">
+            <a:spAutoFit/>
+          </a:bodyPr>
+          <a:lstStyle/>
+          <a:p>
+            <a:pPr algn="l">
+              <a:buNone/>
+            </a:pPr>
+            <a:r>
+              <a:rPr lang="zh-CN" altLang="en-US" sz="2800" b="1" dirty="0">
+                <a:solidFill>
+                  <a:srgbClr val="001080"/>
+                </a:solidFill>
+                <a:effectLst/>
+                <a:latin typeface="Times New Roman" panose="02020603050405020304" pitchFamily="18" charset="0"/>
+                <a:ea typeface="+mn-ea"/>
+                <a:cs typeface="Times New Roman" panose="02020603050405020304" pitchFamily="18" charset="0"/>
+              </a:rPr>
+              <a:t>不推荐</a:t>
+            </a:r>
+            <a:endParaRPr lang="en-US" altLang="zh-CN" sz="2800" b="1" dirty="0">
+              <a:solidFill>
+                <a:srgbClr val="001080"/>
+              </a:solidFill>
+              <a:effectLst/>
+              <a:latin typeface="Times New Roman" panose="02020603050405020304" pitchFamily="18" charset="0"/>
+              <a:ea typeface="+mn-ea"/>
+              <a:cs typeface="Times New Roman" panose="02020603050405020304" pitchFamily="18" charset="0"/>
+            </a:endParaRPr>
+          </a:p>
+          <a:p>
+            <a:pPr algn="l">
+              <a:buNone/>
+            </a:pPr>
+            <a:r>
+              <a:rPr lang="en-US" altLang="zh-CN" sz="2800" b="1" dirty="0">
+                <a:solidFill>
+                  <a:srgbClr val="001080"/>
+                </a:solidFill>
+                <a:effectLst/>
+                <a:latin typeface="Times New Roman" panose="02020603050405020304" pitchFamily="18" charset="0"/>
+                <a:ea typeface="+mn-ea"/>
+                <a:cs typeface="Times New Roman" panose="02020603050405020304" pitchFamily="18" charset="0"/>
+              </a:rPr>
+              <a:t>a</a:t>
+            </a:r>
+            <a:r>
+              <a:rPr lang="en-US" altLang="zh-CN" sz="2800" b="1" dirty="0">
+                <a:solidFill>
+                  <a:srgbClr val="000000"/>
+                </a:solidFill>
+                <a:effectLst/>
+                <a:latin typeface="Times New Roman" panose="02020603050405020304" pitchFamily="18" charset="0"/>
+                <a:ea typeface="+mn-ea"/>
+                <a:cs typeface="Times New Roman" panose="02020603050405020304" pitchFamily="18" charset="0"/>
+              </a:rPr>
+              <a:t> = 10</a:t>
+            </a:r>
+          </a:p>
+          <a:p>
+            <a:pPr algn="l"/>
+            <a:r>
+              <a:rPr lang="en-US" altLang="zh-CN" sz="2800" b="1" dirty="0">
+                <a:solidFill>
+                  <a:srgbClr val="001080"/>
+                </a:solidFill>
+                <a:latin typeface="Times New Roman" panose="02020603050405020304" pitchFamily="18" charset="0"/>
+                <a:cs typeface="Times New Roman" panose="02020603050405020304" pitchFamily="18" charset="0"/>
+              </a:rPr>
+              <a:t>b</a:t>
+            </a:r>
+            <a:r>
+              <a:rPr lang="en-US" altLang="zh-CN" sz="2800" b="1" dirty="0">
+                <a:solidFill>
+                  <a:srgbClr val="000000"/>
+                </a:solidFill>
+                <a:latin typeface="Times New Roman" panose="02020603050405020304" pitchFamily="18" charset="0"/>
+                <a:cs typeface="Times New Roman" panose="02020603050405020304" pitchFamily="18" charset="0"/>
+              </a:rPr>
+              <a:t> = </a:t>
+            </a:r>
+            <a:r>
+              <a:rPr lang="en-US" altLang="zh-CN" sz="2800" b="1" dirty="0">
+                <a:solidFill>
+                  <a:srgbClr val="A31515"/>
+                </a:solidFill>
+                <a:latin typeface="Times New Roman" panose="02020603050405020304" pitchFamily="18" charset="0"/>
+                <a:cs typeface="Times New Roman" panose="02020603050405020304" pitchFamily="18" charset="0"/>
+              </a:rPr>
+              <a:t>“Tom"</a:t>
+            </a:r>
+            <a:endParaRPr lang="en-US" altLang="zh-CN" sz="2800" b="1" dirty="0">
+              <a:solidFill>
+                <a:srgbClr val="001080"/>
+              </a:solidFill>
+              <a:effectLst/>
+              <a:latin typeface="Times New Roman" panose="02020603050405020304" pitchFamily="18" charset="0"/>
+              <a:ea typeface="+mn-ea"/>
+              <a:cs typeface="Times New Roman" panose="02020603050405020304" pitchFamily="18" charset="0"/>
+            </a:endParaRPr>
+          </a:p>
+          <a:p>
+            <a:pPr algn="l">
+              <a:buNone/>
+            </a:pPr>
+            <a:r>
+              <a:rPr lang="zh-CN" altLang="en-US" sz="2800" b="1" dirty="0">
+                <a:solidFill>
+                  <a:srgbClr val="001080"/>
+                </a:solidFill>
+                <a:latin typeface="Times New Roman" panose="02020603050405020304" pitchFamily="18" charset="0"/>
+                <a:ea typeface="+mn-ea"/>
+                <a:cs typeface="Times New Roman" panose="02020603050405020304" pitchFamily="18" charset="0"/>
+              </a:rPr>
+              <a:t>推荐</a:t>
+            </a:r>
+            <a:r>
+              <a:rPr lang="zh-CN" altLang="en-US" sz="2800" b="1" dirty="0">
+                <a:solidFill>
+                  <a:srgbClr val="001080"/>
+                </a:solidFill>
+                <a:effectLst/>
+                <a:latin typeface="Times New Roman" panose="02020603050405020304" pitchFamily="18" charset="0"/>
+                <a:ea typeface="+mn-ea"/>
+                <a:cs typeface="Times New Roman" panose="02020603050405020304" pitchFamily="18" charset="0"/>
+              </a:rPr>
+              <a:t>：</a:t>
+            </a:r>
+            <a:endParaRPr lang="en-US" altLang="zh-CN" sz="2800" b="1" dirty="0">
+              <a:solidFill>
+                <a:srgbClr val="001080"/>
+              </a:solidFill>
+              <a:effectLst/>
+              <a:latin typeface="Times New Roman" panose="02020603050405020304" pitchFamily="18" charset="0"/>
+              <a:ea typeface="+mn-ea"/>
+              <a:cs typeface="Times New Roman" panose="02020603050405020304" pitchFamily="18" charset="0"/>
+            </a:endParaRPr>
+          </a:p>
+          <a:p>
+            <a:pPr algn="l">
+              <a:buNone/>
+            </a:pPr>
+            <a:r>
+              <a:rPr lang="en-US" altLang="zh-CN" sz="2800" b="1" dirty="0" err="1">
+                <a:solidFill>
+                  <a:srgbClr val="001080"/>
+                </a:solidFill>
+                <a:latin typeface="Times New Roman" panose="02020603050405020304" pitchFamily="18" charset="0"/>
+                <a:ea typeface="+mn-ea"/>
+                <a:cs typeface="Times New Roman" panose="02020603050405020304" pitchFamily="18" charset="0"/>
+              </a:rPr>
+              <a:t>i</a:t>
+            </a:r>
+            <a:r>
+              <a:rPr lang="en-US" altLang="zh-CN" sz="2800" b="1" dirty="0" err="1">
+                <a:solidFill>
+                  <a:srgbClr val="001080"/>
+                </a:solidFill>
+                <a:effectLst/>
+                <a:latin typeface="Times New Roman" panose="02020603050405020304" pitchFamily="18" charset="0"/>
+                <a:ea typeface="+mn-ea"/>
+                <a:cs typeface="Times New Roman" panose="02020603050405020304" pitchFamily="18" charset="0"/>
+              </a:rPr>
+              <a:t>tem_count</a:t>
+            </a:r>
+            <a:r>
+              <a:rPr lang="en-US" altLang="zh-CN" sz="2800" b="1" dirty="0">
+                <a:solidFill>
+                  <a:srgbClr val="001080"/>
+                </a:solidFill>
+                <a:effectLst/>
+                <a:latin typeface="Times New Roman" panose="02020603050405020304" pitchFamily="18" charset="0"/>
+                <a:ea typeface="+mn-ea"/>
+                <a:cs typeface="Times New Roman" panose="02020603050405020304" pitchFamily="18" charset="0"/>
+              </a:rPr>
+              <a:t> = 10</a:t>
+            </a:r>
+          </a:p>
+          <a:p>
+            <a:pPr algn="l">
+              <a:buNone/>
+            </a:pPr>
+            <a:r>
+              <a:rPr lang="en-US" altLang="zh-CN" sz="2800" b="1" dirty="0" err="1">
+                <a:solidFill>
+                  <a:srgbClr val="001080"/>
+                </a:solidFill>
+                <a:latin typeface="Times New Roman" panose="02020603050405020304" pitchFamily="18" charset="0"/>
+                <a:ea typeface="+mn-ea"/>
+                <a:cs typeface="Times New Roman" panose="02020603050405020304" pitchFamily="18" charset="0"/>
+              </a:rPr>
+              <a:t>u</a:t>
+            </a:r>
+            <a:r>
+              <a:rPr lang="en-US" altLang="zh-CN" sz="2800" b="1" dirty="0" err="1">
+                <a:solidFill>
+                  <a:srgbClr val="001080"/>
+                </a:solidFill>
+                <a:effectLst/>
+                <a:latin typeface="Times New Roman" panose="02020603050405020304" pitchFamily="18" charset="0"/>
+                <a:ea typeface="+mn-ea"/>
+                <a:cs typeface="Times New Roman" panose="02020603050405020304" pitchFamily="18" charset="0"/>
+              </a:rPr>
+              <a:t>ser_name</a:t>
+            </a:r>
+            <a:r>
+              <a:rPr lang="en-US" altLang="zh-CN" sz="2800" b="1" dirty="0">
+                <a:solidFill>
+                  <a:srgbClr val="001080"/>
+                </a:solidFill>
+                <a:effectLst/>
+                <a:latin typeface="Times New Roman" panose="02020603050405020304" pitchFamily="18" charset="0"/>
+                <a:ea typeface="+mn-ea"/>
+                <a:cs typeface="Times New Roman" panose="02020603050405020304" pitchFamily="18" charset="0"/>
+              </a:rPr>
+              <a:t> = </a:t>
+            </a:r>
+            <a:r>
+              <a:rPr lang="en-US" altLang="zh-CN" sz="2800" b="1" dirty="0">
+                <a:solidFill>
+                  <a:srgbClr val="A31515"/>
+                </a:solidFill>
+                <a:latin typeface="Times New Roman" panose="02020603050405020304" pitchFamily="18" charset="0"/>
+                <a:cs typeface="Times New Roman" panose="02020603050405020304" pitchFamily="18" charset="0"/>
+              </a:rPr>
+              <a:t>“Tom"</a:t>
+            </a:r>
+            <a:endParaRPr lang="en-US" altLang="zh-CN" sz="2800" b="1" dirty="0">
+              <a:solidFill>
+                <a:srgbClr val="001080"/>
+              </a:solidFill>
+              <a:effectLst/>
+              <a:latin typeface="Times New Roman" panose="02020603050405020304" pitchFamily="18" charset="0"/>
+              <a:ea typeface="+mn-ea"/>
+              <a:cs typeface="Times New Roman" panose="02020603050405020304" pitchFamily="18" charset="0"/>
+            </a:endParaRPr>
+          </a:p>
+        </p:txBody>
+      </p:sp>
     </p:spTree>
     <p:extLst>
       <p:ext uri="{BB962C8B-B14F-4D97-AF65-F5344CB8AC3E}">
@@ -30784,6 +32416,52 @@
       </p:grpSpPr>
       <p:sp>
         <p:nvSpPr>
+          <p:cNvPr id="13" name="矩形 12">
+            <a:extLst>
+              <a:ext uri="{FF2B5EF4-FFF2-40B4-BE49-F238E27FC236}">
+                <a16:creationId xmlns:a16="http://schemas.microsoft.com/office/drawing/2014/main" id="{8365369E-D40A-4C74-68E6-B5533B01E980}"/>
+              </a:ext>
+            </a:extLst>
+          </p:cNvPr>
+          <p:cNvSpPr/>
+          <p:nvPr/>
+        </p:nvSpPr>
+        <p:spPr>
+          <a:xfrm>
+            <a:off x="5718495" y="4304105"/>
+            <a:ext cx="6350313" cy="2467944"/>
+          </a:xfrm>
+          <a:prstGeom prst="rect">
+            <a:avLst/>
+          </a:prstGeom>
+          <a:solidFill>
+            <a:schemeClr val="tx1"/>
+          </a:solidFill>
+          <a:ln w="28575">
+            <a:solidFill>
+              <a:schemeClr val="bg1"/>
+            </a:solidFill>
+          </a:ln>
+        </p:spPr>
+        <p:txBody>
+          <a:bodyPr wrap="square" lIns="0" rtlCol="0" anchor="ctr">
+            <a:noAutofit/>
+          </a:bodyPr>
+          <a:lstStyle/>
+          <a:p>
+            <a:pPr algn="l"/>
+            <a:endParaRPr lang="zh-CN" altLang="en-US" b="1" dirty="0">
+              <a:solidFill>
+                <a:srgbClr val="FF0000"/>
+              </a:solidFill>
+              <a:latin typeface="微软雅黑" pitchFamily="34" charset="-122"/>
+              <a:ea typeface="微软雅黑" pitchFamily="34" charset="-122"/>
+            </a:endParaRPr>
+          </a:p>
+        </p:txBody>
+      </p:sp>
+      <p:sp>
+        <p:nvSpPr>
           <p:cNvPr id="3" name="标题 2"/>
           <p:cNvSpPr>
             <a:spLocks noGrp="1"/>
@@ -30970,66 +32648,6 @@
           </a:p>
         </p:txBody>
       </p:sp>
-      <p:pic>
-        <p:nvPicPr>
-          <p:cNvPr id="5" name="Picture 4" descr="A screenshot of a computer&#10;&#10;AI-generated content may be incorrect.">
-            <a:extLst>
-              <a:ext uri="{FF2B5EF4-FFF2-40B4-BE49-F238E27FC236}">
-                <a16:creationId xmlns:a16="http://schemas.microsoft.com/office/drawing/2014/main" id="{6E043B62-585B-96D3-4608-3F7ED635812D}"/>
-              </a:ext>
-            </a:extLst>
-          </p:cNvPr>
-          <p:cNvPicPr>
-            <a:picLocks noChangeAspect="1"/>
-          </p:cNvPicPr>
-          <p:nvPr/>
-        </p:nvPicPr>
-        <p:blipFill>
-          <a:blip r:embed="rId3"/>
-          <a:stretch>
-            <a:fillRect/>
-          </a:stretch>
-        </p:blipFill>
-        <p:spPr>
-          <a:xfrm>
-            <a:off x="5038980" y="4407928"/>
-            <a:ext cx="7029830" cy="2240501"/>
-          </a:xfrm>
-          <a:prstGeom prst="rect">
-            <a:avLst/>
-          </a:prstGeom>
-        </p:spPr>
-      </p:pic>
-      <p:pic>
-        <p:nvPicPr>
-          <p:cNvPr id="8" name="图片 7">
-            <a:extLst>
-              <a:ext uri="{FF2B5EF4-FFF2-40B4-BE49-F238E27FC236}">
-                <a16:creationId xmlns:a16="http://schemas.microsoft.com/office/drawing/2014/main" id="{9DA8C4C1-015F-FAB3-DC38-2CCE9071ECAE}"/>
-              </a:ext>
-            </a:extLst>
-          </p:cNvPr>
-          <p:cNvPicPr>
-            <a:picLocks noChangeAspect="1"/>
-          </p:cNvPicPr>
-          <p:nvPr/>
-        </p:nvPicPr>
-        <p:blipFill>
-          <a:blip r:embed="rId4"/>
-          <a:stretch>
-            <a:fillRect/>
-          </a:stretch>
-        </p:blipFill>
-        <p:spPr>
-          <a:xfrm>
-            <a:off x="442323" y="4562272"/>
-            <a:ext cx="4153355" cy="651506"/>
-          </a:xfrm>
-          <a:prstGeom prst="rect">
-            <a:avLst/>
-          </a:prstGeom>
-        </p:spPr>
-      </p:pic>
       <p:sp>
         <p:nvSpPr>
           <p:cNvPr id="9" name="文本框 8">
@@ -31162,6 +32780,489 @@
                 <a:ea typeface="+mn-ea"/>
               </a:rPr>
               <a:t>。</a:t>
+            </a:r>
+          </a:p>
+        </p:txBody>
+      </p:sp>
+      <p:grpSp>
+        <p:nvGrpSpPr>
+          <p:cNvPr id="11" name="组合 10">
+            <a:extLst>
+              <a:ext uri="{FF2B5EF4-FFF2-40B4-BE49-F238E27FC236}">
+                <a16:creationId xmlns:a16="http://schemas.microsoft.com/office/drawing/2014/main" id="{61C920C3-8595-0D50-8CDC-0DC885751374}"/>
+              </a:ext>
+            </a:extLst>
+          </p:cNvPr>
+          <p:cNvGrpSpPr/>
+          <p:nvPr/>
+        </p:nvGrpSpPr>
+        <p:grpSpPr>
+          <a:xfrm>
+            <a:off x="324441" y="4476938"/>
+            <a:ext cx="4588094" cy="643463"/>
+            <a:chOff x="4698125" y="1191873"/>
+            <a:chExt cx="4389120" cy="643463"/>
+          </a:xfrm>
+        </p:grpSpPr>
+        <p:sp>
+          <p:nvSpPr>
+            <p:cNvPr id="10" name="矩形 9">
+              <a:extLst>
+                <a:ext uri="{FF2B5EF4-FFF2-40B4-BE49-F238E27FC236}">
+                  <a16:creationId xmlns:a16="http://schemas.microsoft.com/office/drawing/2014/main" id="{6A96F3F6-9A0A-D2C4-DDB1-F1B1F0DF090B}"/>
+                </a:ext>
+              </a:extLst>
+            </p:cNvPr>
+            <p:cNvSpPr/>
+            <p:nvPr/>
+          </p:nvSpPr>
+          <p:spPr>
+            <a:xfrm>
+              <a:off x="4704431" y="1191873"/>
+              <a:ext cx="4382814" cy="643463"/>
+            </a:xfrm>
+            <a:prstGeom prst="rect">
+              <a:avLst/>
+            </a:prstGeom>
+            <a:solidFill>
+              <a:schemeClr val="tx1"/>
+            </a:solidFill>
+            <a:ln w="28575">
+              <a:solidFill>
+                <a:schemeClr val="bg1"/>
+              </a:solidFill>
+            </a:ln>
+          </p:spPr>
+          <p:txBody>
+            <a:bodyPr wrap="square" lIns="0" rtlCol="0" anchor="ctr">
+              <a:noAutofit/>
+            </a:bodyPr>
+            <a:lstStyle/>
+            <a:p>
+              <a:pPr algn="l"/>
+              <a:endParaRPr lang="zh-CN" altLang="en-US" b="1" dirty="0">
+                <a:solidFill>
+                  <a:srgbClr val="FF0000"/>
+                </a:solidFill>
+                <a:latin typeface="微软雅黑" pitchFamily="34" charset="-122"/>
+                <a:ea typeface="微软雅黑" pitchFamily="34" charset="-122"/>
+              </a:endParaRPr>
+            </a:p>
+          </p:txBody>
+        </p:sp>
+        <p:sp>
+          <p:nvSpPr>
+            <p:cNvPr id="7" name="文本框 6">
+              <a:extLst>
+                <a:ext uri="{FF2B5EF4-FFF2-40B4-BE49-F238E27FC236}">
+                  <a16:creationId xmlns:a16="http://schemas.microsoft.com/office/drawing/2014/main" id="{DD94F4C8-7A51-2570-9A90-0C20EA6C5620}"/>
+                </a:ext>
+              </a:extLst>
+            </p:cNvPr>
+            <p:cNvSpPr txBox="1"/>
+            <p:nvPr/>
+          </p:nvSpPr>
+          <p:spPr>
+            <a:xfrm>
+              <a:off x="4698125" y="1337537"/>
+              <a:ext cx="4385929" cy="409151"/>
+            </a:xfrm>
+            <a:prstGeom prst="rect">
+              <a:avLst/>
+            </a:prstGeom>
+            <a:noFill/>
+            <a:ln>
+              <a:noFill/>
+            </a:ln>
+          </p:spPr>
+          <p:txBody>
+            <a:bodyPr wrap="square">
+              <a:spAutoFit/>
+            </a:bodyPr>
+            <a:lstStyle/>
+            <a:p>
+              <a:pPr>
+                <a:lnSpc>
+                  <a:spcPts val="2400"/>
+                </a:lnSpc>
+                <a:buNone/>
+              </a:pPr>
+              <a:r>
+                <a:rPr lang="en-US" altLang="zh-CN" sz="2800" b="1" dirty="0">
+                  <a:solidFill>
+                    <a:srgbClr val="001080"/>
+                  </a:solidFill>
+                  <a:effectLst/>
+                  <a:latin typeface="Consolas" panose="020B0609020204030204" pitchFamily="49" charset="0"/>
+                </a:rPr>
+                <a:t>a</a:t>
+              </a:r>
+              <a:r>
+                <a:rPr lang="en-US" altLang="zh-CN" sz="2800" b="1" dirty="0">
+                  <a:solidFill>
+                    <a:srgbClr val="000000"/>
+                  </a:solidFill>
+                  <a:effectLst/>
+                  <a:latin typeface="Consolas" panose="020B0609020204030204" pitchFamily="49" charset="0"/>
+                </a:rPr>
+                <a:t> = </a:t>
+              </a:r>
+              <a:r>
+                <a:rPr lang="en-US" altLang="zh-CN" sz="2800" b="1" dirty="0">
+                  <a:solidFill>
+                    <a:srgbClr val="098658"/>
+                  </a:solidFill>
+                  <a:effectLst/>
+                  <a:latin typeface="Consolas" panose="020B0609020204030204" pitchFamily="49" charset="0"/>
+                </a:rPr>
+                <a:t>10</a:t>
+              </a:r>
+              <a:r>
+                <a:rPr lang="en-US" altLang="zh-CN" sz="2800" b="1" dirty="0">
+                  <a:solidFill>
+                    <a:srgbClr val="000000"/>
+                  </a:solidFill>
+                  <a:effectLst/>
+                  <a:latin typeface="Consolas" panose="020B0609020204030204" pitchFamily="49" charset="0"/>
+                </a:rPr>
+                <a:t>  </a:t>
+              </a:r>
+              <a:r>
+                <a:rPr lang="en-US" altLang="zh-CN" sz="2800" b="1" dirty="0">
+                  <a:solidFill>
+                    <a:srgbClr val="008000"/>
+                  </a:solidFill>
+                  <a:effectLst/>
+                  <a:latin typeface="Consolas" panose="020B0609020204030204" pitchFamily="49" charset="0"/>
+                </a:rPr>
+                <a:t># a —&gt; </a:t>
+              </a:r>
+              <a:r>
+                <a:rPr lang="zh-CN" altLang="en-US" sz="2800" b="1" dirty="0">
+                  <a:solidFill>
+                    <a:srgbClr val="008000"/>
+                  </a:solidFill>
+                  <a:latin typeface="Consolas" panose="020B0609020204030204" pitchFamily="49" charset="0"/>
+                </a:rPr>
+                <a:t>对象</a:t>
+              </a:r>
+              <a:r>
+                <a:rPr lang="en-US" altLang="zh-CN" sz="2800" b="1" dirty="0">
+                  <a:solidFill>
+                    <a:srgbClr val="008000"/>
+                  </a:solidFill>
+                  <a:effectLst/>
+                  <a:latin typeface="Consolas" panose="020B0609020204030204" pitchFamily="49" charset="0"/>
+                </a:rPr>
+                <a:t>10</a:t>
+              </a:r>
+              <a:endParaRPr lang="en-US" altLang="zh-CN" sz="2800" b="1" dirty="0">
+                <a:solidFill>
+                  <a:srgbClr val="000000"/>
+                </a:solidFill>
+                <a:effectLst/>
+                <a:latin typeface="Consolas" panose="020B0609020204030204" pitchFamily="49" charset="0"/>
+              </a:endParaRPr>
+            </a:p>
+          </p:txBody>
+        </p:sp>
+      </p:grpSp>
+      <p:sp>
+        <p:nvSpPr>
+          <p:cNvPr id="12" name="文本框 11">
+            <a:extLst>
+              <a:ext uri="{FF2B5EF4-FFF2-40B4-BE49-F238E27FC236}">
+                <a16:creationId xmlns:a16="http://schemas.microsoft.com/office/drawing/2014/main" id="{76842210-6E84-5A69-E234-18234FB9DE5C}"/>
+              </a:ext>
+            </a:extLst>
+          </p:cNvPr>
+          <p:cNvSpPr txBox="1"/>
+          <p:nvPr/>
+        </p:nvSpPr>
+        <p:spPr>
+          <a:xfrm>
+            <a:off x="5763864" y="4401417"/>
+            <a:ext cx="6186398" cy="2339102"/>
+          </a:xfrm>
+          <a:prstGeom prst="rect">
+            <a:avLst/>
+          </a:prstGeom>
+          <a:noFill/>
+          <a:ln>
+            <a:noFill/>
+          </a:ln>
+        </p:spPr>
+        <p:txBody>
+          <a:bodyPr wrap="square">
+            <a:spAutoFit/>
+          </a:bodyPr>
+          <a:lstStyle/>
+          <a:p>
+            <a:pPr algn="l">
+              <a:lnSpc>
+                <a:spcPts val="2400"/>
+              </a:lnSpc>
+              <a:buNone/>
+            </a:pPr>
+            <a:r>
+              <a:rPr lang="en-US" altLang="zh-CN" sz="2800" b="1" dirty="0">
+                <a:solidFill>
+                  <a:srgbClr val="001080"/>
+                </a:solidFill>
+                <a:effectLst/>
+                <a:latin typeface="Consolas" panose="020B0609020204030204" pitchFamily="49" charset="0"/>
+              </a:rPr>
+              <a:t>a</a:t>
+            </a:r>
+            <a:r>
+              <a:rPr lang="en-US" altLang="zh-CN" sz="2800" b="1" dirty="0">
+                <a:solidFill>
+                  <a:srgbClr val="000000"/>
+                </a:solidFill>
+                <a:effectLst/>
+                <a:latin typeface="Consolas" panose="020B0609020204030204" pitchFamily="49" charset="0"/>
+              </a:rPr>
+              <a:t> = </a:t>
+            </a:r>
+            <a:r>
+              <a:rPr lang="en-US" altLang="zh-CN" sz="2800" b="1" dirty="0">
+                <a:solidFill>
+                  <a:srgbClr val="098658"/>
+                </a:solidFill>
+                <a:effectLst/>
+                <a:latin typeface="Consolas" panose="020B0609020204030204" pitchFamily="49" charset="0"/>
+              </a:rPr>
+              <a:t>[1,2,3]</a:t>
+            </a:r>
+            <a:r>
+              <a:rPr lang="en-US" altLang="zh-CN" sz="2800" b="1" dirty="0">
+                <a:solidFill>
+                  <a:srgbClr val="000000"/>
+                </a:solidFill>
+                <a:effectLst/>
+                <a:latin typeface="Consolas" panose="020B0609020204030204" pitchFamily="49" charset="0"/>
+              </a:rPr>
+              <a:t>  </a:t>
+            </a:r>
+            <a:r>
+              <a:rPr lang="en-US" altLang="zh-CN" sz="2800" b="1" dirty="0">
+                <a:solidFill>
+                  <a:srgbClr val="008000"/>
+                </a:solidFill>
+                <a:effectLst/>
+                <a:latin typeface="Consolas" panose="020B0609020204030204" pitchFamily="49" charset="0"/>
+              </a:rPr>
+              <a:t># a</a:t>
+            </a:r>
+            <a:r>
+              <a:rPr lang="zh-CN" altLang="en-US" sz="2800" b="1" dirty="0">
+                <a:solidFill>
+                  <a:srgbClr val="008000"/>
+                </a:solidFill>
+                <a:effectLst/>
+                <a:latin typeface="Consolas" panose="020B0609020204030204" pitchFamily="49" charset="0"/>
+              </a:rPr>
+              <a:t>引用列表对象</a:t>
+            </a:r>
+            <a:endParaRPr lang="en-US" altLang="zh-CN" sz="2800" b="1" dirty="0">
+              <a:solidFill>
+                <a:srgbClr val="008000"/>
+              </a:solidFill>
+              <a:effectLst/>
+              <a:latin typeface="Consolas" panose="020B0609020204030204" pitchFamily="49" charset="0"/>
+            </a:endParaRPr>
+          </a:p>
+          <a:p>
+            <a:pPr algn="l"/>
+            <a:r>
+              <a:rPr lang="en-US" altLang="zh-CN" sz="2800" b="1" dirty="0">
+                <a:solidFill>
+                  <a:srgbClr val="001080"/>
+                </a:solidFill>
+                <a:latin typeface="Times New Roman" panose="02020603050405020304" pitchFamily="18" charset="0"/>
+                <a:cs typeface="Times New Roman" panose="02020603050405020304" pitchFamily="18" charset="0"/>
+              </a:rPr>
+              <a:t>b</a:t>
+            </a:r>
+            <a:r>
+              <a:rPr lang="en-US" altLang="zh-CN" sz="2800" b="1" dirty="0">
+                <a:solidFill>
+                  <a:srgbClr val="000000"/>
+                </a:solidFill>
+                <a:latin typeface="Times New Roman" panose="02020603050405020304" pitchFamily="18" charset="0"/>
+                <a:cs typeface="Times New Roman" panose="02020603050405020304" pitchFamily="18" charset="0"/>
+              </a:rPr>
+              <a:t> = </a:t>
+            </a:r>
+            <a:r>
+              <a:rPr lang="en-US" altLang="zh-CN" sz="2800" b="1" dirty="0">
+                <a:solidFill>
+                  <a:srgbClr val="001080"/>
+                </a:solidFill>
+                <a:latin typeface="Times New Roman" panose="02020603050405020304" pitchFamily="18" charset="0"/>
+                <a:cs typeface="Times New Roman" panose="02020603050405020304" pitchFamily="18" charset="0"/>
+              </a:rPr>
+              <a:t>10 </a:t>
+            </a:r>
+            <a:r>
+              <a:rPr lang="en-US" altLang="zh-CN" sz="2800" b="1" dirty="0">
+                <a:solidFill>
+                  <a:srgbClr val="000000"/>
+                </a:solidFill>
+                <a:latin typeface="Times New Roman" panose="02020603050405020304" pitchFamily="18" charset="0"/>
+                <a:cs typeface="Times New Roman" panose="02020603050405020304" pitchFamily="18" charset="0"/>
+              </a:rPr>
+              <a:t>                 </a:t>
+            </a:r>
+            <a:r>
+              <a:rPr lang="en-US" altLang="zh-CN" sz="2800" b="1" dirty="0">
+                <a:solidFill>
+                  <a:srgbClr val="008000"/>
+                </a:solidFill>
+                <a:latin typeface="Consolas" panose="020B0609020204030204" pitchFamily="49" charset="0"/>
+              </a:rPr>
+              <a:t># b</a:t>
+            </a:r>
+            <a:r>
+              <a:rPr lang="zh-CN" altLang="en-US" sz="2800" b="1" dirty="0">
+                <a:solidFill>
+                  <a:srgbClr val="008000"/>
+                </a:solidFill>
+                <a:latin typeface="Consolas" panose="020B0609020204030204" pitchFamily="49" charset="0"/>
+              </a:rPr>
+              <a:t>与</a:t>
+            </a:r>
+            <a:r>
+              <a:rPr lang="en-US" altLang="zh-CN" sz="2800" b="1" dirty="0">
+                <a:solidFill>
+                  <a:srgbClr val="008000"/>
+                </a:solidFill>
+                <a:latin typeface="Consolas" panose="020B0609020204030204" pitchFamily="49" charset="0"/>
+              </a:rPr>
+              <a:t>a</a:t>
+            </a:r>
+            <a:r>
+              <a:rPr lang="zh-CN" altLang="en-US" sz="2800" b="1" dirty="0">
+                <a:solidFill>
+                  <a:srgbClr val="008000"/>
+                </a:solidFill>
+                <a:latin typeface="Consolas" panose="020B0609020204030204" pitchFamily="49" charset="0"/>
+              </a:rPr>
+              <a:t>指向同一对象</a:t>
+            </a:r>
+            <a:endParaRPr lang="en-US" altLang="zh-CN" sz="2800" b="1" dirty="0">
+              <a:solidFill>
+                <a:srgbClr val="008000"/>
+              </a:solidFill>
+              <a:latin typeface="Consolas" panose="020B0609020204030204" pitchFamily="49" charset="0"/>
+            </a:endParaRPr>
+          </a:p>
+          <a:p>
+            <a:pPr algn="l"/>
+            <a:r>
+              <a:rPr lang="en-US" altLang="zh-CN" sz="2800" b="1" dirty="0" err="1">
+                <a:solidFill>
+                  <a:srgbClr val="001080"/>
+                </a:solidFill>
+                <a:latin typeface="Times New Roman" panose="02020603050405020304" pitchFamily="18" charset="0"/>
+                <a:cs typeface="Times New Roman" panose="02020603050405020304" pitchFamily="18" charset="0"/>
+              </a:rPr>
+              <a:t>b.append</a:t>
+            </a:r>
+            <a:r>
+              <a:rPr lang="en-US" altLang="zh-CN" sz="2800" b="1" dirty="0">
+                <a:solidFill>
+                  <a:srgbClr val="001080"/>
+                </a:solidFill>
+                <a:latin typeface="Times New Roman" panose="02020603050405020304" pitchFamily="18" charset="0"/>
+                <a:cs typeface="Times New Roman" panose="02020603050405020304" pitchFamily="18" charset="0"/>
+              </a:rPr>
+              <a:t>(4)        </a:t>
+            </a:r>
+            <a:r>
+              <a:rPr lang="en-US" altLang="zh-CN" sz="2800" b="1" dirty="0">
+                <a:solidFill>
+                  <a:srgbClr val="008000"/>
+                </a:solidFill>
+                <a:latin typeface="Consolas" panose="020B0609020204030204" pitchFamily="49" charset="0"/>
+              </a:rPr>
+              <a:t># </a:t>
+            </a:r>
+            <a:r>
+              <a:rPr lang="zh-CN" altLang="en-US" sz="2800" b="1" dirty="0">
+                <a:solidFill>
+                  <a:srgbClr val="008000"/>
+                </a:solidFill>
+                <a:latin typeface="Consolas" panose="020B0609020204030204" pitchFamily="49" charset="0"/>
+              </a:rPr>
+              <a:t>修改</a:t>
+            </a:r>
+            <a:r>
+              <a:rPr lang="en-US" altLang="zh-CN" sz="2800" b="1" dirty="0">
+                <a:solidFill>
+                  <a:srgbClr val="008000"/>
+                </a:solidFill>
+                <a:latin typeface="Consolas" panose="020B0609020204030204" pitchFamily="49" charset="0"/>
+              </a:rPr>
+              <a:t>a</a:t>
+            </a:r>
+            <a:r>
+              <a:rPr lang="zh-CN" altLang="en-US" sz="2800" b="1" dirty="0">
+                <a:solidFill>
+                  <a:srgbClr val="008000"/>
+                </a:solidFill>
+                <a:latin typeface="Consolas" panose="020B0609020204030204" pitchFamily="49" charset="0"/>
+              </a:rPr>
+              <a:t>也会影响</a:t>
+            </a:r>
+            <a:r>
+              <a:rPr lang="en-US" altLang="zh-CN" sz="2800" b="1" dirty="0">
+                <a:solidFill>
+                  <a:srgbClr val="008000"/>
+                </a:solidFill>
+                <a:latin typeface="Consolas" panose="020B0609020204030204" pitchFamily="49" charset="0"/>
+              </a:rPr>
+              <a:t>b</a:t>
+            </a:r>
+          </a:p>
+          <a:p>
+            <a:pPr algn="l"/>
+            <a:r>
+              <a:rPr lang="en-US" altLang="zh-CN" sz="2800" b="1" dirty="0">
+                <a:solidFill>
+                  <a:srgbClr val="001080"/>
+                </a:solidFill>
+                <a:latin typeface="Times New Roman" panose="02020603050405020304" pitchFamily="18" charset="0"/>
+                <a:cs typeface="Times New Roman" panose="02020603050405020304" pitchFamily="18" charset="0"/>
+              </a:rPr>
+              <a:t>print(n)               </a:t>
+            </a:r>
+            <a:r>
+              <a:rPr lang="en-US" altLang="zh-CN" sz="2800" b="1" dirty="0">
+                <a:solidFill>
+                  <a:srgbClr val="008000"/>
+                </a:solidFill>
+                <a:latin typeface="Consolas" panose="020B0609020204030204" pitchFamily="49" charset="0"/>
+              </a:rPr>
+              <a:t># </a:t>
+            </a:r>
+            <a:r>
+              <a:rPr lang="zh-CN" altLang="en-US" sz="2800" b="1" dirty="0">
+                <a:solidFill>
+                  <a:srgbClr val="008000"/>
+                </a:solidFill>
+                <a:latin typeface="Consolas" panose="020B0609020204030204" pitchFamily="49" charset="0"/>
+              </a:rPr>
+              <a:t>输出</a:t>
+            </a:r>
+            <a:r>
+              <a:rPr lang="en-US" altLang="zh-CN" sz="2800" b="1" dirty="0">
+                <a:solidFill>
+                  <a:srgbClr val="008000"/>
+                </a:solidFill>
+                <a:latin typeface="Consolas" panose="020B0609020204030204" pitchFamily="49" charset="0"/>
+              </a:rPr>
+              <a:t>[1,2,3,4]</a:t>
             </a:r>
           </a:p>
         </p:txBody>
@@ -32048,8 +34149,8 @@
         </p:blipFill>
         <p:spPr>
           <a:xfrm>
-            <a:off x="995320" y="5042182"/>
-            <a:ext cx="4527278" cy="1332626"/>
+            <a:off x="924509" y="5042181"/>
+            <a:ext cx="4579171" cy="1347901"/>
           </a:xfrm>
           <a:prstGeom prst="rect">
             <a:avLst/>
@@ -32078,8 +34179,8 @@
         </p:blipFill>
         <p:spPr>
           <a:xfrm>
-            <a:off x="5691594" y="5042182"/>
-            <a:ext cx="5869033" cy="1332626"/>
+            <a:off x="5672676" y="5042182"/>
+            <a:ext cx="5936301" cy="1347900"/>
           </a:xfrm>
           <a:prstGeom prst="rect">
             <a:avLst/>

--- a/第2章-变量与数据类型/第2章-变量与数据类型.pptx
+++ b/第2章-变量与数据类型/第2章-变量与数据类型.pptx
@@ -3914,7 +3914,7 @@
               </a14:hiddenFill>
             </a:ext>
             <a:ext uri="{FAA26D3D-D897-4be2-8F04-BA451C77F1D7}">
-              <ma14:placeholderFlag xmlns="" xmlns:ma14="http://schemas.microsoft.com/office/mac/drawingml/2011/main" val="1"/>
+              <ma14:placeholderFlag xmlns:ma14="http://schemas.microsoft.com/office/mac/drawingml/2011/main" xmlns="" val="1"/>
             </a:ext>
           </a:extLst>
         </p:spPr>
@@ -4302,7 +4302,7 @@
               </a14:hiddenLine>
             </a:ext>
             <a:ext uri="{FAA26D3D-D897-4be2-8F04-BA451C77F1D7}">
-              <ma14:placeholderFlag xmlns:ma14="http://schemas.microsoft.com/office/mac/drawingml/2011/main" xmlns="" val="1"/>
+              <ma14:placeholderFlag xmlns="" xmlns:ma14="http://schemas.microsoft.com/office/mac/drawingml/2011/main" val="1"/>
             </a:ext>
           </a:extLst>
         </p:spPr>
@@ -8487,7 +8487,7 @@
               </a14:hiddenLine>
             </a:ext>
             <a:ext uri="{FAA26D3D-D897-4be2-8F04-BA451C77F1D7}">
-              <ma14:placeholderFlag xmlns:ma14="http://schemas.microsoft.com/office/mac/drawingml/2011/main" xmlns="" val="1"/>
+              <ma14:placeholderFlag xmlns="" xmlns:ma14="http://schemas.microsoft.com/office/mac/drawingml/2011/main" val="1"/>
             </a:ext>
           </a:extLst>
         </p:spPr>
@@ -12183,7 +12183,7 @@
               </a14:hiddenLine>
             </a:ext>
             <a:ext uri="{FAA26D3D-D897-4be2-8F04-BA451C77F1D7}">
-              <ma14:placeholderFlag xmlns:ma14="http://schemas.microsoft.com/office/mac/drawingml/2011/main" xmlns="" val="1"/>
+              <ma14:placeholderFlag xmlns="" xmlns:ma14="http://schemas.microsoft.com/office/mac/drawingml/2011/main" val="1"/>
             </a:ext>
           </a:extLst>
         </p:spPr>
@@ -21052,8 +21052,8 @@
         </p:nvSpPr>
         <p:spPr>
           <a:xfrm>
-            <a:off x="523875" y="2001512"/>
-            <a:ext cx="10325100" cy="3698641"/>
+            <a:off x="523874" y="2001512"/>
+            <a:ext cx="11157263" cy="3698641"/>
           </a:xfrm>
           <a:prstGeom prst="rect">
             <a:avLst/>
@@ -22504,7 +22504,7 @@
         <p:spPr>
           <a:xfrm>
             <a:off x="214085" y="2026105"/>
-            <a:ext cx="9825265" cy="4708981"/>
+            <a:ext cx="11209476" cy="4708981"/>
           </a:xfrm>
           <a:prstGeom prst="rect">
             <a:avLst/>
@@ -25705,7 +25705,7 @@
         </p:nvSpPr>
         <p:spPr>
           <a:xfrm>
-            <a:off x="224973" y="1577161"/>
+            <a:off x="224973" y="1525649"/>
             <a:ext cx="7193682" cy="743986"/>
           </a:xfrm>
           <a:prstGeom prst="rect">
@@ -25868,8 +25868,8 @@
           </p:nvSpPr>
           <p:spPr>
             <a:xfrm>
-              <a:off x="6919146" y="2250980"/>
-              <a:ext cx="2446737" cy="402507"/>
+              <a:off x="6822961" y="2250980"/>
+              <a:ext cx="2932866" cy="402507"/>
             </a:xfrm>
             <a:prstGeom prst="rect">
               <a:avLst/>
@@ -25915,8 +25915,8 @@
         </p:nvSpPr>
         <p:spPr>
           <a:xfrm>
-            <a:off x="224973" y="2442015"/>
-            <a:ext cx="8280398" cy="3170099"/>
+            <a:off x="224973" y="2326111"/>
+            <a:ext cx="6944596" cy="3170099"/>
           </a:xfrm>
           <a:prstGeom prst="rect">
             <a:avLst/>
@@ -26073,7 +26073,7 @@
         </p:nvSpPr>
         <p:spPr>
           <a:xfrm>
-            <a:off x="116114" y="846748"/>
+            <a:off x="116114" y="808114"/>
             <a:ext cx="7860201" cy="825419"/>
           </a:xfrm>
           <a:prstGeom prst="rect">
